--- a/Assessed Work/CPU6001 - Project Viva Presentation.pptx
+++ b/Assessed Work/CPU6001 - Project Viva Presentation.pptx
@@ -5,22 +5,25 @@
     <p:sldMasterId id="2147483678" r:id="rId1"/>
   </p:sldMasterIdLst>
   <p:notesMasterIdLst>
-    <p:notesMasterId r:id="rId15"/>
+    <p:notesMasterId r:id="rId18"/>
   </p:notesMasterIdLst>
   <p:sldIdLst>
     <p:sldId id="256" r:id="rId2"/>
     <p:sldId id="257" r:id="rId3"/>
     <p:sldId id="264" r:id="rId4"/>
-    <p:sldId id="263" r:id="rId5"/>
-    <p:sldId id="267" r:id="rId6"/>
-    <p:sldId id="268" r:id="rId7"/>
-    <p:sldId id="265" r:id="rId8"/>
-    <p:sldId id="258" r:id="rId9"/>
-    <p:sldId id="260" r:id="rId10"/>
-    <p:sldId id="261" r:id="rId11"/>
-    <p:sldId id="259" r:id="rId12"/>
-    <p:sldId id="266" r:id="rId13"/>
-    <p:sldId id="262" r:id="rId14"/>
+    <p:sldId id="269" r:id="rId5"/>
+    <p:sldId id="270" r:id="rId6"/>
+    <p:sldId id="271" r:id="rId7"/>
+    <p:sldId id="263" r:id="rId8"/>
+    <p:sldId id="267" r:id="rId9"/>
+    <p:sldId id="268" r:id="rId10"/>
+    <p:sldId id="265" r:id="rId11"/>
+    <p:sldId id="258" r:id="rId12"/>
+    <p:sldId id="260" r:id="rId13"/>
+    <p:sldId id="261" r:id="rId14"/>
+    <p:sldId id="259" r:id="rId15"/>
+    <p:sldId id="266" r:id="rId16"/>
+    <p:sldId id="262" r:id="rId17"/>
   </p:sldIdLst>
   <p:sldSz cx="12192000" cy="6858000"/>
   <p:notesSz cx="6858000" cy="9144000"/>
@@ -119,6 +122,11 @@
       </a:defRPr>
     </a:lvl9pPr>
   </p:defaultTextStyle>
+  <p:extLst>
+    <p:ext uri="{EFAFB233-063F-42B5-8137-9DF3F51BA10A}">
+      <p15:sldGuideLst xmlns:p15="http://schemas.microsoft.com/office/powerpoint/2012/main"/>
+    </p:ext>
+  </p:extLst>
 </p:presentation>
 </file>
 
@@ -204,7 +212,7 @@
           <a:p>
             <a:fld id="{E8EADAF0-BB59-4580-9895-D038931753E0}" type="datetimeFigureOut">
               <a:rPr lang="en-GB" smtClean="0"/>
-              <a:t>08/05/2018</a:t>
+              <a:t>11/05/2018</a:t>
             </a:fld>
             <a:endParaRPr lang="en-GB"/>
           </a:p>
@@ -516,18 +524,268 @@
           <a:bodyPr/>
           <a:lstStyle/>
           <a:p>
+            <a:endParaRPr lang="en-GB" dirty="0"/>
+          </a:p>
+        </p:txBody>
+      </p:sp>
+      <p:sp>
+        <p:nvSpPr>
+          <p:cNvPr id="4" name="Slide Number Placeholder 3"/>
+          <p:cNvSpPr>
+            <a:spLocks noGrp="1"/>
+          </p:cNvSpPr>
+          <p:nvPr>
+            <p:ph type="sldNum" sz="quarter" idx="10"/>
+          </p:nvPr>
+        </p:nvSpPr>
+        <p:spPr/>
+        <p:txBody>
+          <a:bodyPr/>
+          <a:lstStyle/>
+          <a:p>
+            <a:fld id="{51538670-4314-4CEE-AB5D-6D2F348EF2B6}" type="slidenum">
+              <a:rPr lang="en-GB" smtClean="0"/>
+              <a:t>1</a:t>
+            </a:fld>
+            <a:endParaRPr lang="en-GB"/>
+          </a:p>
+        </p:txBody>
+      </p:sp>
+    </p:spTree>
+    <p:extLst>
+      <p:ext uri="{BB962C8B-B14F-4D97-AF65-F5344CB8AC3E}">
+        <p14:creationId xmlns:p14="http://schemas.microsoft.com/office/powerpoint/2010/main" val="3638568314"/>
+      </p:ext>
+    </p:extLst>
+  </p:cSld>
+  <p:clrMapOvr>
+    <a:masterClrMapping/>
+  </p:clrMapOvr>
+</p:notes>
+</file>
+
+<file path=ppt/notesSlides/notesSlide2.xml><?xml version="1.0" encoding="utf-8"?>
+<p:notes xmlns:a="http://schemas.openxmlformats.org/drawingml/2006/main" xmlns:r="http://schemas.openxmlformats.org/officeDocument/2006/relationships" xmlns:p="http://schemas.openxmlformats.org/presentationml/2006/main">
+  <p:cSld>
+    <p:spTree>
+      <p:nvGrpSpPr>
+        <p:cNvPr id="1" name=""/>
+        <p:cNvGrpSpPr/>
+        <p:nvPr/>
+      </p:nvGrpSpPr>
+      <p:grpSpPr>
+        <a:xfrm>
+          <a:off x="0" y="0"/>
+          <a:ext cx="0" cy="0"/>
+          <a:chOff x="0" y="0"/>
+          <a:chExt cx="0" cy="0"/>
+        </a:xfrm>
+      </p:grpSpPr>
+      <p:sp>
+        <p:nvSpPr>
+          <p:cNvPr id="2" name="Slide Image Placeholder 1"/>
+          <p:cNvSpPr>
+            <a:spLocks noGrp="1" noRot="1" noChangeAspect="1"/>
+          </p:cNvSpPr>
+          <p:nvPr>
+            <p:ph type="sldImg"/>
+          </p:nvPr>
+        </p:nvSpPr>
+        <p:spPr/>
+      </p:sp>
+      <p:sp>
+        <p:nvSpPr>
+          <p:cNvPr id="3" name="Notes Placeholder 2"/>
+          <p:cNvSpPr>
+            <a:spLocks noGrp="1"/>
+          </p:cNvSpPr>
+          <p:nvPr>
+            <p:ph type="body" idx="1"/>
+          </p:nvPr>
+        </p:nvSpPr>
+        <p:spPr/>
+        <p:txBody>
+          <a:bodyPr/>
+          <a:lstStyle/>
+          <a:p>
             <a:r>
               <a:rPr lang="en-GB" dirty="0"/>
-              <a:t>Create a pseudo-class diagram that shows the relationship between the </a:t>
-            </a:r>
-            <a:r>
-              <a:rPr lang="en-GB" dirty="0" err="1"/>
-              <a:t>TwitteRobot</a:t>
-            </a:r>
+              <a:t>Robocode robots could be developed in Microsoft .NET or Java. </a:t>
+            </a:r>
+          </a:p>
+          <a:p>
             <a:r>
               <a:rPr lang="en-GB" dirty="0"/>
-              <a:t> abstract class, interface and classes + robot controller.</a:t>
-            </a:r>
+              <a:t>Simply chose Java as I was familiar with it and felt that learning a new language would add too much academic challenge and become overwhelming.</a:t>
+            </a:r>
+          </a:p>
+        </p:txBody>
+      </p:sp>
+      <p:sp>
+        <p:nvSpPr>
+          <p:cNvPr id="4" name="Slide Number Placeholder 3"/>
+          <p:cNvSpPr>
+            <a:spLocks noGrp="1"/>
+          </p:cNvSpPr>
+          <p:nvPr>
+            <p:ph type="sldNum" sz="quarter" idx="10"/>
+          </p:nvPr>
+        </p:nvSpPr>
+        <p:spPr/>
+        <p:txBody>
+          <a:bodyPr/>
+          <a:lstStyle/>
+          <a:p>
+            <a:fld id="{51538670-4314-4CEE-AB5D-6D2F348EF2B6}" type="slidenum">
+              <a:rPr lang="en-GB" smtClean="0"/>
+              <a:t>3</a:t>
+            </a:fld>
+            <a:endParaRPr lang="en-GB"/>
+          </a:p>
+        </p:txBody>
+      </p:sp>
+    </p:spTree>
+    <p:extLst>
+      <p:ext uri="{BB962C8B-B14F-4D97-AF65-F5344CB8AC3E}">
+        <p14:creationId xmlns:p14="http://schemas.microsoft.com/office/powerpoint/2010/main" val="111958534"/>
+      </p:ext>
+    </p:extLst>
+  </p:cSld>
+  <p:clrMapOvr>
+    <a:masterClrMapping/>
+  </p:clrMapOvr>
+</p:notes>
+</file>
+
+<file path=ppt/notesSlides/notesSlide3.xml><?xml version="1.0" encoding="utf-8"?>
+<p:notes xmlns:a="http://schemas.openxmlformats.org/drawingml/2006/main" xmlns:r="http://schemas.openxmlformats.org/officeDocument/2006/relationships" xmlns:p="http://schemas.openxmlformats.org/presentationml/2006/main">
+  <p:cSld>
+    <p:spTree>
+      <p:nvGrpSpPr>
+        <p:cNvPr id="1" name=""/>
+        <p:cNvGrpSpPr/>
+        <p:nvPr/>
+      </p:nvGrpSpPr>
+      <p:grpSpPr>
+        <a:xfrm>
+          <a:off x="0" y="0"/>
+          <a:ext cx="0" cy="0"/>
+          <a:chOff x="0" y="0"/>
+          <a:chExt cx="0" cy="0"/>
+        </a:xfrm>
+      </p:grpSpPr>
+      <p:sp>
+        <p:nvSpPr>
+          <p:cNvPr id="2" name="Slide Image Placeholder 1"/>
+          <p:cNvSpPr>
+            <a:spLocks noGrp="1" noRot="1" noChangeAspect="1"/>
+          </p:cNvSpPr>
+          <p:nvPr>
+            <p:ph type="sldImg"/>
+          </p:nvPr>
+        </p:nvSpPr>
+        <p:spPr/>
+      </p:sp>
+      <p:sp>
+        <p:nvSpPr>
+          <p:cNvPr id="3" name="Notes Placeholder 2"/>
+          <p:cNvSpPr>
+            <a:spLocks noGrp="1"/>
+          </p:cNvSpPr>
+          <p:nvPr>
+            <p:ph type="body" idx="1"/>
+          </p:nvPr>
+        </p:nvSpPr>
+        <p:spPr/>
+        <p:txBody>
+          <a:bodyPr/>
+          <a:lstStyle/>
+          <a:p>
+            <a:endParaRPr lang="en-GB" dirty="0"/>
+          </a:p>
+        </p:txBody>
+      </p:sp>
+      <p:sp>
+        <p:nvSpPr>
+          <p:cNvPr id="4" name="Slide Number Placeholder 3"/>
+          <p:cNvSpPr>
+            <a:spLocks noGrp="1"/>
+          </p:cNvSpPr>
+          <p:nvPr>
+            <p:ph type="sldNum" sz="quarter" idx="10"/>
+          </p:nvPr>
+        </p:nvSpPr>
+        <p:spPr/>
+        <p:txBody>
+          <a:bodyPr/>
+          <a:lstStyle/>
+          <a:p>
+            <a:fld id="{51538670-4314-4CEE-AB5D-6D2F348EF2B6}" type="slidenum">
+              <a:rPr lang="en-GB" smtClean="0"/>
+              <a:t>5</a:t>
+            </a:fld>
+            <a:endParaRPr lang="en-GB"/>
+          </a:p>
+        </p:txBody>
+      </p:sp>
+    </p:spTree>
+    <p:extLst>
+      <p:ext uri="{BB962C8B-B14F-4D97-AF65-F5344CB8AC3E}">
+        <p14:creationId xmlns:p14="http://schemas.microsoft.com/office/powerpoint/2010/main" val="1798135917"/>
+      </p:ext>
+    </p:extLst>
+  </p:cSld>
+  <p:clrMapOvr>
+    <a:masterClrMapping/>
+  </p:clrMapOvr>
+</p:notes>
+</file>
+
+<file path=ppt/notesSlides/notesSlide4.xml><?xml version="1.0" encoding="utf-8"?>
+<p:notes xmlns:a="http://schemas.openxmlformats.org/drawingml/2006/main" xmlns:r="http://schemas.openxmlformats.org/officeDocument/2006/relationships" xmlns:p="http://schemas.openxmlformats.org/presentationml/2006/main">
+  <p:cSld>
+    <p:spTree>
+      <p:nvGrpSpPr>
+        <p:cNvPr id="1" name=""/>
+        <p:cNvGrpSpPr/>
+        <p:nvPr/>
+      </p:nvGrpSpPr>
+      <p:grpSpPr>
+        <a:xfrm>
+          <a:off x="0" y="0"/>
+          <a:ext cx="0" cy="0"/>
+          <a:chOff x="0" y="0"/>
+          <a:chExt cx="0" cy="0"/>
+        </a:xfrm>
+      </p:grpSpPr>
+      <p:sp>
+        <p:nvSpPr>
+          <p:cNvPr id="2" name="Slide Image Placeholder 1"/>
+          <p:cNvSpPr>
+            <a:spLocks noGrp="1" noRot="1" noChangeAspect="1"/>
+          </p:cNvSpPr>
+          <p:nvPr>
+            <p:ph type="sldImg"/>
+          </p:nvPr>
+        </p:nvSpPr>
+        <p:spPr/>
+      </p:sp>
+      <p:sp>
+        <p:nvSpPr>
+          <p:cNvPr id="3" name="Notes Placeholder 2"/>
+          <p:cNvSpPr>
+            <a:spLocks noGrp="1"/>
+          </p:cNvSpPr>
+          <p:nvPr>
+            <p:ph type="body" idx="1"/>
+          </p:nvPr>
+        </p:nvSpPr>
+        <p:spPr/>
+        <p:txBody>
+          <a:bodyPr/>
+          <a:lstStyle/>
+          <a:p>
+            <a:endParaRPr lang="en-GB" dirty="0"/>
           </a:p>
         </p:txBody>
       </p:sp>
@@ -549,6 +807,101 @@
             <a:fld id="{51538670-4314-4CEE-AB5D-6D2F348EF2B6}" type="slidenum">
               <a:rPr lang="en-GB" smtClean="0"/>
               <a:t>6</a:t>
+            </a:fld>
+            <a:endParaRPr lang="en-GB"/>
+          </a:p>
+        </p:txBody>
+      </p:sp>
+    </p:spTree>
+    <p:extLst>
+      <p:ext uri="{BB962C8B-B14F-4D97-AF65-F5344CB8AC3E}">
+        <p14:creationId xmlns:p14="http://schemas.microsoft.com/office/powerpoint/2010/main" val="1543793819"/>
+      </p:ext>
+    </p:extLst>
+  </p:cSld>
+  <p:clrMapOvr>
+    <a:masterClrMapping/>
+  </p:clrMapOvr>
+</p:notes>
+</file>
+
+<file path=ppt/notesSlides/notesSlide5.xml><?xml version="1.0" encoding="utf-8"?>
+<p:notes xmlns:a="http://schemas.openxmlformats.org/drawingml/2006/main" xmlns:r="http://schemas.openxmlformats.org/officeDocument/2006/relationships" xmlns:p="http://schemas.openxmlformats.org/presentationml/2006/main">
+  <p:cSld>
+    <p:spTree>
+      <p:nvGrpSpPr>
+        <p:cNvPr id="1" name=""/>
+        <p:cNvGrpSpPr/>
+        <p:nvPr/>
+      </p:nvGrpSpPr>
+      <p:grpSpPr>
+        <a:xfrm>
+          <a:off x="0" y="0"/>
+          <a:ext cx="0" cy="0"/>
+          <a:chOff x="0" y="0"/>
+          <a:chExt cx="0" cy="0"/>
+        </a:xfrm>
+      </p:grpSpPr>
+      <p:sp>
+        <p:nvSpPr>
+          <p:cNvPr id="2" name="Slide Image Placeholder 1"/>
+          <p:cNvSpPr>
+            <a:spLocks noGrp="1" noRot="1" noChangeAspect="1"/>
+          </p:cNvSpPr>
+          <p:nvPr>
+            <p:ph type="sldImg"/>
+          </p:nvPr>
+        </p:nvSpPr>
+        <p:spPr/>
+      </p:sp>
+      <p:sp>
+        <p:nvSpPr>
+          <p:cNvPr id="3" name="Notes Placeholder 2"/>
+          <p:cNvSpPr>
+            <a:spLocks noGrp="1"/>
+          </p:cNvSpPr>
+          <p:nvPr>
+            <p:ph type="body" idx="1"/>
+          </p:nvPr>
+        </p:nvSpPr>
+        <p:spPr/>
+        <p:txBody>
+          <a:bodyPr/>
+          <a:lstStyle/>
+          <a:p>
+            <a:r>
+              <a:rPr lang="en-GB" dirty="0"/>
+              <a:t>Create a pseudo-class diagram that shows the relationship between the </a:t>
+            </a:r>
+            <a:r>
+              <a:rPr lang="en-GB" dirty="0" err="1"/>
+              <a:t>TwitteRobot</a:t>
+            </a:r>
+            <a:r>
+              <a:rPr lang="en-GB" dirty="0"/>
+              <a:t> abstract class, interface and classes + robot controller.</a:t>
+            </a:r>
+          </a:p>
+        </p:txBody>
+      </p:sp>
+      <p:sp>
+        <p:nvSpPr>
+          <p:cNvPr id="4" name="Slide Number Placeholder 3"/>
+          <p:cNvSpPr>
+            <a:spLocks noGrp="1"/>
+          </p:cNvSpPr>
+          <p:nvPr>
+            <p:ph type="sldNum" sz="quarter" idx="10"/>
+          </p:nvPr>
+        </p:nvSpPr>
+        <p:spPr/>
+        <p:txBody>
+          <a:bodyPr/>
+          <a:lstStyle/>
+          <a:p>
+            <a:fld id="{51538670-4314-4CEE-AB5D-6D2F348EF2B6}" type="slidenum">
+              <a:rPr lang="en-GB" smtClean="0"/>
+              <a:t>9</a:t>
             </a:fld>
             <a:endParaRPr lang="en-GB"/>
           </a:p>
@@ -1069,7 +1422,7 @@
           <a:p>
             <a:fld id="{9C2B3C99-1E91-4271-8733-42C66E2C266D}" type="datetimeFigureOut">
               <a:rPr lang="en-GB" smtClean="0"/>
-              <a:t>08/05/2018</a:t>
+              <a:t>11/05/2018</a:t>
             </a:fld>
             <a:endParaRPr lang="en-GB"/>
           </a:p>
@@ -1365,7 +1718,7 @@
           <a:p>
             <a:fld id="{9C2B3C99-1E91-4271-8733-42C66E2C266D}" type="datetimeFigureOut">
               <a:rPr lang="en-GB" smtClean="0"/>
-              <a:t>08/05/2018</a:t>
+              <a:t>11/05/2018</a:t>
             </a:fld>
             <a:endParaRPr lang="en-GB"/>
           </a:p>
@@ -1613,7 +1966,7 @@
           <a:p>
             <a:fld id="{9C2B3C99-1E91-4271-8733-42C66E2C266D}" type="datetimeFigureOut">
               <a:rPr lang="en-GB" smtClean="0"/>
-              <a:t>08/05/2018</a:t>
+              <a:t>11/05/2018</a:t>
             </a:fld>
             <a:endParaRPr lang="en-GB"/>
           </a:p>
@@ -2153,7 +2506,7 @@
           <a:p>
             <a:fld id="{9C2B3C99-1E91-4271-8733-42C66E2C266D}" type="datetimeFigureOut">
               <a:rPr lang="en-GB" smtClean="0"/>
-              <a:t>08/05/2018</a:t>
+              <a:t>11/05/2018</a:t>
             </a:fld>
             <a:endParaRPr lang="en-GB"/>
           </a:p>
@@ -2401,7 +2754,7 @@
           <a:p>
             <a:fld id="{9C2B3C99-1E91-4271-8733-42C66E2C266D}" type="datetimeFigureOut">
               <a:rPr lang="en-GB" smtClean="0"/>
-              <a:t>08/05/2018</a:t>
+              <a:t>11/05/2018</a:t>
             </a:fld>
             <a:endParaRPr lang="en-GB"/>
           </a:p>
@@ -2933,7 +3286,7 @@
           <a:p>
             <a:fld id="{9C2B3C99-1E91-4271-8733-42C66E2C266D}" type="datetimeFigureOut">
               <a:rPr lang="en-GB" smtClean="0"/>
-              <a:t>08/05/2018</a:t>
+              <a:t>11/05/2018</a:t>
             </a:fld>
             <a:endParaRPr lang="en-GB"/>
           </a:p>
@@ -3230,7 +3583,7 @@
           <a:p>
             <a:fld id="{9C2B3C99-1E91-4271-8733-42C66E2C266D}" type="datetimeFigureOut">
               <a:rPr lang="en-GB" smtClean="0"/>
-              <a:t>08/05/2018</a:t>
+              <a:t>11/05/2018</a:t>
             </a:fld>
             <a:endParaRPr lang="en-GB"/>
           </a:p>
@@ -3404,7 +3757,7 @@
           <a:p>
             <a:fld id="{9C2B3C99-1E91-4271-8733-42C66E2C266D}" type="datetimeFigureOut">
               <a:rPr lang="en-GB" smtClean="0"/>
-              <a:t>08/05/2018</a:t>
+              <a:t>11/05/2018</a:t>
             </a:fld>
             <a:endParaRPr lang="en-GB"/>
           </a:p>
@@ -3584,7 +3937,7 @@
           <a:p>
             <a:fld id="{9C2B3C99-1E91-4271-8733-42C66E2C266D}" type="datetimeFigureOut">
               <a:rPr lang="en-GB" smtClean="0"/>
-              <a:t>08/05/2018</a:t>
+              <a:t>11/05/2018</a:t>
             </a:fld>
             <a:endParaRPr lang="en-GB"/>
           </a:p>
@@ -3754,7 +4107,7 @@
           <a:p>
             <a:fld id="{9C2B3C99-1E91-4271-8733-42C66E2C266D}" type="datetimeFigureOut">
               <a:rPr lang="en-GB" smtClean="0"/>
-              <a:t>08/05/2018</a:t>
+              <a:t>11/05/2018</a:t>
             </a:fld>
             <a:endParaRPr lang="en-GB"/>
           </a:p>
@@ -4005,7 +4358,7 @@
           <a:p>
             <a:fld id="{9C2B3C99-1E91-4271-8733-42C66E2C266D}" type="datetimeFigureOut">
               <a:rPr lang="en-GB" smtClean="0"/>
-              <a:t>08/05/2018</a:t>
+              <a:t>11/05/2018</a:t>
             </a:fld>
             <a:endParaRPr lang="en-GB"/>
           </a:p>
@@ -4302,7 +4655,7 @@
           <a:p>
             <a:fld id="{9C2B3C99-1E91-4271-8733-42C66E2C266D}" type="datetimeFigureOut">
               <a:rPr lang="en-GB" smtClean="0"/>
-              <a:t>08/05/2018</a:t>
+              <a:t>11/05/2018</a:t>
             </a:fld>
             <a:endParaRPr lang="en-GB"/>
           </a:p>
@@ -4744,7 +5097,7 @@
           <a:p>
             <a:fld id="{9C2B3C99-1E91-4271-8733-42C66E2C266D}" type="datetimeFigureOut">
               <a:rPr lang="en-GB" smtClean="0"/>
-              <a:t>08/05/2018</a:t>
+              <a:t>11/05/2018</a:t>
             </a:fld>
             <a:endParaRPr lang="en-GB"/>
           </a:p>
@@ -4862,7 +5215,7 @@
           <a:p>
             <a:fld id="{9C2B3C99-1E91-4271-8733-42C66E2C266D}" type="datetimeFigureOut">
               <a:rPr lang="en-GB" smtClean="0"/>
-              <a:t>08/05/2018</a:t>
+              <a:t>11/05/2018</a:t>
             </a:fld>
             <a:endParaRPr lang="en-GB"/>
           </a:p>
@@ -4957,7 +5310,7 @@
           <a:p>
             <a:fld id="{9C2B3C99-1E91-4271-8733-42C66E2C266D}" type="datetimeFigureOut">
               <a:rPr lang="en-GB" smtClean="0"/>
-              <a:t>08/05/2018</a:t>
+              <a:t>11/05/2018</a:t>
             </a:fld>
             <a:endParaRPr lang="en-GB"/>
           </a:p>
@@ -5240,7 +5593,7 @@
           <a:p>
             <a:fld id="{9C2B3C99-1E91-4271-8733-42C66E2C266D}" type="datetimeFigureOut">
               <a:rPr lang="en-GB" smtClean="0"/>
-              <a:t>08/05/2018</a:t>
+              <a:t>11/05/2018</a:t>
             </a:fld>
             <a:endParaRPr lang="en-GB"/>
           </a:p>
@@ -5531,7 +5884,7 @@
           <a:p>
             <a:fld id="{9C2B3C99-1E91-4271-8733-42C66E2C266D}" type="datetimeFigureOut">
               <a:rPr lang="en-GB" smtClean="0"/>
-              <a:t>08/05/2018</a:t>
+              <a:t>11/05/2018</a:t>
             </a:fld>
             <a:endParaRPr lang="en-GB"/>
           </a:p>
@@ -6061,7 +6414,7 @@
           <a:p>
             <a:fld id="{9C2B3C99-1E91-4271-8733-42C66E2C266D}" type="datetimeFigureOut">
               <a:rPr lang="en-GB" smtClean="0"/>
-              <a:t>08/05/2018</a:t>
+              <a:t>11/05/2018</a:t>
             </a:fld>
             <a:endParaRPr lang="en-GB"/>
           </a:p>
@@ -6725,7 +7078,7 @@
           <p:nvPr/>
         </p:nvPicPr>
         <p:blipFill>
-          <a:blip r:embed="rId2">
+          <a:blip r:embed="rId3">
             <a:extLst>
               <a:ext uri="{28A0092B-C50C-407E-A947-70E740481C1C}">
                 <a14:useLocalDpi xmlns:a14="http://schemas.microsoft.com/office/drawing/2010/main" val="0"/>
@@ -6738,7 +7091,7 @@
         </p:blipFill>
         <p:spPr>
           <a:xfrm>
-            <a:off x="2421250" y="1019908"/>
+            <a:off x="2342004" y="1019908"/>
             <a:ext cx="2968950" cy="2409091"/>
           </a:xfrm>
           <a:prstGeom prst="rect">
@@ -6760,2785 +7113,6 @@
 </file>
 
 <file path=ppt/slides/slide10.xml><?xml version="1.0" encoding="utf-8"?>
-<p:sld xmlns:a="http://schemas.openxmlformats.org/drawingml/2006/main" xmlns:r="http://schemas.openxmlformats.org/officeDocument/2006/relationships" xmlns:p="http://schemas.openxmlformats.org/presentationml/2006/main">
-  <p:cSld>
-    <p:spTree>
-      <p:nvGrpSpPr>
-        <p:cNvPr id="1" name=""/>
-        <p:cNvGrpSpPr/>
-        <p:nvPr/>
-      </p:nvGrpSpPr>
-      <p:grpSpPr>
-        <a:xfrm>
-          <a:off x="0" y="0"/>
-          <a:ext cx="0" cy="0"/>
-          <a:chOff x="0" y="0"/>
-          <a:chExt cx="0" cy="0"/>
-        </a:xfrm>
-      </p:grpSpPr>
-      <p:sp>
-        <p:nvSpPr>
-          <p:cNvPr id="2" name="Title 1">
-            <a:extLst>
-              <a:ext uri="{FF2B5EF4-FFF2-40B4-BE49-F238E27FC236}">
-                <a16:creationId xmlns:a16="http://schemas.microsoft.com/office/drawing/2014/main" id="{4B36F465-CEC2-4E69-A0A6-D0F1CC276B98}"/>
-              </a:ext>
-            </a:extLst>
-          </p:cNvPr>
-          <p:cNvSpPr>
-            <a:spLocks noGrp="1"/>
-          </p:cNvSpPr>
-          <p:nvPr>
-            <p:ph type="title"/>
-          </p:nvPr>
-        </p:nvSpPr>
-        <p:spPr>
-          <a:xfrm>
-            <a:off x="2734235" y="170330"/>
-            <a:ext cx="8768788" cy="896470"/>
-          </a:xfrm>
-        </p:spPr>
-        <p:txBody>
-          <a:bodyPr>
-            <a:normAutofit/>
-          </a:bodyPr>
-          <a:lstStyle/>
-          <a:p>
-            <a:pPr algn="l"/>
-            <a:r>
-              <a:rPr lang="en-GB" sz="4400" u="sng" dirty="0">
-                <a:uFill>
-                  <a:solidFill>
-                    <a:srgbClr val="00B0F0"/>
-                  </a:solidFill>
-                </a:uFill>
-                <a:latin typeface="Poppins" panose="00000500000000000000" pitchFamily="2" charset="0"/>
-                <a:cs typeface="Poppins" panose="00000500000000000000" pitchFamily="2" charset="0"/>
-              </a:rPr>
-              <a:t>The Bad</a:t>
-            </a:r>
-          </a:p>
-        </p:txBody>
-      </p:sp>
-      <p:sp>
-        <p:nvSpPr>
-          <p:cNvPr id="3" name="Content Placeholder 2">
-            <a:extLst>
-              <a:ext uri="{FF2B5EF4-FFF2-40B4-BE49-F238E27FC236}">
-                <a16:creationId xmlns:a16="http://schemas.microsoft.com/office/drawing/2014/main" id="{F4F2454B-F509-48C2-8E21-100D3A873769}"/>
-              </a:ext>
-            </a:extLst>
-          </p:cNvPr>
-          <p:cNvSpPr>
-            <a:spLocks noGrp="1"/>
-          </p:cNvSpPr>
-          <p:nvPr>
-            <p:ph idx="1"/>
-          </p:nvPr>
-        </p:nvSpPr>
-        <p:spPr>
-          <a:xfrm>
-            <a:off x="2734235" y="1259540"/>
-            <a:ext cx="4620654" cy="3124201"/>
-          </a:xfrm>
-        </p:spPr>
-        <p:txBody>
-          <a:bodyPr anchor="t"/>
-          <a:lstStyle/>
-          <a:p>
-            <a:r>
-              <a:rPr lang="en-GB" dirty="0"/>
-              <a:t>Academic Challenge</a:t>
-            </a:r>
-          </a:p>
-          <a:p>
-            <a:r>
-              <a:rPr lang="en-GB" dirty="0"/>
-              <a:t>Issues with Robocode &amp; Java</a:t>
-            </a:r>
-          </a:p>
-          <a:p>
-            <a:r>
-              <a:rPr lang="en-GB" dirty="0"/>
-              <a:t>Time Limitations</a:t>
-            </a:r>
-          </a:p>
-          <a:p>
-            <a:r>
-              <a:rPr lang="en-GB" dirty="0"/>
-              <a:t>D3.JS Performance</a:t>
-            </a:r>
-          </a:p>
-        </p:txBody>
-      </p:sp>
-    </p:spTree>
-    <p:extLst>
-      <p:ext uri="{BB962C8B-B14F-4D97-AF65-F5344CB8AC3E}">
-        <p14:creationId xmlns:p14="http://schemas.microsoft.com/office/powerpoint/2010/main" val="1843674003"/>
-      </p:ext>
-    </p:extLst>
-  </p:cSld>
-  <p:clrMapOvr>
-    <a:masterClrMapping/>
-  </p:clrMapOvr>
-</p:sld>
-</file>
-
-<file path=ppt/slides/slide11.xml><?xml version="1.0" encoding="utf-8"?>
-<p:sld xmlns:a="http://schemas.openxmlformats.org/drawingml/2006/main" xmlns:r="http://schemas.openxmlformats.org/officeDocument/2006/relationships" xmlns:p="http://schemas.openxmlformats.org/presentationml/2006/main">
-  <p:cSld>
-    <p:spTree>
-      <p:nvGrpSpPr>
-        <p:cNvPr id="1" name=""/>
-        <p:cNvGrpSpPr/>
-        <p:nvPr/>
-      </p:nvGrpSpPr>
-      <p:grpSpPr>
-        <a:xfrm>
-          <a:off x="0" y="0"/>
-          <a:ext cx="0" cy="0"/>
-          <a:chOff x="0" y="0"/>
-          <a:chExt cx="0" cy="0"/>
-        </a:xfrm>
-      </p:grpSpPr>
-      <p:sp>
-        <p:nvSpPr>
-          <p:cNvPr id="2" name="Title 1">
-            <a:extLst>
-              <a:ext uri="{FF2B5EF4-FFF2-40B4-BE49-F238E27FC236}">
-                <a16:creationId xmlns:a16="http://schemas.microsoft.com/office/drawing/2014/main" id="{4B36F465-CEC2-4E69-A0A6-D0F1CC276B98}"/>
-              </a:ext>
-            </a:extLst>
-          </p:cNvPr>
-          <p:cNvSpPr>
-            <a:spLocks noGrp="1"/>
-          </p:cNvSpPr>
-          <p:nvPr>
-            <p:ph type="title"/>
-          </p:nvPr>
-        </p:nvSpPr>
-        <p:spPr>
-          <a:xfrm>
-            <a:off x="2734235" y="170330"/>
-            <a:ext cx="8768788" cy="896470"/>
-          </a:xfrm>
-        </p:spPr>
-        <p:txBody>
-          <a:bodyPr>
-            <a:normAutofit/>
-          </a:bodyPr>
-          <a:lstStyle/>
-          <a:p>
-            <a:pPr algn="l"/>
-            <a:r>
-              <a:rPr lang="en-GB" sz="4400" u="sng" dirty="0">
-                <a:uFill>
-                  <a:solidFill>
-                    <a:srgbClr val="00B0F0"/>
-                  </a:solidFill>
-                </a:uFill>
-                <a:latin typeface="Poppins" panose="00000500000000000000" pitchFamily="2" charset="0"/>
-                <a:cs typeface="Poppins" panose="00000500000000000000" pitchFamily="2" charset="0"/>
-              </a:rPr>
-              <a:t>Academic Challenge</a:t>
-            </a:r>
-          </a:p>
-        </p:txBody>
-      </p:sp>
-      <p:sp>
-        <p:nvSpPr>
-          <p:cNvPr id="3" name="Content Placeholder 2">
-            <a:extLst>
-              <a:ext uri="{FF2B5EF4-FFF2-40B4-BE49-F238E27FC236}">
-                <a16:creationId xmlns:a16="http://schemas.microsoft.com/office/drawing/2014/main" id="{F4F2454B-F509-48C2-8E21-100D3A873769}"/>
-              </a:ext>
-            </a:extLst>
-          </p:cNvPr>
-          <p:cNvSpPr>
-            <a:spLocks noGrp="1"/>
-          </p:cNvSpPr>
-          <p:nvPr>
-            <p:ph idx="1"/>
-          </p:nvPr>
-        </p:nvSpPr>
-        <p:spPr>
-          <a:xfrm>
-            <a:off x="2734235" y="1259540"/>
-            <a:ext cx="4620654" cy="3124201"/>
-          </a:xfrm>
-        </p:spPr>
-        <p:txBody>
-          <a:bodyPr anchor="t"/>
-          <a:lstStyle/>
-          <a:p>
-            <a:pPr marL="0" indent="0">
-              <a:buNone/>
-            </a:pPr>
-            <a:r>
-              <a:rPr lang="en-GB" dirty="0"/>
-              <a:t>Text Here</a:t>
-            </a:r>
-          </a:p>
-        </p:txBody>
-      </p:sp>
-    </p:spTree>
-    <p:extLst>
-      <p:ext uri="{BB962C8B-B14F-4D97-AF65-F5344CB8AC3E}">
-        <p14:creationId xmlns:p14="http://schemas.microsoft.com/office/powerpoint/2010/main" val="2798367904"/>
-      </p:ext>
-    </p:extLst>
-  </p:cSld>
-  <p:clrMapOvr>
-    <a:masterClrMapping/>
-  </p:clrMapOvr>
-</p:sld>
-</file>
-
-<file path=ppt/slides/slide12.xml><?xml version="1.0" encoding="utf-8"?>
-<p:sld xmlns:a="http://schemas.openxmlformats.org/drawingml/2006/main" xmlns:r="http://schemas.openxmlformats.org/officeDocument/2006/relationships" xmlns:p="http://schemas.openxmlformats.org/presentationml/2006/main">
-  <p:cSld>
-    <p:spTree>
-      <p:nvGrpSpPr>
-        <p:cNvPr id="1" name=""/>
-        <p:cNvGrpSpPr/>
-        <p:nvPr/>
-      </p:nvGrpSpPr>
-      <p:grpSpPr>
-        <a:xfrm>
-          <a:off x="0" y="0"/>
-          <a:ext cx="0" cy="0"/>
-          <a:chOff x="0" y="0"/>
-          <a:chExt cx="0" cy="0"/>
-        </a:xfrm>
-      </p:grpSpPr>
-      <p:sp>
-        <p:nvSpPr>
-          <p:cNvPr id="2" name="Title 1">
-            <a:extLst>
-              <a:ext uri="{FF2B5EF4-FFF2-40B4-BE49-F238E27FC236}">
-                <a16:creationId xmlns:a16="http://schemas.microsoft.com/office/drawing/2014/main" id="{4B36F465-CEC2-4E69-A0A6-D0F1CC276B98}"/>
-              </a:ext>
-            </a:extLst>
-          </p:cNvPr>
-          <p:cNvSpPr>
-            <a:spLocks noGrp="1"/>
-          </p:cNvSpPr>
-          <p:nvPr>
-            <p:ph type="title"/>
-          </p:nvPr>
-        </p:nvSpPr>
-        <p:spPr>
-          <a:xfrm>
-            <a:off x="2734234" y="170330"/>
-            <a:ext cx="9386047" cy="896470"/>
-          </a:xfrm>
-        </p:spPr>
-        <p:txBody>
-          <a:bodyPr>
-            <a:normAutofit/>
-          </a:bodyPr>
-          <a:lstStyle/>
-          <a:p>
-            <a:pPr algn="l"/>
-            <a:r>
-              <a:rPr lang="en-GB" sz="4400" u="sng" dirty="0">
-                <a:uFill>
-                  <a:solidFill>
-                    <a:srgbClr val="00B0F0"/>
-                  </a:solidFill>
-                </a:uFill>
-                <a:latin typeface="Poppins" panose="00000500000000000000" pitchFamily="2" charset="0"/>
-                <a:cs typeface="Poppins" panose="00000500000000000000" pitchFamily="2" charset="0"/>
-              </a:rPr>
-              <a:t>Web Application Demonstration</a:t>
-            </a:r>
-          </a:p>
-        </p:txBody>
-      </p:sp>
-      <p:sp>
-        <p:nvSpPr>
-          <p:cNvPr id="3" name="Content Placeholder 2">
-            <a:extLst>
-              <a:ext uri="{FF2B5EF4-FFF2-40B4-BE49-F238E27FC236}">
-                <a16:creationId xmlns:a16="http://schemas.microsoft.com/office/drawing/2014/main" id="{F4F2454B-F509-48C2-8E21-100D3A873769}"/>
-              </a:ext>
-            </a:extLst>
-          </p:cNvPr>
-          <p:cNvSpPr>
-            <a:spLocks noGrp="1"/>
-          </p:cNvSpPr>
-          <p:nvPr>
-            <p:ph idx="1"/>
-          </p:nvPr>
-        </p:nvSpPr>
-        <p:spPr>
-          <a:xfrm>
-            <a:off x="2734235" y="1259540"/>
-            <a:ext cx="6275294" cy="3124201"/>
-          </a:xfrm>
-        </p:spPr>
-        <p:txBody>
-          <a:bodyPr anchor="t"/>
-          <a:lstStyle/>
-          <a:p>
-            <a:pPr marL="0" indent="0">
-              <a:buNone/>
-            </a:pPr>
-            <a:r>
-              <a:rPr lang="en-GB" dirty="0">
-                <a:hlinkClick r:id="rId2"/>
-              </a:rPr>
-              <a:t>https://major-project.tomplumpton.me</a:t>
-            </a:r>
-            <a:r>
-              <a:rPr lang="en-GB" dirty="0"/>
-              <a:t> </a:t>
-            </a:r>
-          </a:p>
-        </p:txBody>
-      </p:sp>
-    </p:spTree>
-    <p:extLst>
-      <p:ext uri="{BB962C8B-B14F-4D97-AF65-F5344CB8AC3E}">
-        <p14:creationId xmlns:p14="http://schemas.microsoft.com/office/powerpoint/2010/main" val="295893450"/>
-      </p:ext>
-    </p:extLst>
-  </p:cSld>
-  <p:clrMapOvr>
-    <a:masterClrMapping/>
-  </p:clrMapOvr>
-</p:sld>
-</file>
-
-<file path=ppt/slides/slide13.xml><?xml version="1.0" encoding="utf-8"?>
-<p:sld xmlns:a="http://schemas.openxmlformats.org/drawingml/2006/main" xmlns:r="http://schemas.openxmlformats.org/officeDocument/2006/relationships" xmlns:p="http://schemas.openxmlformats.org/presentationml/2006/main">
-  <p:cSld>
-    <p:spTree>
-      <p:nvGrpSpPr>
-        <p:cNvPr id="1" name=""/>
-        <p:cNvGrpSpPr/>
-        <p:nvPr/>
-      </p:nvGrpSpPr>
-      <p:grpSpPr>
-        <a:xfrm>
-          <a:off x="0" y="0"/>
-          <a:ext cx="0" cy="0"/>
-          <a:chOff x="0" y="0"/>
-          <a:chExt cx="0" cy="0"/>
-        </a:xfrm>
-      </p:grpSpPr>
-      <p:sp>
-        <p:nvSpPr>
-          <p:cNvPr id="2" name="Title 1">
-            <a:extLst>
-              <a:ext uri="{FF2B5EF4-FFF2-40B4-BE49-F238E27FC236}">
-                <a16:creationId xmlns:a16="http://schemas.microsoft.com/office/drawing/2014/main" id="{4B36F465-CEC2-4E69-A0A6-D0F1CC276B98}"/>
-              </a:ext>
-            </a:extLst>
-          </p:cNvPr>
-          <p:cNvSpPr>
-            <a:spLocks noGrp="1"/>
-          </p:cNvSpPr>
-          <p:nvPr>
-            <p:ph type="title"/>
-          </p:nvPr>
-        </p:nvSpPr>
-        <p:spPr>
-          <a:xfrm>
-            <a:off x="2594956" y="2344270"/>
-            <a:ext cx="8333020" cy="896470"/>
-          </a:xfrm>
-        </p:spPr>
-        <p:txBody>
-          <a:bodyPr>
-            <a:noAutofit/>
-          </a:bodyPr>
-          <a:lstStyle/>
-          <a:p>
-            <a:pPr algn="l"/>
-            <a:r>
-              <a:rPr lang="en-GB" sz="5400" u="sng" dirty="0">
-                <a:uFill>
-                  <a:solidFill>
-                    <a:srgbClr val="00B0F0"/>
-                  </a:solidFill>
-                </a:uFill>
-                <a:latin typeface="Poppins" panose="00000500000000000000" pitchFamily="2" charset="0"/>
-                <a:cs typeface="Poppins" panose="00000500000000000000" pitchFamily="2" charset="0"/>
-              </a:rPr>
-              <a:t>Thankyou for Listening</a:t>
-            </a:r>
-          </a:p>
-        </p:txBody>
-      </p:sp>
-      <p:sp>
-        <p:nvSpPr>
-          <p:cNvPr id="3" name="Content Placeholder 2">
-            <a:extLst>
-              <a:ext uri="{FF2B5EF4-FFF2-40B4-BE49-F238E27FC236}">
-                <a16:creationId xmlns:a16="http://schemas.microsoft.com/office/drawing/2014/main" id="{F4F2454B-F509-48C2-8E21-100D3A873769}"/>
-              </a:ext>
-            </a:extLst>
-          </p:cNvPr>
-          <p:cNvSpPr>
-            <a:spLocks noGrp="1"/>
-          </p:cNvSpPr>
-          <p:nvPr>
-            <p:ph idx="1"/>
-          </p:nvPr>
-        </p:nvSpPr>
-        <p:spPr>
-          <a:xfrm>
-            <a:off x="3501044" y="3034555"/>
-            <a:ext cx="6096000" cy="1165412"/>
-          </a:xfrm>
-        </p:spPr>
-        <p:txBody>
-          <a:bodyPr anchor="ctr">
-            <a:normAutofit/>
-          </a:bodyPr>
-          <a:lstStyle/>
-          <a:p>
-            <a:pPr marL="0" indent="0" algn="ctr">
-              <a:buNone/>
-            </a:pPr>
-            <a:r>
-              <a:rPr lang="en-GB" sz="5400" b="1" dirty="0">
-                <a:latin typeface="Poppins" panose="00000500000000000000" pitchFamily="2" charset="0"/>
-                <a:cs typeface="Poppins" panose="00000500000000000000" pitchFamily="2" charset="0"/>
-              </a:rPr>
-              <a:t>Any Questions?</a:t>
-            </a:r>
-          </a:p>
-        </p:txBody>
-      </p:sp>
-    </p:spTree>
-    <p:extLst>
-      <p:ext uri="{BB962C8B-B14F-4D97-AF65-F5344CB8AC3E}">
-        <p14:creationId xmlns:p14="http://schemas.microsoft.com/office/powerpoint/2010/main" val="877947786"/>
-      </p:ext>
-    </p:extLst>
-  </p:cSld>
-  <p:clrMapOvr>
-    <a:masterClrMapping/>
-  </p:clrMapOvr>
-</p:sld>
-</file>
-
-<file path=ppt/slides/slide2.xml><?xml version="1.0" encoding="utf-8"?>
-<p:sld xmlns:a="http://schemas.openxmlformats.org/drawingml/2006/main" xmlns:r="http://schemas.openxmlformats.org/officeDocument/2006/relationships" xmlns:p="http://schemas.openxmlformats.org/presentationml/2006/main">
-  <p:cSld>
-    <p:spTree>
-      <p:nvGrpSpPr>
-        <p:cNvPr id="1" name=""/>
-        <p:cNvGrpSpPr/>
-        <p:nvPr/>
-      </p:nvGrpSpPr>
-      <p:grpSpPr>
-        <a:xfrm>
-          <a:off x="0" y="0"/>
-          <a:ext cx="0" cy="0"/>
-          <a:chOff x="0" y="0"/>
-          <a:chExt cx="0" cy="0"/>
-        </a:xfrm>
-      </p:grpSpPr>
-      <p:sp>
-        <p:nvSpPr>
-          <p:cNvPr id="2" name="Title 1">
-            <a:extLst>
-              <a:ext uri="{FF2B5EF4-FFF2-40B4-BE49-F238E27FC236}">
-                <a16:creationId xmlns:a16="http://schemas.microsoft.com/office/drawing/2014/main" id="{4B36F465-CEC2-4E69-A0A6-D0F1CC276B98}"/>
-              </a:ext>
-            </a:extLst>
-          </p:cNvPr>
-          <p:cNvSpPr>
-            <a:spLocks noGrp="1"/>
-          </p:cNvSpPr>
-          <p:nvPr>
-            <p:ph type="title"/>
-          </p:nvPr>
-        </p:nvSpPr>
-        <p:spPr>
-          <a:xfrm>
-            <a:off x="2734235" y="170330"/>
-            <a:ext cx="8768788" cy="896470"/>
-          </a:xfrm>
-        </p:spPr>
-        <p:txBody>
-          <a:bodyPr>
-            <a:normAutofit/>
-          </a:bodyPr>
-          <a:lstStyle/>
-          <a:p>
-            <a:pPr algn="l"/>
-            <a:r>
-              <a:rPr lang="en-GB" sz="4400" u="sng" dirty="0">
-                <a:uFill>
-                  <a:solidFill>
-                    <a:srgbClr val="00B0F0"/>
-                  </a:solidFill>
-                </a:uFill>
-                <a:latin typeface="Poppins" panose="00000500000000000000" pitchFamily="2" charset="0"/>
-                <a:cs typeface="Poppins" panose="00000500000000000000" pitchFamily="2" charset="0"/>
-              </a:rPr>
-              <a:t>Project Overview &amp; Objectives</a:t>
-            </a:r>
-          </a:p>
-        </p:txBody>
-      </p:sp>
-      <p:sp>
-        <p:nvSpPr>
-          <p:cNvPr id="3" name="Content Placeholder 2">
-            <a:extLst>
-              <a:ext uri="{FF2B5EF4-FFF2-40B4-BE49-F238E27FC236}">
-                <a16:creationId xmlns:a16="http://schemas.microsoft.com/office/drawing/2014/main" id="{F4F2454B-F509-48C2-8E21-100D3A873769}"/>
-              </a:ext>
-            </a:extLst>
-          </p:cNvPr>
-          <p:cNvSpPr>
-            <a:spLocks noGrp="1"/>
-          </p:cNvSpPr>
-          <p:nvPr>
-            <p:ph idx="1"/>
-          </p:nvPr>
-        </p:nvSpPr>
-        <p:spPr>
-          <a:xfrm>
-            <a:off x="2734235" y="1259540"/>
-            <a:ext cx="6427694" cy="3124201"/>
-          </a:xfrm>
-        </p:spPr>
-        <p:txBody>
-          <a:bodyPr anchor="t"/>
-          <a:lstStyle/>
-          <a:p>
-            <a:r>
-              <a:rPr lang="en-GB" dirty="0"/>
-              <a:t>Twitch Plays Pokémon </a:t>
-            </a:r>
-          </a:p>
-          <a:p>
-            <a:r>
-              <a:rPr lang="en-GB" dirty="0"/>
-              <a:t>Twitter &amp; Robocode</a:t>
-            </a:r>
-          </a:p>
-          <a:p>
-            <a:r>
-              <a:rPr lang="en-GB" dirty="0"/>
-              <a:t>Pseudo vs Truly Random Number Generation</a:t>
-            </a:r>
-          </a:p>
-          <a:p>
-            <a:r>
-              <a:rPr lang="en-GB" dirty="0"/>
-              <a:t>Java Program</a:t>
-            </a:r>
-          </a:p>
-          <a:p>
-            <a:r>
-              <a:rPr lang="en-GB" dirty="0"/>
-              <a:t>NodeJS Web Application</a:t>
-            </a:r>
-          </a:p>
-          <a:p>
-            <a:r>
-              <a:rPr lang="en-GB" dirty="0"/>
-              <a:t>Statistical Analysis</a:t>
-            </a:r>
-          </a:p>
-        </p:txBody>
-      </p:sp>
-    </p:spTree>
-    <p:extLst>
-      <p:ext uri="{BB962C8B-B14F-4D97-AF65-F5344CB8AC3E}">
-        <p14:creationId xmlns:p14="http://schemas.microsoft.com/office/powerpoint/2010/main" val="1988023460"/>
-      </p:ext>
-    </p:extLst>
-  </p:cSld>
-  <p:clrMapOvr>
-    <a:masterClrMapping/>
-  </p:clrMapOvr>
-  <p:timing>
-    <p:tnLst>
-      <p:par>
-        <p:cTn id="1" dur="indefinite" restart="never" nodeType="tmRoot">
-          <p:childTnLst>
-            <p:seq concurrent="1" nextAc="seek">
-              <p:cTn id="2" dur="indefinite" nodeType="mainSeq">
-                <p:childTnLst>
-                  <p:par>
-                    <p:cTn id="3" fill="hold">
-                      <p:stCondLst>
-                        <p:cond delay="indefinite"/>
-                      </p:stCondLst>
-                      <p:childTnLst>
-                        <p:par>
-                          <p:cTn id="4" fill="hold">
-                            <p:stCondLst>
-                              <p:cond delay="0"/>
-                            </p:stCondLst>
-                            <p:childTnLst>
-                              <p:par>
-                                <p:cTn id="5" presetID="10" presetClass="entr" presetSubtype="0" fill="hold" grpId="0" nodeType="clickEffect">
-                                  <p:stCondLst>
-                                    <p:cond delay="0"/>
-                                  </p:stCondLst>
-                                  <p:childTnLst>
-                                    <p:set>
-                                      <p:cBhvr>
-                                        <p:cTn id="6" dur="1" fill="hold">
-                                          <p:stCondLst>
-                                            <p:cond delay="0"/>
-                                          </p:stCondLst>
-                                        </p:cTn>
-                                        <p:tgtEl>
-                                          <p:spTgt spid="3">
-                                            <p:txEl>
-                                              <p:pRg st="0" end="0"/>
-                                            </p:txEl>
-                                          </p:spTgt>
-                                        </p:tgtEl>
-                                        <p:attrNameLst>
-                                          <p:attrName>style.visibility</p:attrName>
-                                        </p:attrNameLst>
-                                      </p:cBhvr>
-                                      <p:to>
-                                        <p:strVal val="visible"/>
-                                      </p:to>
-                                    </p:set>
-                                    <p:animEffect transition="in" filter="fade">
-                                      <p:cBhvr>
-                                        <p:cTn id="7" dur="500"/>
-                                        <p:tgtEl>
-                                          <p:spTgt spid="3">
-                                            <p:txEl>
-                                              <p:pRg st="0" end="0"/>
-                                            </p:txEl>
-                                          </p:spTgt>
-                                        </p:tgtEl>
-                                      </p:cBhvr>
-                                    </p:animEffect>
-                                  </p:childTnLst>
-                                </p:cTn>
-                              </p:par>
-                            </p:childTnLst>
-                          </p:cTn>
-                        </p:par>
-                      </p:childTnLst>
-                    </p:cTn>
-                  </p:par>
-                  <p:par>
-                    <p:cTn id="8" fill="hold">
-                      <p:stCondLst>
-                        <p:cond delay="indefinite"/>
-                      </p:stCondLst>
-                      <p:childTnLst>
-                        <p:par>
-                          <p:cTn id="9" fill="hold">
-                            <p:stCondLst>
-                              <p:cond delay="0"/>
-                            </p:stCondLst>
-                            <p:childTnLst>
-                              <p:par>
-                                <p:cTn id="10" presetID="10" presetClass="entr" presetSubtype="0" fill="hold" grpId="0" nodeType="clickEffect">
-                                  <p:stCondLst>
-                                    <p:cond delay="0"/>
-                                  </p:stCondLst>
-                                  <p:childTnLst>
-                                    <p:set>
-                                      <p:cBhvr>
-                                        <p:cTn id="11" dur="1" fill="hold">
-                                          <p:stCondLst>
-                                            <p:cond delay="0"/>
-                                          </p:stCondLst>
-                                        </p:cTn>
-                                        <p:tgtEl>
-                                          <p:spTgt spid="3">
-                                            <p:txEl>
-                                              <p:pRg st="1" end="1"/>
-                                            </p:txEl>
-                                          </p:spTgt>
-                                        </p:tgtEl>
-                                        <p:attrNameLst>
-                                          <p:attrName>style.visibility</p:attrName>
-                                        </p:attrNameLst>
-                                      </p:cBhvr>
-                                      <p:to>
-                                        <p:strVal val="visible"/>
-                                      </p:to>
-                                    </p:set>
-                                    <p:animEffect transition="in" filter="fade">
-                                      <p:cBhvr>
-                                        <p:cTn id="12" dur="500"/>
-                                        <p:tgtEl>
-                                          <p:spTgt spid="3">
-                                            <p:txEl>
-                                              <p:pRg st="1" end="1"/>
-                                            </p:txEl>
-                                          </p:spTgt>
-                                        </p:tgtEl>
-                                      </p:cBhvr>
-                                    </p:animEffect>
-                                  </p:childTnLst>
-                                </p:cTn>
-                              </p:par>
-                            </p:childTnLst>
-                          </p:cTn>
-                        </p:par>
-                      </p:childTnLst>
-                    </p:cTn>
-                  </p:par>
-                  <p:par>
-                    <p:cTn id="13" fill="hold">
-                      <p:stCondLst>
-                        <p:cond delay="indefinite"/>
-                      </p:stCondLst>
-                      <p:childTnLst>
-                        <p:par>
-                          <p:cTn id="14" fill="hold">
-                            <p:stCondLst>
-                              <p:cond delay="0"/>
-                            </p:stCondLst>
-                            <p:childTnLst>
-                              <p:par>
-                                <p:cTn id="15" presetID="10" presetClass="entr" presetSubtype="0" fill="hold" grpId="0" nodeType="clickEffect">
-                                  <p:stCondLst>
-                                    <p:cond delay="0"/>
-                                  </p:stCondLst>
-                                  <p:childTnLst>
-                                    <p:set>
-                                      <p:cBhvr>
-                                        <p:cTn id="16" dur="1" fill="hold">
-                                          <p:stCondLst>
-                                            <p:cond delay="0"/>
-                                          </p:stCondLst>
-                                        </p:cTn>
-                                        <p:tgtEl>
-                                          <p:spTgt spid="3">
-                                            <p:txEl>
-                                              <p:pRg st="2" end="2"/>
-                                            </p:txEl>
-                                          </p:spTgt>
-                                        </p:tgtEl>
-                                        <p:attrNameLst>
-                                          <p:attrName>style.visibility</p:attrName>
-                                        </p:attrNameLst>
-                                      </p:cBhvr>
-                                      <p:to>
-                                        <p:strVal val="visible"/>
-                                      </p:to>
-                                    </p:set>
-                                    <p:animEffect transition="in" filter="fade">
-                                      <p:cBhvr>
-                                        <p:cTn id="17" dur="500"/>
-                                        <p:tgtEl>
-                                          <p:spTgt spid="3">
-                                            <p:txEl>
-                                              <p:pRg st="2" end="2"/>
-                                            </p:txEl>
-                                          </p:spTgt>
-                                        </p:tgtEl>
-                                      </p:cBhvr>
-                                    </p:animEffect>
-                                  </p:childTnLst>
-                                </p:cTn>
-                              </p:par>
-                            </p:childTnLst>
-                          </p:cTn>
-                        </p:par>
-                      </p:childTnLst>
-                    </p:cTn>
-                  </p:par>
-                  <p:par>
-                    <p:cTn id="18" fill="hold">
-                      <p:stCondLst>
-                        <p:cond delay="indefinite"/>
-                      </p:stCondLst>
-                      <p:childTnLst>
-                        <p:par>
-                          <p:cTn id="19" fill="hold">
-                            <p:stCondLst>
-                              <p:cond delay="0"/>
-                            </p:stCondLst>
-                            <p:childTnLst>
-                              <p:par>
-                                <p:cTn id="20" presetID="10" presetClass="entr" presetSubtype="0" fill="hold" grpId="0" nodeType="clickEffect">
-                                  <p:stCondLst>
-                                    <p:cond delay="0"/>
-                                  </p:stCondLst>
-                                  <p:childTnLst>
-                                    <p:set>
-                                      <p:cBhvr>
-                                        <p:cTn id="21" dur="1" fill="hold">
-                                          <p:stCondLst>
-                                            <p:cond delay="0"/>
-                                          </p:stCondLst>
-                                        </p:cTn>
-                                        <p:tgtEl>
-                                          <p:spTgt spid="3">
-                                            <p:txEl>
-                                              <p:pRg st="3" end="3"/>
-                                            </p:txEl>
-                                          </p:spTgt>
-                                        </p:tgtEl>
-                                        <p:attrNameLst>
-                                          <p:attrName>style.visibility</p:attrName>
-                                        </p:attrNameLst>
-                                      </p:cBhvr>
-                                      <p:to>
-                                        <p:strVal val="visible"/>
-                                      </p:to>
-                                    </p:set>
-                                    <p:animEffect transition="in" filter="fade">
-                                      <p:cBhvr>
-                                        <p:cTn id="22" dur="500"/>
-                                        <p:tgtEl>
-                                          <p:spTgt spid="3">
-                                            <p:txEl>
-                                              <p:pRg st="3" end="3"/>
-                                            </p:txEl>
-                                          </p:spTgt>
-                                        </p:tgtEl>
-                                      </p:cBhvr>
-                                    </p:animEffect>
-                                  </p:childTnLst>
-                                </p:cTn>
-                              </p:par>
-                            </p:childTnLst>
-                          </p:cTn>
-                        </p:par>
-                      </p:childTnLst>
-                    </p:cTn>
-                  </p:par>
-                  <p:par>
-                    <p:cTn id="23" fill="hold">
-                      <p:stCondLst>
-                        <p:cond delay="indefinite"/>
-                      </p:stCondLst>
-                      <p:childTnLst>
-                        <p:par>
-                          <p:cTn id="24" fill="hold">
-                            <p:stCondLst>
-                              <p:cond delay="0"/>
-                            </p:stCondLst>
-                            <p:childTnLst>
-                              <p:par>
-                                <p:cTn id="25" presetID="10" presetClass="entr" presetSubtype="0" fill="hold" grpId="0" nodeType="clickEffect">
-                                  <p:stCondLst>
-                                    <p:cond delay="0"/>
-                                  </p:stCondLst>
-                                  <p:childTnLst>
-                                    <p:set>
-                                      <p:cBhvr>
-                                        <p:cTn id="26" dur="1" fill="hold">
-                                          <p:stCondLst>
-                                            <p:cond delay="0"/>
-                                          </p:stCondLst>
-                                        </p:cTn>
-                                        <p:tgtEl>
-                                          <p:spTgt spid="3">
-                                            <p:txEl>
-                                              <p:pRg st="4" end="4"/>
-                                            </p:txEl>
-                                          </p:spTgt>
-                                        </p:tgtEl>
-                                        <p:attrNameLst>
-                                          <p:attrName>style.visibility</p:attrName>
-                                        </p:attrNameLst>
-                                      </p:cBhvr>
-                                      <p:to>
-                                        <p:strVal val="visible"/>
-                                      </p:to>
-                                    </p:set>
-                                    <p:animEffect transition="in" filter="fade">
-                                      <p:cBhvr>
-                                        <p:cTn id="27" dur="500"/>
-                                        <p:tgtEl>
-                                          <p:spTgt spid="3">
-                                            <p:txEl>
-                                              <p:pRg st="4" end="4"/>
-                                            </p:txEl>
-                                          </p:spTgt>
-                                        </p:tgtEl>
-                                      </p:cBhvr>
-                                    </p:animEffect>
-                                  </p:childTnLst>
-                                </p:cTn>
-                              </p:par>
-                            </p:childTnLst>
-                          </p:cTn>
-                        </p:par>
-                      </p:childTnLst>
-                    </p:cTn>
-                  </p:par>
-                  <p:par>
-                    <p:cTn id="28" fill="hold">
-                      <p:stCondLst>
-                        <p:cond delay="indefinite"/>
-                      </p:stCondLst>
-                      <p:childTnLst>
-                        <p:par>
-                          <p:cTn id="29" fill="hold">
-                            <p:stCondLst>
-                              <p:cond delay="0"/>
-                            </p:stCondLst>
-                            <p:childTnLst>
-                              <p:par>
-                                <p:cTn id="30" presetID="10" presetClass="entr" presetSubtype="0" fill="hold" grpId="0" nodeType="clickEffect">
-                                  <p:stCondLst>
-                                    <p:cond delay="0"/>
-                                  </p:stCondLst>
-                                  <p:childTnLst>
-                                    <p:set>
-                                      <p:cBhvr>
-                                        <p:cTn id="31" dur="1" fill="hold">
-                                          <p:stCondLst>
-                                            <p:cond delay="0"/>
-                                          </p:stCondLst>
-                                        </p:cTn>
-                                        <p:tgtEl>
-                                          <p:spTgt spid="3">
-                                            <p:txEl>
-                                              <p:pRg st="5" end="5"/>
-                                            </p:txEl>
-                                          </p:spTgt>
-                                        </p:tgtEl>
-                                        <p:attrNameLst>
-                                          <p:attrName>style.visibility</p:attrName>
-                                        </p:attrNameLst>
-                                      </p:cBhvr>
-                                      <p:to>
-                                        <p:strVal val="visible"/>
-                                      </p:to>
-                                    </p:set>
-                                    <p:animEffect transition="in" filter="fade">
-                                      <p:cBhvr>
-                                        <p:cTn id="32" dur="500"/>
-                                        <p:tgtEl>
-                                          <p:spTgt spid="3">
-                                            <p:txEl>
-                                              <p:pRg st="5" end="5"/>
-                                            </p:txEl>
-                                          </p:spTgt>
-                                        </p:tgtEl>
-                                      </p:cBhvr>
-                                    </p:animEffect>
-                                  </p:childTnLst>
-                                </p:cTn>
-                              </p:par>
-                            </p:childTnLst>
-                          </p:cTn>
-                        </p:par>
-                      </p:childTnLst>
-                    </p:cTn>
-                  </p:par>
-                </p:childTnLst>
-              </p:cTn>
-              <p:prevCondLst>
-                <p:cond evt="onPrev" delay="0">
-                  <p:tgtEl>
-                    <p:sldTgt/>
-                  </p:tgtEl>
-                </p:cond>
-              </p:prevCondLst>
-              <p:nextCondLst>
-                <p:cond evt="onNext" delay="0">
-                  <p:tgtEl>
-                    <p:sldTgt/>
-                  </p:tgtEl>
-                </p:cond>
-              </p:nextCondLst>
-            </p:seq>
-          </p:childTnLst>
-        </p:cTn>
-      </p:par>
-    </p:tnLst>
-    <p:bldLst>
-      <p:bldP spid="3" grpId="0" build="p"/>
-    </p:bldLst>
-  </p:timing>
-</p:sld>
-</file>
-
-<file path=ppt/slides/slide3.xml><?xml version="1.0" encoding="utf-8"?>
-<p:sld xmlns:a="http://schemas.openxmlformats.org/drawingml/2006/main" xmlns:r="http://schemas.openxmlformats.org/officeDocument/2006/relationships" xmlns:p="http://schemas.openxmlformats.org/presentationml/2006/main">
-  <p:cSld>
-    <p:spTree>
-      <p:nvGrpSpPr>
-        <p:cNvPr id="1" name=""/>
-        <p:cNvGrpSpPr/>
-        <p:nvPr/>
-      </p:nvGrpSpPr>
-      <p:grpSpPr>
-        <a:xfrm>
-          <a:off x="0" y="0"/>
-          <a:ext cx="0" cy="0"/>
-          <a:chOff x="0" y="0"/>
-          <a:chExt cx="0" cy="0"/>
-        </a:xfrm>
-      </p:grpSpPr>
-      <p:sp>
-        <p:nvSpPr>
-          <p:cNvPr id="2" name="Title 1">
-            <a:extLst>
-              <a:ext uri="{FF2B5EF4-FFF2-40B4-BE49-F238E27FC236}">
-                <a16:creationId xmlns:a16="http://schemas.microsoft.com/office/drawing/2014/main" id="{4B36F465-CEC2-4E69-A0A6-D0F1CC276B98}"/>
-              </a:ext>
-            </a:extLst>
-          </p:cNvPr>
-          <p:cNvSpPr>
-            <a:spLocks noGrp="1"/>
-          </p:cNvSpPr>
-          <p:nvPr>
-            <p:ph type="title"/>
-          </p:nvPr>
-        </p:nvSpPr>
-        <p:spPr>
-          <a:xfrm>
-            <a:off x="2734235" y="170330"/>
-            <a:ext cx="8768788" cy="896470"/>
-          </a:xfrm>
-        </p:spPr>
-        <p:txBody>
-          <a:bodyPr>
-            <a:normAutofit/>
-          </a:bodyPr>
-          <a:lstStyle/>
-          <a:p>
-            <a:pPr algn="l"/>
-            <a:r>
-              <a:rPr lang="en-GB" sz="4400" u="sng" dirty="0">
-                <a:uFill>
-                  <a:solidFill>
-                    <a:srgbClr val="00B0F0"/>
-                  </a:solidFill>
-                </a:uFill>
-                <a:latin typeface="Poppins" panose="00000500000000000000" pitchFamily="2" charset="0"/>
-                <a:cs typeface="Poppins" panose="00000500000000000000" pitchFamily="2" charset="0"/>
-              </a:rPr>
-              <a:t>Technology Justification</a:t>
-            </a:r>
-          </a:p>
-        </p:txBody>
-      </p:sp>
-      <p:sp>
-        <p:nvSpPr>
-          <p:cNvPr id="3" name="Content Placeholder 2">
-            <a:extLst>
-              <a:ext uri="{FF2B5EF4-FFF2-40B4-BE49-F238E27FC236}">
-                <a16:creationId xmlns:a16="http://schemas.microsoft.com/office/drawing/2014/main" id="{F4F2454B-F509-48C2-8E21-100D3A873769}"/>
-              </a:ext>
-            </a:extLst>
-          </p:cNvPr>
-          <p:cNvSpPr>
-            <a:spLocks noGrp="1"/>
-          </p:cNvSpPr>
-          <p:nvPr>
-            <p:ph idx="1"/>
-          </p:nvPr>
-        </p:nvSpPr>
-        <p:spPr>
-          <a:xfrm>
-            <a:off x="2734234" y="1259540"/>
-            <a:ext cx="8041341" cy="3124201"/>
-          </a:xfrm>
-        </p:spPr>
-        <p:txBody>
-          <a:bodyPr anchor="t"/>
-          <a:lstStyle/>
-          <a:p>
-            <a:r>
-              <a:rPr lang="en-GB" dirty="0"/>
-              <a:t>Java SE9</a:t>
-            </a:r>
-          </a:p>
-          <a:p>
-            <a:r>
-              <a:rPr lang="en-GB" dirty="0"/>
-              <a:t>MEAN Stack (MongoDB, ExpressJS, AngularJS, NodeJS)</a:t>
-            </a:r>
-          </a:p>
-          <a:p>
-            <a:r>
-              <a:rPr lang="en-GB" dirty="0"/>
-              <a:t>D3 (Data Driven Documents) JavaScript Library</a:t>
-            </a:r>
-          </a:p>
-        </p:txBody>
-      </p:sp>
-    </p:spTree>
-    <p:extLst>
-      <p:ext uri="{BB962C8B-B14F-4D97-AF65-F5344CB8AC3E}">
-        <p14:creationId xmlns:p14="http://schemas.microsoft.com/office/powerpoint/2010/main" val="1888549302"/>
-      </p:ext>
-    </p:extLst>
-  </p:cSld>
-  <p:clrMapOvr>
-    <a:masterClrMapping/>
-  </p:clrMapOvr>
-  <p:timing>
-    <p:tnLst>
-      <p:par>
-        <p:cTn id="1" dur="indefinite" restart="never" nodeType="tmRoot">
-          <p:childTnLst>
-            <p:seq concurrent="1" nextAc="seek">
-              <p:cTn id="2" dur="indefinite" nodeType="mainSeq">
-                <p:childTnLst>
-                  <p:par>
-                    <p:cTn id="3" fill="hold">
-                      <p:stCondLst>
-                        <p:cond delay="indefinite"/>
-                      </p:stCondLst>
-                      <p:childTnLst>
-                        <p:par>
-                          <p:cTn id="4" fill="hold">
-                            <p:stCondLst>
-                              <p:cond delay="0"/>
-                            </p:stCondLst>
-                            <p:childTnLst>
-                              <p:par>
-                                <p:cTn id="5" presetID="10" presetClass="entr" presetSubtype="0" fill="hold" grpId="0" nodeType="clickEffect">
-                                  <p:stCondLst>
-                                    <p:cond delay="0"/>
-                                  </p:stCondLst>
-                                  <p:childTnLst>
-                                    <p:set>
-                                      <p:cBhvr>
-                                        <p:cTn id="6" dur="1" fill="hold">
-                                          <p:stCondLst>
-                                            <p:cond delay="0"/>
-                                          </p:stCondLst>
-                                        </p:cTn>
-                                        <p:tgtEl>
-                                          <p:spTgt spid="3">
-                                            <p:txEl>
-                                              <p:pRg st="0" end="0"/>
-                                            </p:txEl>
-                                          </p:spTgt>
-                                        </p:tgtEl>
-                                        <p:attrNameLst>
-                                          <p:attrName>style.visibility</p:attrName>
-                                        </p:attrNameLst>
-                                      </p:cBhvr>
-                                      <p:to>
-                                        <p:strVal val="visible"/>
-                                      </p:to>
-                                    </p:set>
-                                    <p:animEffect transition="in" filter="fade">
-                                      <p:cBhvr>
-                                        <p:cTn id="7" dur="500"/>
-                                        <p:tgtEl>
-                                          <p:spTgt spid="3">
-                                            <p:txEl>
-                                              <p:pRg st="0" end="0"/>
-                                            </p:txEl>
-                                          </p:spTgt>
-                                        </p:tgtEl>
-                                      </p:cBhvr>
-                                    </p:animEffect>
-                                  </p:childTnLst>
-                                </p:cTn>
-                              </p:par>
-                            </p:childTnLst>
-                          </p:cTn>
-                        </p:par>
-                      </p:childTnLst>
-                    </p:cTn>
-                  </p:par>
-                  <p:par>
-                    <p:cTn id="8" fill="hold">
-                      <p:stCondLst>
-                        <p:cond delay="indefinite"/>
-                      </p:stCondLst>
-                      <p:childTnLst>
-                        <p:par>
-                          <p:cTn id="9" fill="hold">
-                            <p:stCondLst>
-                              <p:cond delay="0"/>
-                            </p:stCondLst>
-                            <p:childTnLst>
-                              <p:par>
-                                <p:cTn id="10" presetID="10" presetClass="entr" presetSubtype="0" fill="hold" grpId="0" nodeType="clickEffect">
-                                  <p:stCondLst>
-                                    <p:cond delay="0"/>
-                                  </p:stCondLst>
-                                  <p:childTnLst>
-                                    <p:set>
-                                      <p:cBhvr>
-                                        <p:cTn id="11" dur="1" fill="hold">
-                                          <p:stCondLst>
-                                            <p:cond delay="0"/>
-                                          </p:stCondLst>
-                                        </p:cTn>
-                                        <p:tgtEl>
-                                          <p:spTgt spid="3">
-                                            <p:txEl>
-                                              <p:pRg st="1" end="1"/>
-                                            </p:txEl>
-                                          </p:spTgt>
-                                        </p:tgtEl>
-                                        <p:attrNameLst>
-                                          <p:attrName>style.visibility</p:attrName>
-                                        </p:attrNameLst>
-                                      </p:cBhvr>
-                                      <p:to>
-                                        <p:strVal val="visible"/>
-                                      </p:to>
-                                    </p:set>
-                                    <p:animEffect transition="in" filter="fade">
-                                      <p:cBhvr>
-                                        <p:cTn id="12" dur="500"/>
-                                        <p:tgtEl>
-                                          <p:spTgt spid="3">
-                                            <p:txEl>
-                                              <p:pRg st="1" end="1"/>
-                                            </p:txEl>
-                                          </p:spTgt>
-                                        </p:tgtEl>
-                                      </p:cBhvr>
-                                    </p:animEffect>
-                                  </p:childTnLst>
-                                </p:cTn>
-                              </p:par>
-                            </p:childTnLst>
-                          </p:cTn>
-                        </p:par>
-                      </p:childTnLst>
-                    </p:cTn>
-                  </p:par>
-                  <p:par>
-                    <p:cTn id="13" fill="hold">
-                      <p:stCondLst>
-                        <p:cond delay="indefinite"/>
-                      </p:stCondLst>
-                      <p:childTnLst>
-                        <p:par>
-                          <p:cTn id="14" fill="hold">
-                            <p:stCondLst>
-                              <p:cond delay="0"/>
-                            </p:stCondLst>
-                            <p:childTnLst>
-                              <p:par>
-                                <p:cTn id="15" presetID="10" presetClass="entr" presetSubtype="0" fill="hold" grpId="0" nodeType="clickEffect">
-                                  <p:stCondLst>
-                                    <p:cond delay="0"/>
-                                  </p:stCondLst>
-                                  <p:childTnLst>
-                                    <p:set>
-                                      <p:cBhvr>
-                                        <p:cTn id="16" dur="1" fill="hold">
-                                          <p:stCondLst>
-                                            <p:cond delay="0"/>
-                                          </p:stCondLst>
-                                        </p:cTn>
-                                        <p:tgtEl>
-                                          <p:spTgt spid="3">
-                                            <p:txEl>
-                                              <p:pRg st="2" end="2"/>
-                                            </p:txEl>
-                                          </p:spTgt>
-                                        </p:tgtEl>
-                                        <p:attrNameLst>
-                                          <p:attrName>style.visibility</p:attrName>
-                                        </p:attrNameLst>
-                                      </p:cBhvr>
-                                      <p:to>
-                                        <p:strVal val="visible"/>
-                                      </p:to>
-                                    </p:set>
-                                    <p:animEffect transition="in" filter="fade">
-                                      <p:cBhvr>
-                                        <p:cTn id="17" dur="500"/>
-                                        <p:tgtEl>
-                                          <p:spTgt spid="3">
-                                            <p:txEl>
-                                              <p:pRg st="2" end="2"/>
-                                            </p:txEl>
-                                          </p:spTgt>
-                                        </p:tgtEl>
-                                      </p:cBhvr>
-                                    </p:animEffect>
-                                  </p:childTnLst>
-                                </p:cTn>
-                              </p:par>
-                            </p:childTnLst>
-                          </p:cTn>
-                        </p:par>
-                      </p:childTnLst>
-                    </p:cTn>
-                  </p:par>
-                </p:childTnLst>
-              </p:cTn>
-              <p:prevCondLst>
-                <p:cond evt="onPrev" delay="0">
-                  <p:tgtEl>
-                    <p:sldTgt/>
-                  </p:tgtEl>
-                </p:cond>
-              </p:prevCondLst>
-              <p:nextCondLst>
-                <p:cond evt="onNext" delay="0">
-                  <p:tgtEl>
-                    <p:sldTgt/>
-                  </p:tgtEl>
-                </p:cond>
-              </p:nextCondLst>
-            </p:seq>
-          </p:childTnLst>
-        </p:cTn>
-      </p:par>
-    </p:tnLst>
-    <p:bldLst>
-      <p:bldP spid="3" grpId="0" build="p"/>
-    </p:bldLst>
-  </p:timing>
-</p:sld>
-</file>
-
-<file path=ppt/slides/slide4.xml><?xml version="1.0" encoding="utf-8"?>
-<p:sld xmlns:a="http://schemas.openxmlformats.org/drawingml/2006/main" xmlns:r="http://schemas.openxmlformats.org/officeDocument/2006/relationships" xmlns:p="http://schemas.openxmlformats.org/presentationml/2006/main">
-  <p:cSld>
-    <p:spTree>
-      <p:nvGrpSpPr>
-        <p:cNvPr id="1" name=""/>
-        <p:cNvGrpSpPr/>
-        <p:nvPr/>
-      </p:nvGrpSpPr>
-      <p:grpSpPr>
-        <a:xfrm>
-          <a:off x="0" y="0"/>
-          <a:ext cx="0" cy="0"/>
-          <a:chOff x="0" y="0"/>
-          <a:chExt cx="0" cy="0"/>
-        </a:xfrm>
-      </p:grpSpPr>
-      <p:sp>
-        <p:nvSpPr>
-          <p:cNvPr id="2" name="Title 1">
-            <a:extLst>
-              <a:ext uri="{FF2B5EF4-FFF2-40B4-BE49-F238E27FC236}">
-                <a16:creationId xmlns:a16="http://schemas.microsoft.com/office/drawing/2014/main" id="{4B36F465-CEC2-4E69-A0A6-D0F1CC276B98}"/>
-              </a:ext>
-            </a:extLst>
-          </p:cNvPr>
-          <p:cNvSpPr>
-            <a:spLocks noGrp="1"/>
-          </p:cNvSpPr>
-          <p:nvPr>
-            <p:ph type="title"/>
-          </p:nvPr>
-        </p:nvSpPr>
-        <p:spPr>
-          <a:xfrm>
-            <a:off x="2734235" y="170330"/>
-            <a:ext cx="8768788" cy="896470"/>
-          </a:xfrm>
-        </p:spPr>
-        <p:txBody>
-          <a:bodyPr>
-            <a:normAutofit/>
-          </a:bodyPr>
-          <a:lstStyle/>
-          <a:p>
-            <a:pPr algn="l"/>
-            <a:r>
-              <a:rPr lang="en-GB" sz="4400" u="sng" dirty="0">
-                <a:uFill>
-                  <a:solidFill>
-                    <a:srgbClr val="00B0F0"/>
-                  </a:solidFill>
-                </a:uFill>
-                <a:latin typeface="Poppins" panose="00000500000000000000" pitchFamily="2" charset="0"/>
-                <a:cs typeface="Poppins" panose="00000500000000000000" pitchFamily="2" charset="0"/>
-              </a:rPr>
-              <a:t>Development: </a:t>
-            </a:r>
-            <a:r>
-              <a:rPr lang="en-GB" sz="4400" b="1" u="sng" dirty="0">
-                <a:uFill>
-                  <a:solidFill>
-                    <a:srgbClr val="00B0F0"/>
-                  </a:solidFill>
-                </a:uFill>
-                <a:latin typeface="Poppins" panose="00000500000000000000" pitchFamily="2" charset="0"/>
-                <a:cs typeface="Poppins" panose="00000500000000000000" pitchFamily="2" charset="0"/>
-              </a:rPr>
-              <a:t>Java Program</a:t>
-            </a:r>
-          </a:p>
-        </p:txBody>
-      </p:sp>
-      <p:sp>
-        <p:nvSpPr>
-          <p:cNvPr id="3" name="Content Placeholder 2">
-            <a:extLst>
-              <a:ext uri="{FF2B5EF4-FFF2-40B4-BE49-F238E27FC236}">
-                <a16:creationId xmlns:a16="http://schemas.microsoft.com/office/drawing/2014/main" id="{F4F2454B-F509-48C2-8E21-100D3A873769}"/>
-              </a:ext>
-            </a:extLst>
-          </p:cNvPr>
-          <p:cNvSpPr>
-            <a:spLocks noGrp="1"/>
-          </p:cNvSpPr>
-          <p:nvPr>
-            <p:ph idx="1"/>
-          </p:nvPr>
-        </p:nvSpPr>
-        <p:spPr>
-          <a:xfrm>
-            <a:off x="2734235" y="1259540"/>
-            <a:ext cx="6427694" cy="2541495"/>
-          </a:xfrm>
-        </p:spPr>
-        <p:txBody>
-          <a:bodyPr anchor="t"/>
-          <a:lstStyle/>
-          <a:p>
-            <a:r>
-              <a:rPr lang="en-GB" dirty="0"/>
-              <a:t>Twitter API (twitter-4j)</a:t>
-            </a:r>
-          </a:p>
-          <a:p>
-            <a:r>
-              <a:rPr lang="en-GB" dirty="0"/>
-              <a:t>MongoDB Atlas Cluster (mongodb-java-driver)</a:t>
-            </a:r>
-          </a:p>
-          <a:p>
-            <a:r>
-              <a:rPr lang="en-GB" dirty="0"/>
-              <a:t>Custom Functionality</a:t>
-            </a:r>
-          </a:p>
-          <a:p>
-            <a:pPr lvl="1">
-              <a:buFont typeface="Wingdings" panose="05000000000000000000" pitchFamily="2" charset="2"/>
-              <a:buChar char="§"/>
-            </a:pPr>
-            <a:r>
-              <a:rPr lang="en-GB" dirty="0"/>
-              <a:t>Twitter</a:t>
-            </a:r>
-          </a:p>
-          <a:p>
-            <a:pPr lvl="1">
-              <a:buFont typeface="Wingdings" panose="05000000000000000000" pitchFamily="2" charset="2"/>
-              <a:buChar char="§"/>
-            </a:pPr>
-            <a:r>
-              <a:rPr lang="en-GB" dirty="0"/>
-              <a:t>Robocode</a:t>
-            </a:r>
-          </a:p>
-        </p:txBody>
-      </p:sp>
-      <p:pic>
-        <p:nvPicPr>
-          <p:cNvPr id="4" name="Picture 3">
-            <a:extLst>
-              <a:ext uri="{FF2B5EF4-FFF2-40B4-BE49-F238E27FC236}">
-                <a16:creationId xmlns:a16="http://schemas.microsoft.com/office/drawing/2014/main" id="{F55D3C62-15C8-4A0D-AC23-1EB0B19BD7F8}"/>
-              </a:ext>
-            </a:extLst>
-          </p:cNvPr>
-          <p:cNvPicPr>
-            <a:picLocks noChangeAspect="1"/>
-          </p:cNvPicPr>
-          <p:nvPr/>
-        </p:nvPicPr>
-        <p:blipFill>
-          <a:blip r:embed="rId2">
-            <a:extLst>
-              <a:ext uri="{28A0092B-C50C-407E-A947-70E740481C1C}">
-                <a14:useLocalDpi xmlns:a14="http://schemas.microsoft.com/office/drawing/2010/main" val="0"/>
-              </a:ext>
-            </a:extLst>
-          </a:blip>
-          <a:stretch>
-            <a:fillRect/>
-          </a:stretch>
-        </p:blipFill>
-        <p:spPr>
-          <a:xfrm>
-            <a:off x="4785039" y="4286247"/>
-            <a:ext cx="2205470" cy="1789582"/>
-          </a:xfrm>
-          <a:prstGeom prst="rect">
-            <a:avLst/>
-          </a:prstGeom>
-        </p:spPr>
-      </p:pic>
-      <p:pic>
-        <p:nvPicPr>
-          <p:cNvPr id="6" name="Graphic 5">
-            <a:extLst>
-              <a:ext uri="{FF2B5EF4-FFF2-40B4-BE49-F238E27FC236}">
-                <a16:creationId xmlns:a16="http://schemas.microsoft.com/office/drawing/2014/main" id="{FF97FCA0-40C9-431B-A013-DD9B3AB42CA5}"/>
-              </a:ext>
-            </a:extLst>
-          </p:cNvPr>
-          <p:cNvPicPr>
-            <a:picLocks noChangeAspect="1"/>
-          </p:cNvPicPr>
-          <p:nvPr/>
-        </p:nvPicPr>
-        <p:blipFill>
-          <a:blip r:embed="rId3">
-            <a:extLst>
-              <a:ext uri="{28A0092B-C50C-407E-A947-70E740481C1C}">
-                <a14:useLocalDpi xmlns:a14="http://schemas.microsoft.com/office/drawing/2010/main" val="0"/>
-              </a:ext>
-              <a:ext uri="{96DAC541-7B7A-43D3-8B79-37D633B846F1}">
-                <asvg:svgBlip xmlns:asvg="http://schemas.microsoft.com/office/drawing/2016/SVG/main" r:embed="rId4"/>
-              </a:ext>
-            </a:extLst>
-          </a:blip>
-          <a:stretch>
-            <a:fillRect/>
-          </a:stretch>
-        </p:blipFill>
-        <p:spPr>
-          <a:xfrm>
-            <a:off x="2734235" y="3993775"/>
-            <a:ext cx="2200834" cy="2200834"/>
-          </a:xfrm>
-          <a:prstGeom prst="rect">
-            <a:avLst/>
-          </a:prstGeom>
-        </p:spPr>
-      </p:pic>
-    </p:spTree>
-    <p:extLst>
-      <p:ext uri="{BB962C8B-B14F-4D97-AF65-F5344CB8AC3E}">
-        <p14:creationId xmlns:p14="http://schemas.microsoft.com/office/powerpoint/2010/main" val="1417605020"/>
-      </p:ext>
-    </p:extLst>
-  </p:cSld>
-  <p:clrMapOvr>
-    <a:masterClrMapping/>
-  </p:clrMapOvr>
-  <p:timing>
-    <p:tnLst>
-      <p:par>
-        <p:cTn id="1" dur="indefinite" restart="never" nodeType="tmRoot">
-          <p:childTnLst>
-            <p:seq concurrent="1" nextAc="seek">
-              <p:cTn id="2" dur="indefinite" nodeType="mainSeq">
-                <p:childTnLst>
-                  <p:par>
-                    <p:cTn id="3" fill="hold">
-                      <p:stCondLst>
-                        <p:cond delay="indefinite"/>
-                      </p:stCondLst>
-                      <p:childTnLst>
-                        <p:par>
-                          <p:cTn id="4" fill="hold">
-                            <p:stCondLst>
-                              <p:cond delay="0"/>
-                            </p:stCondLst>
-                            <p:childTnLst>
-                              <p:par>
-                                <p:cTn id="5" presetID="10" presetClass="entr" presetSubtype="0" fill="hold" grpId="0" nodeType="clickEffect">
-                                  <p:stCondLst>
-                                    <p:cond delay="0"/>
-                                  </p:stCondLst>
-                                  <p:childTnLst>
-                                    <p:set>
-                                      <p:cBhvr>
-                                        <p:cTn id="6" dur="1" fill="hold">
-                                          <p:stCondLst>
-                                            <p:cond delay="0"/>
-                                          </p:stCondLst>
-                                        </p:cTn>
-                                        <p:tgtEl>
-                                          <p:spTgt spid="3">
-                                            <p:txEl>
-                                              <p:pRg st="0" end="0"/>
-                                            </p:txEl>
-                                          </p:spTgt>
-                                        </p:tgtEl>
-                                        <p:attrNameLst>
-                                          <p:attrName>style.visibility</p:attrName>
-                                        </p:attrNameLst>
-                                      </p:cBhvr>
-                                      <p:to>
-                                        <p:strVal val="visible"/>
-                                      </p:to>
-                                    </p:set>
-                                    <p:animEffect transition="in" filter="fade">
-                                      <p:cBhvr>
-                                        <p:cTn id="7" dur="500"/>
-                                        <p:tgtEl>
-                                          <p:spTgt spid="3">
-                                            <p:txEl>
-                                              <p:pRg st="0" end="0"/>
-                                            </p:txEl>
-                                          </p:spTgt>
-                                        </p:tgtEl>
-                                      </p:cBhvr>
-                                    </p:animEffect>
-                                  </p:childTnLst>
-                                </p:cTn>
-                              </p:par>
-                            </p:childTnLst>
-                          </p:cTn>
-                        </p:par>
-                      </p:childTnLst>
-                    </p:cTn>
-                  </p:par>
-                  <p:par>
-                    <p:cTn id="8" fill="hold">
-                      <p:stCondLst>
-                        <p:cond delay="indefinite"/>
-                      </p:stCondLst>
-                      <p:childTnLst>
-                        <p:par>
-                          <p:cTn id="9" fill="hold">
-                            <p:stCondLst>
-                              <p:cond delay="0"/>
-                            </p:stCondLst>
-                            <p:childTnLst>
-                              <p:par>
-                                <p:cTn id="10" presetID="10" presetClass="entr" presetSubtype="0" fill="hold" grpId="0" nodeType="clickEffect">
-                                  <p:stCondLst>
-                                    <p:cond delay="0"/>
-                                  </p:stCondLst>
-                                  <p:childTnLst>
-                                    <p:set>
-                                      <p:cBhvr>
-                                        <p:cTn id="11" dur="1" fill="hold">
-                                          <p:stCondLst>
-                                            <p:cond delay="0"/>
-                                          </p:stCondLst>
-                                        </p:cTn>
-                                        <p:tgtEl>
-                                          <p:spTgt spid="3">
-                                            <p:txEl>
-                                              <p:pRg st="1" end="1"/>
-                                            </p:txEl>
-                                          </p:spTgt>
-                                        </p:tgtEl>
-                                        <p:attrNameLst>
-                                          <p:attrName>style.visibility</p:attrName>
-                                        </p:attrNameLst>
-                                      </p:cBhvr>
-                                      <p:to>
-                                        <p:strVal val="visible"/>
-                                      </p:to>
-                                    </p:set>
-                                    <p:animEffect transition="in" filter="fade">
-                                      <p:cBhvr>
-                                        <p:cTn id="12" dur="500"/>
-                                        <p:tgtEl>
-                                          <p:spTgt spid="3">
-                                            <p:txEl>
-                                              <p:pRg st="1" end="1"/>
-                                            </p:txEl>
-                                          </p:spTgt>
-                                        </p:tgtEl>
-                                      </p:cBhvr>
-                                    </p:animEffect>
-                                  </p:childTnLst>
-                                </p:cTn>
-                              </p:par>
-                            </p:childTnLst>
-                          </p:cTn>
-                        </p:par>
-                      </p:childTnLst>
-                    </p:cTn>
-                  </p:par>
-                  <p:par>
-                    <p:cTn id="13" fill="hold">
-                      <p:stCondLst>
-                        <p:cond delay="indefinite"/>
-                      </p:stCondLst>
-                      <p:childTnLst>
-                        <p:par>
-                          <p:cTn id="14" fill="hold">
-                            <p:stCondLst>
-                              <p:cond delay="0"/>
-                            </p:stCondLst>
-                            <p:childTnLst>
-                              <p:par>
-                                <p:cTn id="15" presetID="10" presetClass="entr" presetSubtype="0" fill="hold" grpId="0" nodeType="clickEffect">
-                                  <p:stCondLst>
-                                    <p:cond delay="0"/>
-                                  </p:stCondLst>
-                                  <p:childTnLst>
-                                    <p:set>
-                                      <p:cBhvr>
-                                        <p:cTn id="16" dur="1" fill="hold">
-                                          <p:stCondLst>
-                                            <p:cond delay="0"/>
-                                          </p:stCondLst>
-                                        </p:cTn>
-                                        <p:tgtEl>
-                                          <p:spTgt spid="3">
-                                            <p:txEl>
-                                              <p:pRg st="2" end="2"/>
-                                            </p:txEl>
-                                          </p:spTgt>
-                                        </p:tgtEl>
-                                        <p:attrNameLst>
-                                          <p:attrName>style.visibility</p:attrName>
-                                        </p:attrNameLst>
-                                      </p:cBhvr>
-                                      <p:to>
-                                        <p:strVal val="visible"/>
-                                      </p:to>
-                                    </p:set>
-                                    <p:animEffect transition="in" filter="fade">
-                                      <p:cBhvr>
-                                        <p:cTn id="17" dur="500"/>
-                                        <p:tgtEl>
-                                          <p:spTgt spid="3">
-                                            <p:txEl>
-                                              <p:pRg st="2" end="2"/>
-                                            </p:txEl>
-                                          </p:spTgt>
-                                        </p:tgtEl>
-                                      </p:cBhvr>
-                                    </p:animEffect>
-                                  </p:childTnLst>
-                                </p:cTn>
-                              </p:par>
-                              <p:par>
-                                <p:cTn id="18" presetID="10" presetClass="entr" presetSubtype="0" fill="hold" grpId="0" nodeType="withEffect">
-                                  <p:stCondLst>
-                                    <p:cond delay="0"/>
-                                  </p:stCondLst>
-                                  <p:childTnLst>
-                                    <p:set>
-                                      <p:cBhvr>
-                                        <p:cTn id="19" dur="1" fill="hold">
-                                          <p:stCondLst>
-                                            <p:cond delay="0"/>
-                                          </p:stCondLst>
-                                        </p:cTn>
-                                        <p:tgtEl>
-                                          <p:spTgt spid="3">
-                                            <p:txEl>
-                                              <p:pRg st="3" end="3"/>
-                                            </p:txEl>
-                                          </p:spTgt>
-                                        </p:tgtEl>
-                                        <p:attrNameLst>
-                                          <p:attrName>style.visibility</p:attrName>
-                                        </p:attrNameLst>
-                                      </p:cBhvr>
-                                      <p:to>
-                                        <p:strVal val="visible"/>
-                                      </p:to>
-                                    </p:set>
-                                    <p:animEffect transition="in" filter="fade">
-                                      <p:cBhvr>
-                                        <p:cTn id="20" dur="500"/>
-                                        <p:tgtEl>
-                                          <p:spTgt spid="3">
-                                            <p:txEl>
-                                              <p:pRg st="3" end="3"/>
-                                            </p:txEl>
-                                          </p:spTgt>
-                                        </p:tgtEl>
-                                      </p:cBhvr>
-                                    </p:animEffect>
-                                  </p:childTnLst>
-                                </p:cTn>
-                              </p:par>
-                              <p:par>
-                                <p:cTn id="21" presetID="10" presetClass="entr" presetSubtype="0" fill="hold" grpId="0" nodeType="withEffect">
-                                  <p:stCondLst>
-                                    <p:cond delay="0"/>
-                                  </p:stCondLst>
-                                  <p:childTnLst>
-                                    <p:set>
-                                      <p:cBhvr>
-                                        <p:cTn id="22" dur="1" fill="hold">
-                                          <p:stCondLst>
-                                            <p:cond delay="0"/>
-                                          </p:stCondLst>
-                                        </p:cTn>
-                                        <p:tgtEl>
-                                          <p:spTgt spid="3">
-                                            <p:txEl>
-                                              <p:pRg st="4" end="4"/>
-                                            </p:txEl>
-                                          </p:spTgt>
-                                        </p:tgtEl>
-                                        <p:attrNameLst>
-                                          <p:attrName>style.visibility</p:attrName>
-                                        </p:attrNameLst>
-                                      </p:cBhvr>
-                                      <p:to>
-                                        <p:strVal val="visible"/>
-                                      </p:to>
-                                    </p:set>
-                                    <p:animEffect transition="in" filter="fade">
-                                      <p:cBhvr>
-                                        <p:cTn id="23" dur="500"/>
-                                        <p:tgtEl>
-                                          <p:spTgt spid="3">
-                                            <p:txEl>
-                                              <p:pRg st="4" end="4"/>
-                                            </p:txEl>
-                                          </p:spTgt>
-                                        </p:tgtEl>
-                                      </p:cBhvr>
-                                    </p:animEffect>
-                                  </p:childTnLst>
-                                </p:cTn>
-                              </p:par>
-                              <p:par>
-                                <p:cTn id="24" presetID="10" presetClass="entr" presetSubtype="0" fill="hold" nodeType="withEffect">
-                                  <p:stCondLst>
-                                    <p:cond delay="0"/>
-                                  </p:stCondLst>
-                                  <p:childTnLst>
-                                    <p:set>
-                                      <p:cBhvr>
-                                        <p:cTn id="25" dur="1" fill="hold">
-                                          <p:stCondLst>
-                                            <p:cond delay="0"/>
-                                          </p:stCondLst>
-                                        </p:cTn>
-                                        <p:tgtEl>
-                                          <p:spTgt spid="6"/>
-                                        </p:tgtEl>
-                                        <p:attrNameLst>
-                                          <p:attrName>style.visibility</p:attrName>
-                                        </p:attrNameLst>
-                                      </p:cBhvr>
-                                      <p:to>
-                                        <p:strVal val="visible"/>
-                                      </p:to>
-                                    </p:set>
-                                    <p:animEffect transition="in" filter="fade">
-                                      <p:cBhvr>
-                                        <p:cTn id="26" dur="500"/>
-                                        <p:tgtEl>
-                                          <p:spTgt spid="6"/>
-                                        </p:tgtEl>
-                                      </p:cBhvr>
-                                    </p:animEffect>
-                                  </p:childTnLst>
-                                </p:cTn>
-                              </p:par>
-                              <p:par>
-                                <p:cTn id="27" presetID="10" presetClass="entr" presetSubtype="0" fill="hold" nodeType="withEffect">
-                                  <p:stCondLst>
-                                    <p:cond delay="0"/>
-                                  </p:stCondLst>
-                                  <p:childTnLst>
-                                    <p:set>
-                                      <p:cBhvr>
-                                        <p:cTn id="28" dur="1" fill="hold">
-                                          <p:stCondLst>
-                                            <p:cond delay="0"/>
-                                          </p:stCondLst>
-                                        </p:cTn>
-                                        <p:tgtEl>
-                                          <p:spTgt spid="4"/>
-                                        </p:tgtEl>
-                                        <p:attrNameLst>
-                                          <p:attrName>style.visibility</p:attrName>
-                                        </p:attrNameLst>
-                                      </p:cBhvr>
-                                      <p:to>
-                                        <p:strVal val="visible"/>
-                                      </p:to>
-                                    </p:set>
-                                    <p:animEffect transition="in" filter="fade">
-                                      <p:cBhvr>
-                                        <p:cTn id="29" dur="500"/>
-                                        <p:tgtEl>
-                                          <p:spTgt spid="4"/>
-                                        </p:tgtEl>
-                                      </p:cBhvr>
-                                    </p:animEffect>
-                                  </p:childTnLst>
-                                </p:cTn>
-                              </p:par>
-                            </p:childTnLst>
-                          </p:cTn>
-                        </p:par>
-                      </p:childTnLst>
-                    </p:cTn>
-                  </p:par>
-                </p:childTnLst>
-              </p:cTn>
-              <p:prevCondLst>
-                <p:cond evt="onPrev" delay="0">
-                  <p:tgtEl>
-                    <p:sldTgt/>
-                  </p:tgtEl>
-                </p:cond>
-              </p:prevCondLst>
-              <p:nextCondLst>
-                <p:cond evt="onNext" delay="0">
-                  <p:tgtEl>
-                    <p:sldTgt/>
-                  </p:tgtEl>
-                </p:cond>
-              </p:nextCondLst>
-            </p:seq>
-          </p:childTnLst>
-        </p:cTn>
-      </p:par>
-    </p:tnLst>
-    <p:bldLst>
-      <p:bldP spid="3" grpId="0" uiExpand="1" build="p"/>
-    </p:bldLst>
-  </p:timing>
-</p:sld>
-</file>
-
-<file path=ppt/slides/slide5.xml><?xml version="1.0" encoding="utf-8"?>
-<p:sld xmlns:a="http://schemas.openxmlformats.org/drawingml/2006/main" xmlns:r="http://schemas.openxmlformats.org/officeDocument/2006/relationships" xmlns:p="http://schemas.openxmlformats.org/presentationml/2006/main">
-  <p:cSld>
-    <p:spTree>
-      <p:nvGrpSpPr>
-        <p:cNvPr id="1" name=""/>
-        <p:cNvGrpSpPr/>
-        <p:nvPr/>
-      </p:nvGrpSpPr>
-      <p:grpSpPr>
-        <a:xfrm>
-          <a:off x="0" y="0"/>
-          <a:ext cx="0" cy="0"/>
-          <a:chOff x="0" y="0"/>
-          <a:chExt cx="0" cy="0"/>
-        </a:xfrm>
-      </p:grpSpPr>
-      <p:sp>
-        <p:nvSpPr>
-          <p:cNvPr id="2" name="Title 1">
-            <a:extLst>
-              <a:ext uri="{FF2B5EF4-FFF2-40B4-BE49-F238E27FC236}">
-                <a16:creationId xmlns:a16="http://schemas.microsoft.com/office/drawing/2014/main" id="{4B36F465-CEC2-4E69-A0A6-D0F1CC276B98}"/>
-              </a:ext>
-            </a:extLst>
-          </p:cNvPr>
-          <p:cNvSpPr>
-            <a:spLocks noGrp="1"/>
-          </p:cNvSpPr>
-          <p:nvPr>
-            <p:ph type="title"/>
-          </p:nvPr>
-        </p:nvSpPr>
-        <p:spPr>
-          <a:xfrm>
-            <a:off x="2734235" y="170330"/>
-            <a:ext cx="8768788" cy="896470"/>
-          </a:xfrm>
-        </p:spPr>
-        <p:txBody>
-          <a:bodyPr>
-            <a:normAutofit/>
-          </a:bodyPr>
-          <a:lstStyle/>
-          <a:p>
-            <a:pPr algn="l"/>
-            <a:r>
-              <a:rPr lang="en-GB" sz="4400" u="sng" dirty="0">
-                <a:uFill>
-                  <a:solidFill>
-                    <a:srgbClr val="00B0F0"/>
-                  </a:solidFill>
-                </a:uFill>
-                <a:latin typeface="Poppins" panose="00000500000000000000" pitchFamily="2" charset="0"/>
-                <a:cs typeface="Poppins" panose="00000500000000000000" pitchFamily="2" charset="0"/>
-              </a:rPr>
-              <a:t>Development: </a:t>
-            </a:r>
-            <a:r>
-              <a:rPr lang="en-GB" sz="4400" b="1" u="sng" dirty="0">
-                <a:uFill>
-                  <a:solidFill>
-                    <a:srgbClr val="00B0F0"/>
-                  </a:solidFill>
-                </a:uFill>
-                <a:latin typeface="Poppins" panose="00000500000000000000" pitchFamily="2" charset="0"/>
-                <a:cs typeface="Poppins" panose="00000500000000000000" pitchFamily="2" charset="0"/>
-              </a:rPr>
-              <a:t>Java Program</a:t>
-            </a:r>
-          </a:p>
-        </p:txBody>
-      </p:sp>
-      <p:sp>
-        <p:nvSpPr>
-          <p:cNvPr id="3" name="Content Placeholder 2">
-            <a:extLst>
-              <a:ext uri="{FF2B5EF4-FFF2-40B4-BE49-F238E27FC236}">
-                <a16:creationId xmlns:a16="http://schemas.microsoft.com/office/drawing/2014/main" id="{F4F2454B-F509-48C2-8E21-100D3A873769}"/>
-              </a:ext>
-            </a:extLst>
-          </p:cNvPr>
-          <p:cNvSpPr>
-            <a:spLocks noGrp="1"/>
-          </p:cNvSpPr>
-          <p:nvPr>
-            <p:ph idx="1"/>
-          </p:nvPr>
-        </p:nvSpPr>
-        <p:spPr>
-          <a:xfrm>
-            <a:off x="2734235" y="1259540"/>
-            <a:ext cx="6427694" cy="5078507"/>
-          </a:xfrm>
-        </p:spPr>
-        <p:txBody>
-          <a:bodyPr anchor="t"/>
-          <a:lstStyle/>
-          <a:p>
-            <a:r>
-              <a:rPr lang="en-GB" dirty="0"/>
-              <a:t>Twitter</a:t>
-            </a:r>
-          </a:p>
-          <a:p>
-            <a:pPr lvl="1">
-              <a:buFont typeface="Wingdings" panose="05000000000000000000" pitchFamily="2" charset="2"/>
-              <a:buChar char="§"/>
-            </a:pPr>
-            <a:r>
-              <a:rPr lang="en-GB" dirty="0"/>
-              <a:t>Download Tweets</a:t>
-            </a:r>
-          </a:p>
-          <a:p>
-            <a:pPr lvl="1">
-              <a:buFont typeface="Wingdings" panose="05000000000000000000" pitchFamily="2" charset="2"/>
-              <a:buChar char="§"/>
-            </a:pPr>
-            <a:r>
-              <a:rPr lang="en-GB" dirty="0"/>
-              <a:t>Serialise Tweets</a:t>
-            </a:r>
-          </a:p>
-          <a:p>
-            <a:pPr lvl="1">
-              <a:buFont typeface="Wingdings" panose="05000000000000000000" pitchFamily="2" charset="2"/>
-              <a:buChar char="§"/>
-            </a:pPr>
-            <a:r>
-              <a:rPr lang="en-GB" dirty="0"/>
-              <a:t>De-Serialise Tweets</a:t>
-            </a:r>
-          </a:p>
-          <a:p>
-            <a:pPr lvl="1">
-              <a:buFont typeface="Wingdings" panose="05000000000000000000" pitchFamily="2" charset="2"/>
-              <a:buChar char="§"/>
-            </a:pPr>
-            <a:r>
-              <a:rPr lang="en-GB" dirty="0"/>
-              <a:t>Sanitise Tweets</a:t>
-            </a:r>
-          </a:p>
-          <a:p>
-            <a:pPr lvl="1">
-              <a:buFont typeface="Wingdings" panose="05000000000000000000" pitchFamily="2" charset="2"/>
-              <a:buChar char="§"/>
-            </a:pPr>
-            <a:r>
-              <a:rPr lang="en-GB" dirty="0"/>
-              <a:t>Parse Tweets</a:t>
-            </a:r>
-          </a:p>
-        </p:txBody>
-      </p:sp>
-      <p:pic>
-        <p:nvPicPr>
-          <p:cNvPr id="4" name="Picture 3">
-            <a:extLst>
-              <a:ext uri="{FF2B5EF4-FFF2-40B4-BE49-F238E27FC236}">
-                <a16:creationId xmlns:a16="http://schemas.microsoft.com/office/drawing/2014/main" id="{96D336F1-CD85-4949-9AFF-29648BC0273C}"/>
-              </a:ext>
-            </a:extLst>
-          </p:cNvPr>
-          <p:cNvPicPr>
-            <a:picLocks noChangeAspect="1"/>
-          </p:cNvPicPr>
-          <p:nvPr/>
-        </p:nvPicPr>
-        <p:blipFill>
-          <a:blip r:embed="rId2">
-            <a:extLst>
-              <a:ext uri="{28A0092B-C50C-407E-A947-70E740481C1C}">
-                <a14:useLocalDpi xmlns:a14="http://schemas.microsoft.com/office/drawing/2010/main" val="0"/>
-              </a:ext>
-            </a:extLst>
-          </a:blip>
-          <a:stretch>
-            <a:fillRect/>
-          </a:stretch>
-        </p:blipFill>
-        <p:spPr>
-          <a:xfrm>
-            <a:off x="7957691" y="1748118"/>
-            <a:ext cx="2408475" cy="1954306"/>
-          </a:xfrm>
-          <a:prstGeom prst="rect">
-            <a:avLst/>
-          </a:prstGeom>
-        </p:spPr>
-      </p:pic>
-    </p:spTree>
-    <p:extLst>
-      <p:ext uri="{BB962C8B-B14F-4D97-AF65-F5344CB8AC3E}">
-        <p14:creationId xmlns:p14="http://schemas.microsoft.com/office/powerpoint/2010/main" val="3364855741"/>
-      </p:ext>
-    </p:extLst>
-  </p:cSld>
-  <p:clrMapOvr>
-    <a:masterClrMapping/>
-  </p:clrMapOvr>
-</p:sld>
-</file>
-
-<file path=ppt/slides/slide6.xml><?xml version="1.0" encoding="utf-8"?>
-<p:sld xmlns:a="http://schemas.openxmlformats.org/drawingml/2006/main" xmlns:r="http://schemas.openxmlformats.org/officeDocument/2006/relationships" xmlns:p="http://schemas.openxmlformats.org/presentationml/2006/main">
-  <p:cSld>
-    <p:spTree>
-      <p:nvGrpSpPr>
-        <p:cNvPr id="1" name=""/>
-        <p:cNvGrpSpPr/>
-        <p:nvPr/>
-      </p:nvGrpSpPr>
-      <p:grpSpPr>
-        <a:xfrm>
-          <a:off x="0" y="0"/>
-          <a:ext cx="0" cy="0"/>
-          <a:chOff x="0" y="0"/>
-          <a:chExt cx="0" cy="0"/>
-        </a:xfrm>
-      </p:grpSpPr>
-      <p:sp>
-        <p:nvSpPr>
-          <p:cNvPr id="2" name="Title 1">
-            <a:extLst>
-              <a:ext uri="{FF2B5EF4-FFF2-40B4-BE49-F238E27FC236}">
-                <a16:creationId xmlns:a16="http://schemas.microsoft.com/office/drawing/2014/main" id="{4B36F465-CEC2-4E69-A0A6-D0F1CC276B98}"/>
-              </a:ext>
-            </a:extLst>
-          </p:cNvPr>
-          <p:cNvSpPr>
-            <a:spLocks noGrp="1"/>
-          </p:cNvSpPr>
-          <p:nvPr>
-            <p:ph type="title"/>
-          </p:nvPr>
-        </p:nvSpPr>
-        <p:spPr>
-          <a:xfrm>
-            <a:off x="2734235" y="170330"/>
-            <a:ext cx="8768788" cy="896470"/>
-          </a:xfrm>
-        </p:spPr>
-        <p:txBody>
-          <a:bodyPr>
-            <a:normAutofit/>
-          </a:bodyPr>
-          <a:lstStyle/>
-          <a:p>
-            <a:pPr algn="l"/>
-            <a:r>
-              <a:rPr lang="en-GB" sz="4400" u="sng" dirty="0">
-                <a:uFill>
-                  <a:solidFill>
-                    <a:srgbClr val="00B0F0"/>
-                  </a:solidFill>
-                </a:uFill>
-                <a:latin typeface="Poppins" panose="00000500000000000000" pitchFamily="2" charset="0"/>
-                <a:cs typeface="Poppins" panose="00000500000000000000" pitchFamily="2" charset="0"/>
-              </a:rPr>
-              <a:t>Development: </a:t>
-            </a:r>
-            <a:r>
-              <a:rPr lang="en-GB" sz="4400" b="1" u="sng" dirty="0">
-                <a:uFill>
-                  <a:solidFill>
-                    <a:srgbClr val="00B0F0"/>
-                  </a:solidFill>
-                </a:uFill>
-                <a:latin typeface="Poppins" panose="00000500000000000000" pitchFamily="2" charset="0"/>
-                <a:cs typeface="Poppins" panose="00000500000000000000" pitchFamily="2" charset="0"/>
-              </a:rPr>
-              <a:t>Java Program</a:t>
-            </a:r>
-          </a:p>
-        </p:txBody>
-      </p:sp>
-      <p:sp>
-        <p:nvSpPr>
-          <p:cNvPr id="3" name="Content Placeholder 2">
-            <a:extLst>
-              <a:ext uri="{FF2B5EF4-FFF2-40B4-BE49-F238E27FC236}">
-                <a16:creationId xmlns:a16="http://schemas.microsoft.com/office/drawing/2014/main" id="{F4F2454B-F509-48C2-8E21-100D3A873769}"/>
-              </a:ext>
-            </a:extLst>
-          </p:cNvPr>
-          <p:cNvSpPr>
-            <a:spLocks noGrp="1"/>
-          </p:cNvSpPr>
-          <p:nvPr>
-            <p:ph idx="1"/>
-          </p:nvPr>
-        </p:nvSpPr>
-        <p:spPr>
-          <a:xfrm>
-            <a:off x="2734235" y="1259540"/>
-            <a:ext cx="6427694" cy="2873189"/>
-          </a:xfrm>
-        </p:spPr>
-        <p:txBody>
-          <a:bodyPr anchor="t"/>
-          <a:lstStyle/>
-          <a:p>
-            <a:r>
-              <a:rPr lang="en-GB" dirty="0"/>
-              <a:t>Robocode</a:t>
-            </a:r>
-          </a:p>
-          <a:p>
-            <a:pPr lvl="1">
-              <a:buFont typeface="Wingdings" panose="05000000000000000000" pitchFamily="2" charset="2"/>
-              <a:buChar char="§"/>
-            </a:pPr>
-            <a:r>
-              <a:rPr lang="en-GB" dirty="0"/>
-              <a:t>Configure &amp; Launch Battle</a:t>
-            </a:r>
-          </a:p>
-          <a:p>
-            <a:pPr lvl="1">
-              <a:buFont typeface="Wingdings" panose="05000000000000000000" pitchFamily="2" charset="2"/>
-              <a:buChar char="§"/>
-            </a:pPr>
-            <a:r>
-              <a:rPr lang="en-GB" dirty="0"/>
-              <a:t>Custom Robot Classes</a:t>
-            </a:r>
-          </a:p>
-          <a:p>
-            <a:pPr lvl="1">
-              <a:buFont typeface="Wingdings" panose="05000000000000000000" pitchFamily="2" charset="2"/>
-              <a:buChar char="§"/>
-            </a:pPr>
-            <a:r>
-              <a:rPr lang="en-GB" dirty="0"/>
-              <a:t>Robot Controller</a:t>
-            </a:r>
-          </a:p>
-          <a:p>
-            <a:pPr lvl="1">
-              <a:buFont typeface="Wingdings" panose="05000000000000000000" pitchFamily="2" charset="2"/>
-              <a:buChar char="§"/>
-            </a:pPr>
-            <a:r>
-              <a:rPr lang="en-GB" dirty="0"/>
-              <a:t>Store Data</a:t>
-            </a:r>
-          </a:p>
-          <a:p>
-            <a:pPr lvl="1">
-              <a:buFont typeface="Wingdings" panose="05000000000000000000" pitchFamily="2" charset="2"/>
-              <a:buChar char="§"/>
-            </a:pPr>
-            <a:r>
-              <a:rPr lang="en-GB" dirty="0"/>
-              <a:t>Loop Battle Simulation</a:t>
-            </a:r>
-          </a:p>
-        </p:txBody>
-      </p:sp>
-      <p:pic>
-        <p:nvPicPr>
-          <p:cNvPr id="5" name="Graphic 4">
-            <a:extLst>
-              <a:ext uri="{FF2B5EF4-FFF2-40B4-BE49-F238E27FC236}">
-                <a16:creationId xmlns:a16="http://schemas.microsoft.com/office/drawing/2014/main" id="{46654710-0704-4EFD-BEE4-25C76DF93943}"/>
-              </a:ext>
-            </a:extLst>
-          </p:cNvPr>
-          <p:cNvPicPr>
-            <a:picLocks noChangeAspect="1"/>
-          </p:cNvPicPr>
-          <p:nvPr/>
-        </p:nvPicPr>
-        <p:blipFill>
-          <a:blip r:embed="rId3">
-            <a:extLst>
-              <a:ext uri="{28A0092B-C50C-407E-A947-70E740481C1C}">
-                <a14:useLocalDpi xmlns:a14="http://schemas.microsoft.com/office/drawing/2010/main" val="0"/>
-              </a:ext>
-              <a:ext uri="{96DAC541-7B7A-43D3-8B79-37D633B846F1}">
-                <asvg:svgBlip xmlns:asvg="http://schemas.microsoft.com/office/drawing/2016/SVG/main" r:embed="rId4"/>
-              </a:ext>
-            </a:extLst>
-          </a:blip>
-          <a:stretch>
-            <a:fillRect/>
-          </a:stretch>
-        </p:blipFill>
-        <p:spPr>
-          <a:xfrm>
-            <a:off x="8061511" y="1501590"/>
-            <a:ext cx="2200834" cy="2200834"/>
-          </a:xfrm>
-          <a:prstGeom prst="rect">
-            <a:avLst/>
-          </a:prstGeom>
-        </p:spPr>
-      </p:pic>
-    </p:spTree>
-    <p:extLst>
-      <p:ext uri="{BB962C8B-B14F-4D97-AF65-F5344CB8AC3E}">
-        <p14:creationId xmlns:p14="http://schemas.microsoft.com/office/powerpoint/2010/main" val="638251284"/>
-      </p:ext>
-    </p:extLst>
-  </p:cSld>
-  <p:clrMapOvr>
-    <a:masterClrMapping/>
-  </p:clrMapOvr>
-  <p:timing>
-    <p:tnLst>
-      <p:par>
-        <p:cTn id="1" dur="indefinite" restart="never" nodeType="tmRoot">
-          <p:childTnLst>
-            <p:seq concurrent="1" nextAc="seek">
-              <p:cTn id="2" dur="indefinite" nodeType="mainSeq">
-                <p:childTnLst>
-                  <p:par>
-                    <p:cTn id="3" fill="hold">
-                      <p:stCondLst>
-                        <p:cond delay="indefinite"/>
-                      </p:stCondLst>
-                      <p:childTnLst>
-                        <p:par>
-                          <p:cTn id="4" fill="hold">
-                            <p:stCondLst>
-                              <p:cond delay="0"/>
-                            </p:stCondLst>
-                            <p:childTnLst>
-                              <p:par>
-                                <p:cTn id="5" presetID="10" presetClass="entr" presetSubtype="0" fill="hold" nodeType="clickEffect">
-                                  <p:stCondLst>
-                                    <p:cond delay="0"/>
-                                  </p:stCondLst>
-                                  <p:childTnLst>
-                                    <p:set>
-                                      <p:cBhvr>
-                                        <p:cTn id="6" dur="1" fill="hold">
-                                          <p:stCondLst>
-                                            <p:cond delay="0"/>
-                                          </p:stCondLst>
-                                        </p:cTn>
-                                        <p:tgtEl>
-                                          <p:spTgt spid="3">
-                                            <p:txEl>
-                                              <p:pRg st="0" end="0"/>
-                                            </p:txEl>
-                                          </p:spTgt>
-                                        </p:tgtEl>
-                                        <p:attrNameLst>
-                                          <p:attrName>style.visibility</p:attrName>
-                                        </p:attrNameLst>
-                                      </p:cBhvr>
-                                      <p:to>
-                                        <p:strVal val="visible"/>
-                                      </p:to>
-                                    </p:set>
-                                    <p:animEffect transition="in" filter="fade">
-                                      <p:cBhvr>
-                                        <p:cTn id="7" dur="500"/>
-                                        <p:tgtEl>
-                                          <p:spTgt spid="3">
-                                            <p:txEl>
-                                              <p:pRg st="0" end="0"/>
-                                            </p:txEl>
-                                          </p:spTgt>
-                                        </p:tgtEl>
-                                      </p:cBhvr>
-                                    </p:animEffect>
-                                  </p:childTnLst>
-                                </p:cTn>
-                              </p:par>
-                              <p:par>
-                                <p:cTn id="8" presetID="10" presetClass="entr" presetSubtype="0" fill="hold" nodeType="withEffect">
-                                  <p:stCondLst>
-                                    <p:cond delay="0"/>
-                                  </p:stCondLst>
-                                  <p:childTnLst>
-                                    <p:set>
-                                      <p:cBhvr>
-                                        <p:cTn id="9" dur="1" fill="hold">
-                                          <p:stCondLst>
-                                            <p:cond delay="0"/>
-                                          </p:stCondLst>
-                                        </p:cTn>
-                                        <p:tgtEl>
-                                          <p:spTgt spid="5"/>
-                                        </p:tgtEl>
-                                        <p:attrNameLst>
-                                          <p:attrName>style.visibility</p:attrName>
-                                        </p:attrNameLst>
-                                      </p:cBhvr>
-                                      <p:to>
-                                        <p:strVal val="visible"/>
-                                      </p:to>
-                                    </p:set>
-                                    <p:animEffect transition="in" filter="fade">
-                                      <p:cBhvr>
-                                        <p:cTn id="10" dur="500"/>
-                                        <p:tgtEl>
-                                          <p:spTgt spid="5"/>
-                                        </p:tgtEl>
-                                      </p:cBhvr>
-                                    </p:animEffect>
-                                  </p:childTnLst>
-                                </p:cTn>
-                              </p:par>
-                            </p:childTnLst>
-                          </p:cTn>
-                        </p:par>
-                      </p:childTnLst>
-                    </p:cTn>
-                  </p:par>
-                  <p:par>
-                    <p:cTn id="11" fill="hold">
-                      <p:stCondLst>
-                        <p:cond delay="indefinite"/>
-                      </p:stCondLst>
-                      <p:childTnLst>
-                        <p:par>
-                          <p:cTn id="12" fill="hold">
-                            <p:stCondLst>
-                              <p:cond delay="0"/>
-                            </p:stCondLst>
-                            <p:childTnLst>
-                              <p:par>
-                                <p:cTn id="13" presetID="10" presetClass="entr" presetSubtype="0" fill="hold" nodeType="clickEffect">
-                                  <p:stCondLst>
-                                    <p:cond delay="0"/>
-                                  </p:stCondLst>
-                                  <p:childTnLst>
-                                    <p:set>
-                                      <p:cBhvr>
-                                        <p:cTn id="14" dur="1" fill="hold">
-                                          <p:stCondLst>
-                                            <p:cond delay="0"/>
-                                          </p:stCondLst>
-                                        </p:cTn>
-                                        <p:tgtEl>
-                                          <p:spTgt spid="3">
-                                            <p:txEl>
-                                              <p:pRg st="1" end="1"/>
-                                            </p:txEl>
-                                          </p:spTgt>
-                                        </p:tgtEl>
-                                        <p:attrNameLst>
-                                          <p:attrName>style.visibility</p:attrName>
-                                        </p:attrNameLst>
-                                      </p:cBhvr>
-                                      <p:to>
-                                        <p:strVal val="visible"/>
-                                      </p:to>
-                                    </p:set>
-                                    <p:animEffect transition="in" filter="fade">
-                                      <p:cBhvr>
-                                        <p:cTn id="15" dur="500"/>
-                                        <p:tgtEl>
-                                          <p:spTgt spid="3">
-                                            <p:txEl>
-                                              <p:pRg st="1" end="1"/>
-                                            </p:txEl>
-                                          </p:spTgt>
-                                        </p:tgtEl>
-                                      </p:cBhvr>
-                                    </p:animEffect>
-                                  </p:childTnLst>
-                                </p:cTn>
-                              </p:par>
-                            </p:childTnLst>
-                          </p:cTn>
-                        </p:par>
-                      </p:childTnLst>
-                    </p:cTn>
-                  </p:par>
-                  <p:par>
-                    <p:cTn id="16" fill="hold">
-                      <p:stCondLst>
-                        <p:cond delay="indefinite"/>
-                      </p:stCondLst>
-                      <p:childTnLst>
-                        <p:par>
-                          <p:cTn id="17" fill="hold">
-                            <p:stCondLst>
-                              <p:cond delay="0"/>
-                            </p:stCondLst>
-                            <p:childTnLst>
-                              <p:par>
-                                <p:cTn id="18" presetID="10" presetClass="entr" presetSubtype="0" fill="hold" nodeType="clickEffect">
-                                  <p:stCondLst>
-                                    <p:cond delay="0"/>
-                                  </p:stCondLst>
-                                  <p:childTnLst>
-                                    <p:set>
-                                      <p:cBhvr>
-                                        <p:cTn id="19" dur="1" fill="hold">
-                                          <p:stCondLst>
-                                            <p:cond delay="0"/>
-                                          </p:stCondLst>
-                                        </p:cTn>
-                                        <p:tgtEl>
-                                          <p:spTgt spid="3">
-                                            <p:txEl>
-                                              <p:pRg st="2" end="2"/>
-                                            </p:txEl>
-                                          </p:spTgt>
-                                        </p:tgtEl>
-                                        <p:attrNameLst>
-                                          <p:attrName>style.visibility</p:attrName>
-                                        </p:attrNameLst>
-                                      </p:cBhvr>
-                                      <p:to>
-                                        <p:strVal val="visible"/>
-                                      </p:to>
-                                    </p:set>
-                                    <p:animEffect transition="in" filter="fade">
-                                      <p:cBhvr>
-                                        <p:cTn id="20" dur="500"/>
-                                        <p:tgtEl>
-                                          <p:spTgt spid="3">
-                                            <p:txEl>
-                                              <p:pRg st="2" end="2"/>
-                                            </p:txEl>
-                                          </p:spTgt>
-                                        </p:tgtEl>
-                                      </p:cBhvr>
-                                    </p:animEffect>
-                                  </p:childTnLst>
-                                </p:cTn>
-                              </p:par>
-                            </p:childTnLst>
-                          </p:cTn>
-                        </p:par>
-                      </p:childTnLst>
-                    </p:cTn>
-                  </p:par>
-                  <p:par>
-                    <p:cTn id="21" fill="hold">
-                      <p:stCondLst>
-                        <p:cond delay="indefinite"/>
-                      </p:stCondLst>
-                      <p:childTnLst>
-                        <p:par>
-                          <p:cTn id="22" fill="hold">
-                            <p:stCondLst>
-                              <p:cond delay="0"/>
-                            </p:stCondLst>
-                            <p:childTnLst>
-                              <p:par>
-                                <p:cTn id="23" presetID="10" presetClass="entr" presetSubtype="0" fill="hold" nodeType="clickEffect">
-                                  <p:stCondLst>
-                                    <p:cond delay="0"/>
-                                  </p:stCondLst>
-                                  <p:childTnLst>
-                                    <p:set>
-                                      <p:cBhvr>
-                                        <p:cTn id="24" dur="1" fill="hold">
-                                          <p:stCondLst>
-                                            <p:cond delay="0"/>
-                                          </p:stCondLst>
-                                        </p:cTn>
-                                        <p:tgtEl>
-                                          <p:spTgt spid="3">
-                                            <p:txEl>
-                                              <p:pRg st="3" end="3"/>
-                                            </p:txEl>
-                                          </p:spTgt>
-                                        </p:tgtEl>
-                                        <p:attrNameLst>
-                                          <p:attrName>style.visibility</p:attrName>
-                                        </p:attrNameLst>
-                                      </p:cBhvr>
-                                      <p:to>
-                                        <p:strVal val="visible"/>
-                                      </p:to>
-                                    </p:set>
-                                    <p:animEffect transition="in" filter="fade">
-                                      <p:cBhvr>
-                                        <p:cTn id="25" dur="500"/>
-                                        <p:tgtEl>
-                                          <p:spTgt spid="3">
-                                            <p:txEl>
-                                              <p:pRg st="3" end="3"/>
-                                            </p:txEl>
-                                          </p:spTgt>
-                                        </p:tgtEl>
-                                      </p:cBhvr>
-                                    </p:animEffect>
-                                  </p:childTnLst>
-                                </p:cTn>
-                              </p:par>
-                            </p:childTnLst>
-                          </p:cTn>
-                        </p:par>
-                      </p:childTnLst>
-                    </p:cTn>
-                  </p:par>
-                  <p:par>
-                    <p:cTn id="26" fill="hold">
-                      <p:stCondLst>
-                        <p:cond delay="indefinite"/>
-                      </p:stCondLst>
-                      <p:childTnLst>
-                        <p:par>
-                          <p:cTn id="27" fill="hold">
-                            <p:stCondLst>
-                              <p:cond delay="0"/>
-                            </p:stCondLst>
-                            <p:childTnLst>
-                              <p:par>
-                                <p:cTn id="28" presetID="10" presetClass="entr" presetSubtype="0" fill="hold" nodeType="clickEffect">
-                                  <p:stCondLst>
-                                    <p:cond delay="0"/>
-                                  </p:stCondLst>
-                                  <p:childTnLst>
-                                    <p:set>
-                                      <p:cBhvr>
-                                        <p:cTn id="29" dur="1" fill="hold">
-                                          <p:stCondLst>
-                                            <p:cond delay="0"/>
-                                          </p:stCondLst>
-                                        </p:cTn>
-                                        <p:tgtEl>
-                                          <p:spTgt spid="3">
-                                            <p:txEl>
-                                              <p:pRg st="4" end="4"/>
-                                            </p:txEl>
-                                          </p:spTgt>
-                                        </p:tgtEl>
-                                        <p:attrNameLst>
-                                          <p:attrName>style.visibility</p:attrName>
-                                        </p:attrNameLst>
-                                      </p:cBhvr>
-                                      <p:to>
-                                        <p:strVal val="visible"/>
-                                      </p:to>
-                                    </p:set>
-                                    <p:animEffect transition="in" filter="fade">
-                                      <p:cBhvr>
-                                        <p:cTn id="30" dur="500"/>
-                                        <p:tgtEl>
-                                          <p:spTgt spid="3">
-                                            <p:txEl>
-                                              <p:pRg st="4" end="4"/>
-                                            </p:txEl>
-                                          </p:spTgt>
-                                        </p:tgtEl>
-                                      </p:cBhvr>
-                                    </p:animEffect>
-                                  </p:childTnLst>
-                                </p:cTn>
-                              </p:par>
-                            </p:childTnLst>
-                          </p:cTn>
-                        </p:par>
-                      </p:childTnLst>
-                    </p:cTn>
-                  </p:par>
-                  <p:par>
-                    <p:cTn id="31" fill="hold">
-                      <p:stCondLst>
-                        <p:cond delay="indefinite"/>
-                      </p:stCondLst>
-                      <p:childTnLst>
-                        <p:par>
-                          <p:cTn id="32" fill="hold">
-                            <p:stCondLst>
-                              <p:cond delay="0"/>
-                            </p:stCondLst>
-                            <p:childTnLst>
-                              <p:par>
-                                <p:cTn id="33" presetID="10" presetClass="entr" presetSubtype="0" fill="hold" nodeType="clickEffect">
-                                  <p:stCondLst>
-                                    <p:cond delay="0"/>
-                                  </p:stCondLst>
-                                  <p:childTnLst>
-                                    <p:set>
-                                      <p:cBhvr>
-                                        <p:cTn id="34" dur="1" fill="hold">
-                                          <p:stCondLst>
-                                            <p:cond delay="0"/>
-                                          </p:stCondLst>
-                                        </p:cTn>
-                                        <p:tgtEl>
-                                          <p:spTgt spid="3">
-                                            <p:txEl>
-                                              <p:pRg st="5" end="5"/>
-                                            </p:txEl>
-                                          </p:spTgt>
-                                        </p:tgtEl>
-                                        <p:attrNameLst>
-                                          <p:attrName>style.visibility</p:attrName>
-                                        </p:attrNameLst>
-                                      </p:cBhvr>
-                                      <p:to>
-                                        <p:strVal val="visible"/>
-                                      </p:to>
-                                    </p:set>
-                                    <p:animEffect transition="in" filter="fade">
-                                      <p:cBhvr>
-                                        <p:cTn id="35" dur="500"/>
-                                        <p:tgtEl>
-                                          <p:spTgt spid="3">
-                                            <p:txEl>
-                                              <p:pRg st="5" end="5"/>
-                                            </p:txEl>
-                                          </p:spTgt>
-                                        </p:tgtEl>
-                                      </p:cBhvr>
-                                    </p:animEffect>
-                                  </p:childTnLst>
-                                </p:cTn>
-                              </p:par>
-                            </p:childTnLst>
-                          </p:cTn>
-                        </p:par>
-                      </p:childTnLst>
-                    </p:cTn>
-                  </p:par>
-                </p:childTnLst>
-              </p:cTn>
-              <p:prevCondLst>
-                <p:cond evt="onPrev" delay="0">
-                  <p:tgtEl>
-                    <p:sldTgt/>
-                  </p:tgtEl>
-                </p:cond>
-              </p:prevCondLst>
-              <p:nextCondLst>
-                <p:cond evt="onNext" delay="0">
-                  <p:tgtEl>
-                    <p:sldTgt/>
-                  </p:tgtEl>
-                </p:cond>
-              </p:nextCondLst>
-            </p:seq>
-          </p:childTnLst>
-        </p:cTn>
-      </p:par>
-    </p:tnLst>
-  </p:timing>
-</p:sld>
-</file>
-
-<file path=ppt/slides/slide7.xml><?xml version="1.0" encoding="utf-8"?>
 <p:sld xmlns:a="http://schemas.openxmlformats.org/drawingml/2006/main" xmlns:r="http://schemas.openxmlformats.org/officeDocument/2006/relationships" xmlns:p="http://schemas.openxmlformats.org/presentationml/2006/main">
   <p:cSld>
     <p:spTree>
@@ -10287,6 +7861,4401 @@
 </p:sld>
 </file>
 
+<file path=ppt/slides/slide11.xml><?xml version="1.0" encoding="utf-8"?>
+<p:sld xmlns:a="http://schemas.openxmlformats.org/drawingml/2006/main" xmlns:r="http://schemas.openxmlformats.org/officeDocument/2006/relationships" xmlns:p="http://schemas.openxmlformats.org/presentationml/2006/main">
+  <p:cSld>
+    <p:spTree>
+      <p:nvGrpSpPr>
+        <p:cNvPr id="1" name=""/>
+        <p:cNvGrpSpPr/>
+        <p:nvPr/>
+      </p:nvGrpSpPr>
+      <p:grpSpPr>
+        <a:xfrm>
+          <a:off x="0" y="0"/>
+          <a:ext cx="0" cy="0"/>
+          <a:chOff x="0" y="0"/>
+          <a:chExt cx="0" cy="0"/>
+        </a:xfrm>
+      </p:grpSpPr>
+      <p:sp>
+        <p:nvSpPr>
+          <p:cNvPr id="2" name="Title 1">
+            <a:extLst>
+              <a:ext uri="{FF2B5EF4-FFF2-40B4-BE49-F238E27FC236}">
+                <a16:creationId xmlns:a16="http://schemas.microsoft.com/office/drawing/2014/main" id="{4B36F465-CEC2-4E69-A0A6-D0F1CC276B98}"/>
+              </a:ext>
+            </a:extLst>
+          </p:cNvPr>
+          <p:cNvSpPr>
+            <a:spLocks noGrp="1"/>
+          </p:cNvSpPr>
+          <p:nvPr>
+            <p:ph type="title"/>
+          </p:nvPr>
+        </p:nvSpPr>
+        <p:spPr>
+          <a:xfrm>
+            <a:off x="2734235" y="170330"/>
+            <a:ext cx="8768788" cy="896470"/>
+          </a:xfrm>
+        </p:spPr>
+        <p:txBody>
+          <a:bodyPr>
+            <a:normAutofit/>
+          </a:bodyPr>
+          <a:lstStyle/>
+          <a:p>
+            <a:pPr algn="l"/>
+            <a:r>
+              <a:rPr lang="en-GB" sz="4400" u="sng" dirty="0">
+                <a:uFill>
+                  <a:solidFill>
+                    <a:srgbClr val="00B0F0"/>
+                  </a:solidFill>
+                </a:uFill>
+                <a:latin typeface="Poppins" panose="00000500000000000000" pitchFamily="2" charset="0"/>
+                <a:cs typeface="Poppins" panose="00000500000000000000" pitchFamily="2" charset="0"/>
+              </a:rPr>
+              <a:t>Project Results &amp; Conclusion</a:t>
+            </a:r>
+          </a:p>
+        </p:txBody>
+      </p:sp>
+      <p:sp>
+        <p:nvSpPr>
+          <p:cNvPr id="3" name="Content Placeholder 2">
+            <a:extLst>
+              <a:ext uri="{FF2B5EF4-FFF2-40B4-BE49-F238E27FC236}">
+                <a16:creationId xmlns:a16="http://schemas.microsoft.com/office/drawing/2014/main" id="{F4F2454B-F509-48C2-8E21-100D3A873769}"/>
+              </a:ext>
+            </a:extLst>
+          </p:cNvPr>
+          <p:cNvSpPr>
+            <a:spLocks noGrp="1"/>
+          </p:cNvSpPr>
+          <p:nvPr>
+            <p:ph idx="1"/>
+          </p:nvPr>
+        </p:nvSpPr>
+        <p:spPr>
+          <a:xfrm>
+            <a:off x="2734235" y="1259540"/>
+            <a:ext cx="4620654" cy="3124201"/>
+          </a:xfrm>
+        </p:spPr>
+        <p:txBody>
+          <a:bodyPr anchor="t"/>
+          <a:lstStyle/>
+          <a:p>
+            <a:pPr marL="0" indent="0">
+              <a:spcBef>
+                <a:spcPts val="0"/>
+              </a:spcBef>
+              <a:spcAft>
+                <a:spcPts val="0"/>
+              </a:spcAft>
+              <a:buNone/>
+            </a:pPr>
+            <a:r>
+              <a:rPr lang="en-GB" b="1" dirty="0"/>
+              <a:t>Short Answer</a:t>
+            </a:r>
+          </a:p>
+          <a:p>
+            <a:pPr marL="0" indent="0">
+              <a:spcBef>
+                <a:spcPts val="0"/>
+              </a:spcBef>
+              <a:spcAft>
+                <a:spcPts val="0"/>
+              </a:spcAft>
+              <a:buNone/>
+            </a:pPr>
+            <a:r>
+              <a:rPr lang="en-GB" dirty="0"/>
+              <a:t>Pseudo-Random</a:t>
+            </a:r>
+          </a:p>
+          <a:p>
+            <a:pPr marL="0" indent="0">
+              <a:spcBef>
+                <a:spcPts val="0"/>
+              </a:spcBef>
+              <a:spcAft>
+                <a:spcPts val="0"/>
+              </a:spcAft>
+              <a:buNone/>
+            </a:pPr>
+            <a:endParaRPr lang="en-GB" dirty="0"/>
+          </a:p>
+          <a:p>
+            <a:pPr marL="0" indent="0">
+              <a:spcBef>
+                <a:spcPts val="0"/>
+              </a:spcBef>
+              <a:spcAft>
+                <a:spcPts val="0"/>
+              </a:spcAft>
+              <a:buNone/>
+            </a:pPr>
+            <a:r>
+              <a:rPr lang="en-GB" b="1" dirty="0"/>
+              <a:t>Long Answer</a:t>
+            </a:r>
+          </a:p>
+          <a:p>
+            <a:pPr marL="0" indent="0">
+              <a:spcBef>
+                <a:spcPts val="0"/>
+              </a:spcBef>
+              <a:spcAft>
+                <a:spcPts val="0"/>
+              </a:spcAft>
+              <a:buNone/>
+            </a:pPr>
+            <a:r>
+              <a:rPr lang="en-GB" dirty="0"/>
+              <a:t>…</a:t>
+            </a:r>
+          </a:p>
+        </p:txBody>
+      </p:sp>
+    </p:spTree>
+    <p:extLst>
+      <p:ext uri="{BB962C8B-B14F-4D97-AF65-F5344CB8AC3E}">
+        <p14:creationId xmlns:p14="http://schemas.microsoft.com/office/powerpoint/2010/main" val="2572210365"/>
+      </p:ext>
+    </p:extLst>
+  </p:cSld>
+  <p:clrMapOvr>
+    <a:masterClrMapping/>
+  </p:clrMapOvr>
+</p:sld>
+</file>
+
+<file path=ppt/slides/slide12.xml><?xml version="1.0" encoding="utf-8"?>
+<p:sld xmlns:a="http://schemas.openxmlformats.org/drawingml/2006/main" xmlns:r="http://schemas.openxmlformats.org/officeDocument/2006/relationships" xmlns:p="http://schemas.openxmlformats.org/presentationml/2006/main">
+  <p:cSld>
+    <p:spTree>
+      <p:nvGrpSpPr>
+        <p:cNvPr id="1" name=""/>
+        <p:cNvGrpSpPr/>
+        <p:nvPr/>
+      </p:nvGrpSpPr>
+      <p:grpSpPr>
+        <a:xfrm>
+          <a:off x="0" y="0"/>
+          <a:ext cx="0" cy="0"/>
+          <a:chOff x="0" y="0"/>
+          <a:chExt cx="0" cy="0"/>
+        </a:xfrm>
+      </p:grpSpPr>
+      <p:sp>
+        <p:nvSpPr>
+          <p:cNvPr id="2" name="Title 1">
+            <a:extLst>
+              <a:ext uri="{FF2B5EF4-FFF2-40B4-BE49-F238E27FC236}">
+                <a16:creationId xmlns:a16="http://schemas.microsoft.com/office/drawing/2014/main" id="{4B36F465-CEC2-4E69-A0A6-D0F1CC276B98}"/>
+              </a:ext>
+            </a:extLst>
+          </p:cNvPr>
+          <p:cNvSpPr>
+            <a:spLocks noGrp="1"/>
+          </p:cNvSpPr>
+          <p:nvPr>
+            <p:ph type="title"/>
+          </p:nvPr>
+        </p:nvSpPr>
+        <p:spPr>
+          <a:xfrm>
+            <a:off x="2734235" y="170330"/>
+            <a:ext cx="8768788" cy="896470"/>
+          </a:xfrm>
+        </p:spPr>
+        <p:txBody>
+          <a:bodyPr>
+            <a:normAutofit/>
+          </a:bodyPr>
+          <a:lstStyle/>
+          <a:p>
+            <a:pPr algn="l"/>
+            <a:r>
+              <a:rPr lang="en-GB" sz="4400" u="sng" dirty="0">
+                <a:uFill>
+                  <a:solidFill>
+                    <a:srgbClr val="00B0F0"/>
+                  </a:solidFill>
+                </a:uFill>
+                <a:latin typeface="Poppins" panose="00000500000000000000" pitchFamily="2" charset="0"/>
+                <a:cs typeface="Poppins" panose="00000500000000000000" pitchFamily="2" charset="0"/>
+              </a:rPr>
+              <a:t>The Good</a:t>
+            </a:r>
+          </a:p>
+        </p:txBody>
+      </p:sp>
+      <p:sp>
+        <p:nvSpPr>
+          <p:cNvPr id="3" name="Content Placeholder 2">
+            <a:extLst>
+              <a:ext uri="{FF2B5EF4-FFF2-40B4-BE49-F238E27FC236}">
+                <a16:creationId xmlns:a16="http://schemas.microsoft.com/office/drawing/2014/main" id="{F4F2454B-F509-48C2-8E21-100D3A873769}"/>
+              </a:ext>
+            </a:extLst>
+          </p:cNvPr>
+          <p:cNvSpPr>
+            <a:spLocks noGrp="1"/>
+          </p:cNvSpPr>
+          <p:nvPr>
+            <p:ph idx="1"/>
+          </p:nvPr>
+        </p:nvSpPr>
+        <p:spPr>
+          <a:xfrm>
+            <a:off x="2734235" y="1259540"/>
+            <a:ext cx="6472518" cy="3124201"/>
+          </a:xfrm>
+        </p:spPr>
+        <p:txBody>
+          <a:bodyPr anchor="t"/>
+          <a:lstStyle/>
+          <a:p>
+            <a:r>
+              <a:rPr lang="en-GB" dirty="0"/>
+              <a:t>Developing the Web Application</a:t>
+            </a:r>
+          </a:p>
+          <a:p>
+            <a:r>
+              <a:rPr lang="en-GB" dirty="0"/>
+              <a:t>Project Management &amp; Organisation</a:t>
+            </a:r>
+          </a:p>
+          <a:p>
+            <a:r>
+              <a:rPr lang="en-GB" dirty="0"/>
+              <a:t>Drawing a Conclusion</a:t>
+            </a:r>
+          </a:p>
+        </p:txBody>
+      </p:sp>
+    </p:spTree>
+    <p:extLst>
+      <p:ext uri="{BB962C8B-B14F-4D97-AF65-F5344CB8AC3E}">
+        <p14:creationId xmlns:p14="http://schemas.microsoft.com/office/powerpoint/2010/main" val="3381803391"/>
+      </p:ext>
+    </p:extLst>
+  </p:cSld>
+  <p:clrMapOvr>
+    <a:masterClrMapping/>
+  </p:clrMapOvr>
+</p:sld>
+</file>
+
+<file path=ppt/slides/slide13.xml><?xml version="1.0" encoding="utf-8"?>
+<p:sld xmlns:a="http://schemas.openxmlformats.org/drawingml/2006/main" xmlns:r="http://schemas.openxmlformats.org/officeDocument/2006/relationships" xmlns:p="http://schemas.openxmlformats.org/presentationml/2006/main">
+  <p:cSld>
+    <p:spTree>
+      <p:nvGrpSpPr>
+        <p:cNvPr id="1" name=""/>
+        <p:cNvGrpSpPr/>
+        <p:nvPr/>
+      </p:nvGrpSpPr>
+      <p:grpSpPr>
+        <a:xfrm>
+          <a:off x="0" y="0"/>
+          <a:ext cx="0" cy="0"/>
+          <a:chOff x="0" y="0"/>
+          <a:chExt cx="0" cy="0"/>
+        </a:xfrm>
+      </p:grpSpPr>
+      <p:sp>
+        <p:nvSpPr>
+          <p:cNvPr id="2" name="Title 1">
+            <a:extLst>
+              <a:ext uri="{FF2B5EF4-FFF2-40B4-BE49-F238E27FC236}">
+                <a16:creationId xmlns:a16="http://schemas.microsoft.com/office/drawing/2014/main" id="{4B36F465-CEC2-4E69-A0A6-D0F1CC276B98}"/>
+              </a:ext>
+            </a:extLst>
+          </p:cNvPr>
+          <p:cNvSpPr>
+            <a:spLocks noGrp="1"/>
+          </p:cNvSpPr>
+          <p:nvPr>
+            <p:ph type="title"/>
+          </p:nvPr>
+        </p:nvSpPr>
+        <p:spPr>
+          <a:xfrm>
+            <a:off x="2734235" y="170330"/>
+            <a:ext cx="8768788" cy="896470"/>
+          </a:xfrm>
+        </p:spPr>
+        <p:txBody>
+          <a:bodyPr>
+            <a:normAutofit/>
+          </a:bodyPr>
+          <a:lstStyle/>
+          <a:p>
+            <a:pPr algn="l"/>
+            <a:r>
+              <a:rPr lang="en-GB" sz="4400" u="sng" dirty="0">
+                <a:uFill>
+                  <a:solidFill>
+                    <a:srgbClr val="00B0F0"/>
+                  </a:solidFill>
+                </a:uFill>
+                <a:latin typeface="Poppins" panose="00000500000000000000" pitchFamily="2" charset="0"/>
+                <a:cs typeface="Poppins" panose="00000500000000000000" pitchFamily="2" charset="0"/>
+              </a:rPr>
+              <a:t>The Bad</a:t>
+            </a:r>
+          </a:p>
+        </p:txBody>
+      </p:sp>
+      <p:sp>
+        <p:nvSpPr>
+          <p:cNvPr id="3" name="Content Placeholder 2">
+            <a:extLst>
+              <a:ext uri="{FF2B5EF4-FFF2-40B4-BE49-F238E27FC236}">
+                <a16:creationId xmlns:a16="http://schemas.microsoft.com/office/drawing/2014/main" id="{F4F2454B-F509-48C2-8E21-100D3A873769}"/>
+              </a:ext>
+            </a:extLst>
+          </p:cNvPr>
+          <p:cNvSpPr>
+            <a:spLocks noGrp="1"/>
+          </p:cNvSpPr>
+          <p:nvPr>
+            <p:ph idx="1"/>
+          </p:nvPr>
+        </p:nvSpPr>
+        <p:spPr>
+          <a:xfrm>
+            <a:off x="2734235" y="1259540"/>
+            <a:ext cx="4620654" cy="3124201"/>
+          </a:xfrm>
+        </p:spPr>
+        <p:txBody>
+          <a:bodyPr anchor="t"/>
+          <a:lstStyle/>
+          <a:p>
+            <a:r>
+              <a:rPr lang="en-GB" dirty="0"/>
+              <a:t>Academic Challenge</a:t>
+            </a:r>
+          </a:p>
+          <a:p>
+            <a:r>
+              <a:rPr lang="en-GB" dirty="0"/>
+              <a:t>Issues with Robocode &amp; Java</a:t>
+            </a:r>
+          </a:p>
+          <a:p>
+            <a:r>
+              <a:rPr lang="en-GB" dirty="0"/>
+              <a:t>Time Limitations</a:t>
+            </a:r>
+          </a:p>
+          <a:p>
+            <a:r>
+              <a:rPr lang="en-GB" dirty="0"/>
+              <a:t>D3.JS Performance</a:t>
+            </a:r>
+          </a:p>
+        </p:txBody>
+      </p:sp>
+    </p:spTree>
+    <p:extLst>
+      <p:ext uri="{BB962C8B-B14F-4D97-AF65-F5344CB8AC3E}">
+        <p14:creationId xmlns:p14="http://schemas.microsoft.com/office/powerpoint/2010/main" val="1843674003"/>
+      </p:ext>
+    </p:extLst>
+  </p:cSld>
+  <p:clrMapOvr>
+    <a:masterClrMapping/>
+  </p:clrMapOvr>
+</p:sld>
+</file>
+
+<file path=ppt/slides/slide14.xml><?xml version="1.0" encoding="utf-8"?>
+<p:sld xmlns:a="http://schemas.openxmlformats.org/drawingml/2006/main" xmlns:r="http://schemas.openxmlformats.org/officeDocument/2006/relationships" xmlns:p="http://schemas.openxmlformats.org/presentationml/2006/main">
+  <p:cSld>
+    <p:spTree>
+      <p:nvGrpSpPr>
+        <p:cNvPr id="1" name=""/>
+        <p:cNvGrpSpPr/>
+        <p:nvPr/>
+      </p:nvGrpSpPr>
+      <p:grpSpPr>
+        <a:xfrm>
+          <a:off x="0" y="0"/>
+          <a:ext cx="0" cy="0"/>
+          <a:chOff x="0" y="0"/>
+          <a:chExt cx="0" cy="0"/>
+        </a:xfrm>
+      </p:grpSpPr>
+      <p:sp>
+        <p:nvSpPr>
+          <p:cNvPr id="2" name="Title 1">
+            <a:extLst>
+              <a:ext uri="{FF2B5EF4-FFF2-40B4-BE49-F238E27FC236}">
+                <a16:creationId xmlns:a16="http://schemas.microsoft.com/office/drawing/2014/main" id="{4B36F465-CEC2-4E69-A0A6-D0F1CC276B98}"/>
+              </a:ext>
+            </a:extLst>
+          </p:cNvPr>
+          <p:cNvSpPr>
+            <a:spLocks noGrp="1"/>
+          </p:cNvSpPr>
+          <p:nvPr>
+            <p:ph type="title"/>
+          </p:nvPr>
+        </p:nvSpPr>
+        <p:spPr>
+          <a:xfrm>
+            <a:off x="2734235" y="170330"/>
+            <a:ext cx="8768788" cy="896470"/>
+          </a:xfrm>
+        </p:spPr>
+        <p:txBody>
+          <a:bodyPr>
+            <a:normAutofit/>
+          </a:bodyPr>
+          <a:lstStyle/>
+          <a:p>
+            <a:pPr algn="l"/>
+            <a:r>
+              <a:rPr lang="en-GB" sz="4400" u="sng" dirty="0">
+                <a:uFill>
+                  <a:solidFill>
+                    <a:srgbClr val="00B0F0"/>
+                  </a:solidFill>
+                </a:uFill>
+                <a:latin typeface="Poppins" panose="00000500000000000000" pitchFamily="2" charset="0"/>
+                <a:cs typeface="Poppins" panose="00000500000000000000" pitchFamily="2" charset="0"/>
+              </a:rPr>
+              <a:t>Academic Challenge</a:t>
+            </a:r>
+          </a:p>
+        </p:txBody>
+      </p:sp>
+      <p:sp>
+        <p:nvSpPr>
+          <p:cNvPr id="3" name="Content Placeholder 2">
+            <a:extLst>
+              <a:ext uri="{FF2B5EF4-FFF2-40B4-BE49-F238E27FC236}">
+                <a16:creationId xmlns:a16="http://schemas.microsoft.com/office/drawing/2014/main" id="{F4F2454B-F509-48C2-8E21-100D3A873769}"/>
+              </a:ext>
+            </a:extLst>
+          </p:cNvPr>
+          <p:cNvSpPr>
+            <a:spLocks noGrp="1"/>
+          </p:cNvSpPr>
+          <p:nvPr>
+            <p:ph idx="1"/>
+          </p:nvPr>
+        </p:nvSpPr>
+        <p:spPr>
+          <a:xfrm>
+            <a:off x="2734235" y="1259540"/>
+            <a:ext cx="4620654" cy="3124201"/>
+          </a:xfrm>
+        </p:spPr>
+        <p:txBody>
+          <a:bodyPr anchor="t"/>
+          <a:lstStyle/>
+          <a:p>
+            <a:pPr marL="0" indent="0">
+              <a:buNone/>
+            </a:pPr>
+            <a:r>
+              <a:rPr lang="en-GB" dirty="0"/>
+              <a:t>Text Here</a:t>
+            </a:r>
+          </a:p>
+        </p:txBody>
+      </p:sp>
+    </p:spTree>
+    <p:extLst>
+      <p:ext uri="{BB962C8B-B14F-4D97-AF65-F5344CB8AC3E}">
+        <p14:creationId xmlns:p14="http://schemas.microsoft.com/office/powerpoint/2010/main" val="2798367904"/>
+      </p:ext>
+    </p:extLst>
+  </p:cSld>
+  <p:clrMapOvr>
+    <a:masterClrMapping/>
+  </p:clrMapOvr>
+</p:sld>
+</file>
+
+<file path=ppt/slides/slide15.xml><?xml version="1.0" encoding="utf-8"?>
+<p:sld xmlns:a="http://schemas.openxmlformats.org/drawingml/2006/main" xmlns:r="http://schemas.openxmlformats.org/officeDocument/2006/relationships" xmlns:p="http://schemas.openxmlformats.org/presentationml/2006/main">
+  <p:cSld>
+    <p:spTree>
+      <p:nvGrpSpPr>
+        <p:cNvPr id="1" name=""/>
+        <p:cNvGrpSpPr/>
+        <p:nvPr/>
+      </p:nvGrpSpPr>
+      <p:grpSpPr>
+        <a:xfrm>
+          <a:off x="0" y="0"/>
+          <a:ext cx="0" cy="0"/>
+          <a:chOff x="0" y="0"/>
+          <a:chExt cx="0" cy="0"/>
+        </a:xfrm>
+      </p:grpSpPr>
+      <p:sp>
+        <p:nvSpPr>
+          <p:cNvPr id="2" name="Title 1">
+            <a:extLst>
+              <a:ext uri="{FF2B5EF4-FFF2-40B4-BE49-F238E27FC236}">
+                <a16:creationId xmlns:a16="http://schemas.microsoft.com/office/drawing/2014/main" id="{4B36F465-CEC2-4E69-A0A6-D0F1CC276B98}"/>
+              </a:ext>
+            </a:extLst>
+          </p:cNvPr>
+          <p:cNvSpPr>
+            <a:spLocks noGrp="1"/>
+          </p:cNvSpPr>
+          <p:nvPr>
+            <p:ph type="title"/>
+          </p:nvPr>
+        </p:nvSpPr>
+        <p:spPr>
+          <a:xfrm>
+            <a:off x="2734234" y="170330"/>
+            <a:ext cx="9386047" cy="896470"/>
+          </a:xfrm>
+        </p:spPr>
+        <p:txBody>
+          <a:bodyPr>
+            <a:normAutofit/>
+          </a:bodyPr>
+          <a:lstStyle/>
+          <a:p>
+            <a:pPr algn="l"/>
+            <a:r>
+              <a:rPr lang="en-GB" sz="4400" u="sng" dirty="0">
+                <a:uFill>
+                  <a:solidFill>
+                    <a:srgbClr val="00B0F0"/>
+                  </a:solidFill>
+                </a:uFill>
+                <a:latin typeface="Poppins" panose="00000500000000000000" pitchFamily="2" charset="0"/>
+                <a:cs typeface="Poppins" panose="00000500000000000000" pitchFamily="2" charset="0"/>
+              </a:rPr>
+              <a:t>Web Application Demonstration</a:t>
+            </a:r>
+          </a:p>
+        </p:txBody>
+      </p:sp>
+      <p:sp>
+        <p:nvSpPr>
+          <p:cNvPr id="3" name="Content Placeholder 2">
+            <a:extLst>
+              <a:ext uri="{FF2B5EF4-FFF2-40B4-BE49-F238E27FC236}">
+                <a16:creationId xmlns:a16="http://schemas.microsoft.com/office/drawing/2014/main" id="{F4F2454B-F509-48C2-8E21-100D3A873769}"/>
+              </a:ext>
+            </a:extLst>
+          </p:cNvPr>
+          <p:cNvSpPr>
+            <a:spLocks noGrp="1"/>
+          </p:cNvSpPr>
+          <p:nvPr>
+            <p:ph idx="1"/>
+          </p:nvPr>
+        </p:nvSpPr>
+        <p:spPr>
+          <a:xfrm>
+            <a:off x="2734235" y="1259540"/>
+            <a:ext cx="6275294" cy="3124201"/>
+          </a:xfrm>
+        </p:spPr>
+        <p:txBody>
+          <a:bodyPr anchor="t"/>
+          <a:lstStyle/>
+          <a:p>
+            <a:pPr marL="0" indent="0">
+              <a:buNone/>
+            </a:pPr>
+            <a:r>
+              <a:rPr lang="en-GB" dirty="0">
+                <a:hlinkClick r:id="rId2"/>
+              </a:rPr>
+              <a:t>https://major-project.tomplumpton.me</a:t>
+            </a:r>
+            <a:r>
+              <a:rPr lang="en-GB" dirty="0"/>
+              <a:t> </a:t>
+            </a:r>
+          </a:p>
+        </p:txBody>
+      </p:sp>
+    </p:spTree>
+    <p:extLst>
+      <p:ext uri="{BB962C8B-B14F-4D97-AF65-F5344CB8AC3E}">
+        <p14:creationId xmlns:p14="http://schemas.microsoft.com/office/powerpoint/2010/main" val="295893450"/>
+      </p:ext>
+    </p:extLst>
+  </p:cSld>
+  <p:clrMapOvr>
+    <a:masterClrMapping/>
+  </p:clrMapOvr>
+</p:sld>
+</file>
+
+<file path=ppt/slides/slide16.xml><?xml version="1.0" encoding="utf-8"?>
+<p:sld xmlns:a="http://schemas.openxmlformats.org/drawingml/2006/main" xmlns:r="http://schemas.openxmlformats.org/officeDocument/2006/relationships" xmlns:p="http://schemas.openxmlformats.org/presentationml/2006/main">
+  <p:cSld>
+    <p:spTree>
+      <p:nvGrpSpPr>
+        <p:cNvPr id="1" name=""/>
+        <p:cNvGrpSpPr/>
+        <p:nvPr/>
+      </p:nvGrpSpPr>
+      <p:grpSpPr>
+        <a:xfrm>
+          <a:off x="0" y="0"/>
+          <a:ext cx="0" cy="0"/>
+          <a:chOff x="0" y="0"/>
+          <a:chExt cx="0" cy="0"/>
+        </a:xfrm>
+      </p:grpSpPr>
+      <p:sp>
+        <p:nvSpPr>
+          <p:cNvPr id="2" name="Title 1">
+            <a:extLst>
+              <a:ext uri="{FF2B5EF4-FFF2-40B4-BE49-F238E27FC236}">
+                <a16:creationId xmlns:a16="http://schemas.microsoft.com/office/drawing/2014/main" id="{4B36F465-CEC2-4E69-A0A6-D0F1CC276B98}"/>
+              </a:ext>
+            </a:extLst>
+          </p:cNvPr>
+          <p:cNvSpPr>
+            <a:spLocks noGrp="1"/>
+          </p:cNvSpPr>
+          <p:nvPr>
+            <p:ph type="title"/>
+          </p:nvPr>
+        </p:nvSpPr>
+        <p:spPr>
+          <a:xfrm>
+            <a:off x="3052156" y="2435710"/>
+            <a:ext cx="8333020" cy="896470"/>
+          </a:xfrm>
+        </p:spPr>
+        <p:txBody>
+          <a:bodyPr>
+            <a:noAutofit/>
+          </a:bodyPr>
+          <a:lstStyle/>
+          <a:p>
+            <a:pPr algn="l"/>
+            <a:r>
+              <a:rPr lang="en-GB" sz="5400" u="sng" dirty="0">
+                <a:uFill>
+                  <a:solidFill>
+                    <a:srgbClr val="00B0F0"/>
+                  </a:solidFill>
+                </a:uFill>
+                <a:latin typeface="Poppins" panose="00000500000000000000" pitchFamily="2" charset="0"/>
+                <a:cs typeface="Poppins" panose="00000500000000000000" pitchFamily="2" charset="0"/>
+              </a:rPr>
+              <a:t>Thankyou for Listening</a:t>
+            </a:r>
+          </a:p>
+        </p:txBody>
+      </p:sp>
+      <p:sp>
+        <p:nvSpPr>
+          <p:cNvPr id="3" name="Content Placeholder 2">
+            <a:extLst>
+              <a:ext uri="{FF2B5EF4-FFF2-40B4-BE49-F238E27FC236}">
+                <a16:creationId xmlns:a16="http://schemas.microsoft.com/office/drawing/2014/main" id="{F4F2454B-F509-48C2-8E21-100D3A873769}"/>
+              </a:ext>
+            </a:extLst>
+          </p:cNvPr>
+          <p:cNvSpPr>
+            <a:spLocks noGrp="1"/>
+          </p:cNvSpPr>
+          <p:nvPr>
+            <p:ph idx="1"/>
+          </p:nvPr>
+        </p:nvSpPr>
+        <p:spPr>
+          <a:xfrm>
+            <a:off x="3257204" y="2988835"/>
+            <a:ext cx="6096000" cy="1165412"/>
+          </a:xfrm>
+        </p:spPr>
+        <p:txBody>
+          <a:bodyPr anchor="ctr">
+            <a:normAutofit/>
+          </a:bodyPr>
+          <a:lstStyle/>
+          <a:p>
+            <a:pPr marL="0" indent="0" algn="ctr">
+              <a:buNone/>
+            </a:pPr>
+            <a:r>
+              <a:rPr lang="en-GB" sz="5400" b="1" dirty="0">
+                <a:latin typeface="Poppins" panose="00000500000000000000" pitchFamily="2" charset="0"/>
+                <a:cs typeface="Poppins" panose="00000500000000000000" pitchFamily="2" charset="0"/>
+              </a:rPr>
+              <a:t>Any Questions?</a:t>
+            </a:r>
+          </a:p>
+        </p:txBody>
+      </p:sp>
+    </p:spTree>
+    <p:extLst>
+      <p:ext uri="{BB962C8B-B14F-4D97-AF65-F5344CB8AC3E}">
+        <p14:creationId xmlns:p14="http://schemas.microsoft.com/office/powerpoint/2010/main" val="877947786"/>
+      </p:ext>
+    </p:extLst>
+  </p:cSld>
+  <p:clrMapOvr>
+    <a:masterClrMapping/>
+  </p:clrMapOvr>
+</p:sld>
+</file>
+
+<file path=ppt/slides/slide2.xml><?xml version="1.0" encoding="utf-8"?>
+<p:sld xmlns:a="http://schemas.openxmlformats.org/drawingml/2006/main" xmlns:r="http://schemas.openxmlformats.org/officeDocument/2006/relationships" xmlns:p="http://schemas.openxmlformats.org/presentationml/2006/main">
+  <p:cSld>
+    <p:spTree>
+      <p:nvGrpSpPr>
+        <p:cNvPr id="1" name=""/>
+        <p:cNvGrpSpPr/>
+        <p:nvPr/>
+      </p:nvGrpSpPr>
+      <p:grpSpPr>
+        <a:xfrm>
+          <a:off x="0" y="0"/>
+          <a:ext cx="0" cy="0"/>
+          <a:chOff x="0" y="0"/>
+          <a:chExt cx="0" cy="0"/>
+        </a:xfrm>
+      </p:grpSpPr>
+      <p:sp>
+        <p:nvSpPr>
+          <p:cNvPr id="2" name="Title 1">
+            <a:extLst>
+              <a:ext uri="{FF2B5EF4-FFF2-40B4-BE49-F238E27FC236}">
+                <a16:creationId xmlns:a16="http://schemas.microsoft.com/office/drawing/2014/main" id="{4B36F465-CEC2-4E69-A0A6-D0F1CC276B98}"/>
+              </a:ext>
+            </a:extLst>
+          </p:cNvPr>
+          <p:cNvSpPr>
+            <a:spLocks noGrp="1"/>
+          </p:cNvSpPr>
+          <p:nvPr>
+            <p:ph type="title"/>
+          </p:nvPr>
+        </p:nvSpPr>
+        <p:spPr>
+          <a:xfrm>
+            <a:off x="2734235" y="170330"/>
+            <a:ext cx="8768788" cy="896470"/>
+          </a:xfrm>
+        </p:spPr>
+        <p:txBody>
+          <a:bodyPr>
+            <a:normAutofit/>
+          </a:bodyPr>
+          <a:lstStyle/>
+          <a:p>
+            <a:pPr algn="l"/>
+            <a:r>
+              <a:rPr lang="en-GB" sz="4400" u="sng" dirty="0">
+                <a:uFill>
+                  <a:solidFill>
+                    <a:srgbClr val="00B0F0"/>
+                  </a:solidFill>
+                </a:uFill>
+                <a:latin typeface="Poppins" panose="00000500000000000000" pitchFamily="2" charset="0"/>
+                <a:cs typeface="Poppins" panose="00000500000000000000" pitchFamily="2" charset="0"/>
+              </a:rPr>
+              <a:t>Project Overview &amp; Objectives</a:t>
+            </a:r>
+          </a:p>
+        </p:txBody>
+      </p:sp>
+      <p:sp>
+        <p:nvSpPr>
+          <p:cNvPr id="3" name="Content Placeholder 2">
+            <a:extLst>
+              <a:ext uri="{FF2B5EF4-FFF2-40B4-BE49-F238E27FC236}">
+                <a16:creationId xmlns:a16="http://schemas.microsoft.com/office/drawing/2014/main" id="{F4F2454B-F509-48C2-8E21-100D3A873769}"/>
+              </a:ext>
+            </a:extLst>
+          </p:cNvPr>
+          <p:cNvSpPr>
+            <a:spLocks noGrp="1"/>
+          </p:cNvSpPr>
+          <p:nvPr>
+            <p:ph idx="1"/>
+          </p:nvPr>
+        </p:nvSpPr>
+        <p:spPr>
+          <a:xfrm>
+            <a:off x="2734235" y="2143460"/>
+            <a:ext cx="3924300" cy="3124201"/>
+          </a:xfrm>
+        </p:spPr>
+        <p:txBody>
+          <a:bodyPr anchor="t"/>
+          <a:lstStyle/>
+          <a:p>
+            <a:r>
+              <a:rPr lang="en-GB" dirty="0"/>
+              <a:t>Twitch Plays Pokémon </a:t>
+            </a:r>
+          </a:p>
+          <a:p>
+            <a:r>
+              <a:rPr lang="en-GB" dirty="0"/>
+              <a:t>Twitter &amp; Robocode</a:t>
+            </a:r>
+          </a:p>
+          <a:p>
+            <a:r>
+              <a:rPr lang="en-GB" dirty="0"/>
+              <a:t>Java Program</a:t>
+            </a:r>
+          </a:p>
+          <a:p>
+            <a:r>
+              <a:rPr lang="en-GB" dirty="0"/>
+              <a:t>NodeJS Web Application</a:t>
+            </a:r>
+          </a:p>
+          <a:p>
+            <a:r>
+              <a:rPr lang="en-GB" dirty="0"/>
+              <a:t>Statistical Analysis</a:t>
+            </a:r>
+          </a:p>
+        </p:txBody>
+      </p:sp>
+      <p:sp>
+        <p:nvSpPr>
+          <p:cNvPr id="4" name="Content Placeholder 2">
+            <a:extLst>
+              <a:ext uri="{FF2B5EF4-FFF2-40B4-BE49-F238E27FC236}">
+                <a16:creationId xmlns:a16="http://schemas.microsoft.com/office/drawing/2014/main" id="{368569C1-4311-449B-A773-3A4A454EB713}"/>
+              </a:ext>
+            </a:extLst>
+          </p:cNvPr>
+          <p:cNvSpPr txBox="1">
+            <a:spLocks/>
+          </p:cNvSpPr>
+          <p:nvPr/>
+        </p:nvSpPr>
+        <p:spPr>
+          <a:xfrm>
+            <a:off x="6658535" y="2143459"/>
+            <a:ext cx="5327725" cy="3124201"/>
+          </a:xfrm>
+          <a:prstGeom prst="rect">
+            <a:avLst/>
+          </a:prstGeom>
+        </p:spPr>
+        <p:txBody>
+          <a:bodyPr vert="horz" lIns="91440" tIns="45720" rIns="91440" bIns="45720" rtlCol="0" anchor="t">
+            <a:normAutofit/>
+          </a:bodyPr>
+          <a:lstStyle>
+            <a:lvl1pPr marL="285750" indent="-285750" algn="l" defTabSz="457200" rtl="0" eaLnBrk="1" latinLnBrk="0" hangingPunct="1">
+              <a:spcBef>
+                <a:spcPct val="20000"/>
+              </a:spcBef>
+              <a:spcAft>
+                <a:spcPts val="600"/>
+              </a:spcAft>
+              <a:buClr>
+                <a:schemeClr val="accent1">
+                  <a:lumMod val="75000"/>
+                </a:schemeClr>
+              </a:buClr>
+              <a:buSzPct val="145000"/>
+              <a:buFont typeface="Arial"/>
+              <a:buChar char="•"/>
+              <a:defRPr sz="2400" kern="1200" cap="none">
+                <a:solidFill>
+                  <a:schemeClr val="tx1"/>
+                </a:solidFill>
+                <a:effectLst/>
+                <a:latin typeface="+mn-lt"/>
+                <a:ea typeface="+mn-ea"/>
+                <a:cs typeface="+mn-cs"/>
+              </a:defRPr>
+            </a:lvl1pPr>
+            <a:lvl2pPr marL="742950" indent="-285750" algn="l" defTabSz="457200" rtl="0" eaLnBrk="1" latinLnBrk="0" hangingPunct="1">
+              <a:spcBef>
+                <a:spcPct val="20000"/>
+              </a:spcBef>
+              <a:spcAft>
+                <a:spcPts val="600"/>
+              </a:spcAft>
+              <a:buClr>
+                <a:schemeClr val="accent1">
+                  <a:lumMod val="75000"/>
+                </a:schemeClr>
+              </a:buClr>
+              <a:buSzPct val="145000"/>
+              <a:buFont typeface="Arial"/>
+              <a:buChar char="•"/>
+              <a:defRPr sz="2000" kern="1200" cap="none">
+                <a:solidFill>
+                  <a:schemeClr val="tx1"/>
+                </a:solidFill>
+                <a:effectLst/>
+                <a:latin typeface="+mn-lt"/>
+                <a:ea typeface="+mn-ea"/>
+                <a:cs typeface="+mn-cs"/>
+              </a:defRPr>
+            </a:lvl2pPr>
+            <a:lvl3pPr marL="1200150" indent="-285750" algn="l" defTabSz="457200" rtl="0" eaLnBrk="1" latinLnBrk="0" hangingPunct="1">
+              <a:spcBef>
+                <a:spcPct val="20000"/>
+              </a:spcBef>
+              <a:spcAft>
+                <a:spcPts val="600"/>
+              </a:spcAft>
+              <a:buClr>
+                <a:schemeClr val="accent1">
+                  <a:lumMod val="75000"/>
+                </a:schemeClr>
+              </a:buClr>
+              <a:buSzPct val="145000"/>
+              <a:buFont typeface="Arial"/>
+              <a:buChar char="•"/>
+              <a:defRPr sz="1800" kern="1200" cap="none">
+                <a:solidFill>
+                  <a:schemeClr val="tx1"/>
+                </a:solidFill>
+                <a:effectLst/>
+                <a:latin typeface="+mn-lt"/>
+                <a:ea typeface="+mn-ea"/>
+                <a:cs typeface="+mn-cs"/>
+              </a:defRPr>
+            </a:lvl3pPr>
+            <a:lvl4pPr marL="1543050" indent="-171450" algn="l" defTabSz="457200" rtl="0" eaLnBrk="1" latinLnBrk="0" hangingPunct="1">
+              <a:spcBef>
+                <a:spcPct val="20000"/>
+              </a:spcBef>
+              <a:spcAft>
+                <a:spcPts val="600"/>
+              </a:spcAft>
+              <a:buClr>
+                <a:schemeClr val="accent1">
+                  <a:lumMod val="75000"/>
+                </a:schemeClr>
+              </a:buClr>
+              <a:buSzPct val="145000"/>
+              <a:buFont typeface="Arial"/>
+              <a:buChar char="•"/>
+              <a:defRPr sz="1600" kern="1200" cap="none">
+                <a:solidFill>
+                  <a:schemeClr val="tx1"/>
+                </a:solidFill>
+                <a:effectLst/>
+                <a:latin typeface="+mn-lt"/>
+                <a:ea typeface="+mn-ea"/>
+                <a:cs typeface="+mn-cs"/>
+              </a:defRPr>
+            </a:lvl4pPr>
+            <a:lvl5pPr marL="2000250" indent="-171450" algn="l" defTabSz="457200" rtl="0" eaLnBrk="1" latinLnBrk="0" hangingPunct="1">
+              <a:spcBef>
+                <a:spcPct val="20000"/>
+              </a:spcBef>
+              <a:spcAft>
+                <a:spcPts val="600"/>
+              </a:spcAft>
+              <a:buClr>
+                <a:schemeClr val="accent1">
+                  <a:lumMod val="75000"/>
+                </a:schemeClr>
+              </a:buClr>
+              <a:buSzPct val="145000"/>
+              <a:buFont typeface="Arial"/>
+              <a:buChar char="•"/>
+              <a:defRPr sz="1400" kern="1200" cap="none">
+                <a:solidFill>
+                  <a:schemeClr val="tx1"/>
+                </a:solidFill>
+                <a:effectLst/>
+                <a:latin typeface="+mn-lt"/>
+                <a:ea typeface="+mn-ea"/>
+                <a:cs typeface="+mn-cs"/>
+              </a:defRPr>
+            </a:lvl5pPr>
+            <a:lvl6pPr marL="2514600" indent="-228600" algn="l" defTabSz="457200" rtl="0" eaLnBrk="1" latinLnBrk="0" hangingPunct="1">
+              <a:spcBef>
+                <a:spcPct val="20000"/>
+              </a:spcBef>
+              <a:spcAft>
+                <a:spcPts val="600"/>
+              </a:spcAft>
+              <a:buClr>
+                <a:schemeClr val="accent1">
+                  <a:lumMod val="75000"/>
+                </a:schemeClr>
+              </a:buClr>
+              <a:buSzPct val="145000"/>
+              <a:buFont typeface="Arial"/>
+              <a:buChar char="•"/>
+              <a:defRPr sz="1400" kern="1200" cap="none">
+                <a:solidFill>
+                  <a:schemeClr val="tx1"/>
+                </a:solidFill>
+                <a:effectLst/>
+                <a:latin typeface="+mn-lt"/>
+                <a:ea typeface="+mn-ea"/>
+                <a:cs typeface="+mn-cs"/>
+              </a:defRPr>
+            </a:lvl6pPr>
+            <a:lvl7pPr marL="2971800" indent="-228600" algn="l" defTabSz="457200" rtl="0" eaLnBrk="1" latinLnBrk="0" hangingPunct="1">
+              <a:spcBef>
+                <a:spcPct val="20000"/>
+              </a:spcBef>
+              <a:spcAft>
+                <a:spcPts val="600"/>
+              </a:spcAft>
+              <a:buClr>
+                <a:schemeClr val="accent1">
+                  <a:lumMod val="75000"/>
+                </a:schemeClr>
+              </a:buClr>
+              <a:buSzPct val="145000"/>
+              <a:buFont typeface="Arial"/>
+              <a:buChar char="•"/>
+              <a:defRPr sz="1400" kern="1200" cap="none">
+                <a:solidFill>
+                  <a:schemeClr val="tx1"/>
+                </a:solidFill>
+                <a:effectLst/>
+                <a:latin typeface="+mn-lt"/>
+                <a:ea typeface="+mn-ea"/>
+                <a:cs typeface="+mn-cs"/>
+              </a:defRPr>
+            </a:lvl7pPr>
+            <a:lvl8pPr marL="3429000" indent="-228600" algn="l" defTabSz="457200" rtl="0" eaLnBrk="1" latinLnBrk="0" hangingPunct="1">
+              <a:spcBef>
+                <a:spcPct val="20000"/>
+              </a:spcBef>
+              <a:spcAft>
+                <a:spcPts val="600"/>
+              </a:spcAft>
+              <a:buClr>
+                <a:schemeClr val="accent1">
+                  <a:lumMod val="75000"/>
+                </a:schemeClr>
+              </a:buClr>
+              <a:buSzPct val="145000"/>
+              <a:buFont typeface="Arial"/>
+              <a:buChar char="•"/>
+              <a:defRPr sz="1400" kern="1200" cap="none">
+                <a:solidFill>
+                  <a:schemeClr val="tx1"/>
+                </a:solidFill>
+                <a:effectLst/>
+                <a:latin typeface="+mn-lt"/>
+                <a:ea typeface="+mn-ea"/>
+                <a:cs typeface="+mn-cs"/>
+              </a:defRPr>
+            </a:lvl8pPr>
+            <a:lvl9pPr marL="3886200" indent="-228600" algn="l" defTabSz="457200" rtl="0" eaLnBrk="1" latinLnBrk="0" hangingPunct="1">
+              <a:spcBef>
+                <a:spcPct val="20000"/>
+              </a:spcBef>
+              <a:spcAft>
+                <a:spcPts val="600"/>
+              </a:spcAft>
+              <a:buClr>
+                <a:schemeClr val="accent1">
+                  <a:lumMod val="75000"/>
+                </a:schemeClr>
+              </a:buClr>
+              <a:buSzPct val="145000"/>
+              <a:buFont typeface="Arial"/>
+              <a:buChar char="•"/>
+              <a:defRPr sz="1400" kern="1200" cap="none">
+                <a:solidFill>
+                  <a:schemeClr val="tx1"/>
+                </a:solidFill>
+                <a:effectLst/>
+                <a:latin typeface="+mn-lt"/>
+                <a:ea typeface="+mn-ea"/>
+                <a:cs typeface="+mn-cs"/>
+              </a:defRPr>
+            </a:lvl9pPr>
+          </a:lstStyle>
+          <a:p>
+            <a:r>
+              <a:rPr lang="en-GB" dirty="0"/>
+              <a:t>Differentiate PRNG vs TRNG</a:t>
+            </a:r>
+          </a:p>
+          <a:p>
+            <a:r>
+              <a:rPr lang="en-GB" dirty="0"/>
+              <a:t>Create a Random Number Generator</a:t>
+            </a:r>
+          </a:p>
+          <a:p>
+            <a:r>
+              <a:rPr lang="en-GB" dirty="0"/>
+              <a:t>Visualise &amp; Analyse Data</a:t>
+            </a:r>
+          </a:p>
+          <a:p>
+            <a:r>
+              <a:rPr lang="en-GB" dirty="0"/>
+              <a:t>Form a Conclusion</a:t>
+            </a:r>
+          </a:p>
+        </p:txBody>
+      </p:sp>
+      <p:sp>
+        <p:nvSpPr>
+          <p:cNvPr id="5" name="Title 1">
+            <a:extLst>
+              <a:ext uri="{FF2B5EF4-FFF2-40B4-BE49-F238E27FC236}">
+                <a16:creationId xmlns:a16="http://schemas.microsoft.com/office/drawing/2014/main" id="{C9F75A9E-29CF-44BA-9032-D4A713D75B3C}"/>
+              </a:ext>
+            </a:extLst>
+          </p:cNvPr>
+          <p:cNvSpPr txBox="1">
+            <a:spLocks/>
+          </p:cNvSpPr>
+          <p:nvPr/>
+        </p:nvSpPr>
+        <p:spPr>
+          <a:xfrm>
+            <a:off x="2734235" y="1438835"/>
+            <a:ext cx="3361765" cy="896470"/>
+          </a:xfrm>
+          <a:prstGeom prst="rect">
+            <a:avLst/>
+          </a:prstGeom>
+          <a:effectLst/>
+        </p:spPr>
+        <p:txBody>
+          <a:bodyPr vert="horz" lIns="91440" tIns="45720" rIns="91440" bIns="45720" rtlCol="0" anchor="ctr">
+            <a:normAutofit/>
+          </a:bodyPr>
+          <a:lstStyle>
+            <a:lvl1pPr algn="ctr" defTabSz="457200" rtl="0" eaLnBrk="1" latinLnBrk="0" hangingPunct="1">
+              <a:spcBef>
+                <a:spcPct val="0"/>
+              </a:spcBef>
+              <a:buNone/>
+              <a:defRPr sz="4000" kern="1200" cap="none">
+                <a:ln w="3175" cmpd="sng">
+                  <a:noFill/>
+                </a:ln>
+                <a:solidFill>
+                  <a:schemeClr val="tx1"/>
+                </a:solidFill>
+                <a:effectLst/>
+                <a:latin typeface="+mj-lt"/>
+                <a:ea typeface="+mj-ea"/>
+                <a:cs typeface="+mj-cs"/>
+              </a:defRPr>
+            </a:lvl1pPr>
+            <a:lvl2pPr eaLnBrk="1" hangingPunct="1">
+              <a:defRPr>
+                <a:solidFill>
+                  <a:schemeClr val="tx2"/>
+                </a:solidFill>
+              </a:defRPr>
+            </a:lvl2pPr>
+            <a:lvl3pPr eaLnBrk="1" hangingPunct="1">
+              <a:defRPr>
+                <a:solidFill>
+                  <a:schemeClr val="tx2"/>
+                </a:solidFill>
+              </a:defRPr>
+            </a:lvl3pPr>
+            <a:lvl4pPr eaLnBrk="1" hangingPunct="1">
+              <a:defRPr>
+                <a:solidFill>
+                  <a:schemeClr val="tx2"/>
+                </a:solidFill>
+              </a:defRPr>
+            </a:lvl4pPr>
+            <a:lvl5pPr eaLnBrk="1" hangingPunct="1">
+              <a:defRPr>
+                <a:solidFill>
+                  <a:schemeClr val="tx2"/>
+                </a:solidFill>
+              </a:defRPr>
+            </a:lvl5pPr>
+            <a:lvl6pPr eaLnBrk="1" hangingPunct="1">
+              <a:defRPr>
+                <a:solidFill>
+                  <a:schemeClr val="tx2"/>
+                </a:solidFill>
+              </a:defRPr>
+            </a:lvl6pPr>
+            <a:lvl7pPr eaLnBrk="1" hangingPunct="1">
+              <a:defRPr>
+                <a:solidFill>
+                  <a:schemeClr val="tx2"/>
+                </a:solidFill>
+              </a:defRPr>
+            </a:lvl7pPr>
+            <a:lvl8pPr eaLnBrk="1" hangingPunct="1">
+              <a:defRPr>
+                <a:solidFill>
+                  <a:schemeClr val="tx2"/>
+                </a:solidFill>
+              </a:defRPr>
+            </a:lvl8pPr>
+            <a:lvl9pPr eaLnBrk="1" hangingPunct="1">
+              <a:defRPr>
+                <a:solidFill>
+                  <a:schemeClr val="tx2"/>
+                </a:solidFill>
+              </a:defRPr>
+            </a:lvl9pPr>
+          </a:lstStyle>
+          <a:p>
+            <a:pPr algn="l"/>
+            <a:r>
+              <a:rPr lang="en-GB" sz="2800" b="1" u="sng" dirty="0">
+                <a:uFill>
+                  <a:solidFill>
+                    <a:srgbClr val="00B0F0"/>
+                  </a:solidFill>
+                </a:uFill>
+                <a:latin typeface="Poppins" panose="00000500000000000000" pitchFamily="2" charset="0"/>
+                <a:cs typeface="Poppins" panose="00000500000000000000" pitchFamily="2" charset="0"/>
+              </a:rPr>
+              <a:t>Overview</a:t>
+            </a:r>
+          </a:p>
+        </p:txBody>
+      </p:sp>
+      <p:sp>
+        <p:nvSpPr>
+          <p:cNvPr id="6" name="Title 1">
+            <a:extLst>
+              <a:ext uri="{FF2B5EF4-FFF2-40B4-BE49-F238E27FC236}">
+                <a16:creationId xmlns:a16="http://schemas.microsoft.com/office/drawing/2014/main" id="{E6A4F761-9BFC-4569-8624-EF4C27D02033}"/>
+              </a:ext>
+            </a:extLst>
+          </p:cNvPr>
+          <p:cNvSpPr txBox="1">
+            <a:spLocks/>
+          </p:cNvSpPr>
+          <p:nvPr/>
+        </p:nvSpPr>
+        <p:spPr>
+          <a:xfrm>
+            <a:off x="6658535" y="1432560"/>
+            <a:ext cx="3361765" cy="896470"/>
+          </a:xfrm>
+          <a:prstGeom prst="rect">
+            <a:avLst/>
+          </a:prstGeom>
+          <a:effectLst/>
+        </p:spPr>
+        <p:txBody>
+          <a:bodyPr vert="horz" lIns="91440" tIns="45720" rIns="91440" bIns="45720" rtlCol="0" anchor="ctr">
+            <a:normAutofit/>
+          </a:bodyPr>
+          <a:lstStyle>
+            <a:lvl1pPr algn="ctr" defTabSz="457200" rtl="0" eaLnBrk="1" latinLnBrk="0" hangingPunct="1">
+              <a:spcBef>
+                <a:spcPct val="0"/>
+              </a:spcBef>
+              <a:buNone/>
+              <a:defRPr sz="4000" kern="1200" cap="none">
+                <a:ln w="3175" cmpd="sng">
+                  <a:noFill/>
+                </a:ln>
+                <a:solidFill>
+                  <a:schemeClr val="tx1"/>
+                </a:solidFill>
+                <a:effectLst/>
+                <a:latin typeface="+mj-lt"/>
+                <a:ea typeface="+mj-ea"/>
+                <a:cs typeface="+mj-cs"/>
+              </a:defRPr>
+            </a:lvl1pPr>
+            <a:lvl2pPr eaLnBrk="1" hangingPunct="1">
+              <a:defRPr>
+                <a:solidFill>
+                  <a:schemeClr val="tx2"/>
+                </a:solidFill>
+              </a:defRPr>
+            </a:lvl2pPr>
+            <a:lvl3pPr eaLnBrk="1" hangingPunct="1">
+              <a:defRPr>
+                <a:solidFill>
+                  <a:schemeClr val="tx2"/>
+                </a:solidFill>
+              </a:defRPr>
+            </a:lvl3pPr>
+            <a:lvl4pPr eaLnBrk="1" hangingPunct="1">
+              <a:defRPr>
+                <a:solidFill>
+                  <a:schemeClr val="tx2"/>
+                </a:solidFill>
+              </a:defRPr>
+            </a:lvl4pPr>
+            <a:lvl5pPr eaLnBrk="1" hangingPunct="1">
+              <a:defRPr>
+                <a:solidFill>
+                  <a:schemeClr val="tx2"/>
+                </a:solidFill>
+              </a:defRPr>
+            </a:lvl5pPr>
+            <a:lvl6pPr eaLnBrk="1" hangingPunct="1">
+              <a:defRPr>
+                <a:solidFill>
+                  <a:schemeClr val="tx2"/>
+                </a:solidFill>
+              </a:defRPr>
+            </a:lvl6pPr>
+            <a:lvl7pPr eaLnBrk="1" hangingPunct="1">
+              <a:defRPr>
+                <a:solidFill>
+                  <a:schemeClr val="tx2"/>
+                </a:solidFill>
+              </a:defRPr>
+            </a:lvl7pPr>
+            <a:lvl8pPr eaLnBrk="1" hangingPunct="1">
+              <a:defRPr>
+                <a:solidFill>
+                  <a:schemeClr val="tx2"/>
+                </a:solidFill>
+              </a:defRPr>
+            </a:lvl8pPr>
+            <a:lvl9pPr eaLnBrk="1" hangingPunct="1">
+              <a:defRPr>
+                <a:solidFill>
+                  <a:schemeClr val="tx2"/>
+                </a:solidFill>
+              </a:defRPr>
+            </a:lvl9pPr>
+          </a:lstStyle>
+          <a:p>
+            <a:pPr algn="l"/>
+            <a:r>
+              <a:rPr lang="en-GB" sz="2800" b="1" u="sng" dirty="0">
+                <a:uFill>
+                  <a:solidFill>
+                    <a:srgbClr val="00B0F0"/>
+                  </a:solidFill>
+                </a:uFill>
+                <a:latin typeface="Poppins" panose="00000500000000000000" pitchFamily="2" charset="0"/>
+                <a:cs typeface="Poppins" panose="00000500000000000000" pitchFamily="2" charset="0"/>
+              </a:rPr>
+              <a:t>Objectives</a:t>
+            </a:r>
+          </a:p>
+        </p:txBody>
+      </p:sp>
+    </p:spTree>
+    <p:extLst>
+      <p:ext uri="{BB962C8B-B14F-4D97-AF65-F5344CB8AC3E}">
+        <p14:creationId xmlns:p14="http://schemas.microsoft.com/office/powerpoint/2010/main" val="1988023460"/>
+      </p:ext>
+    </p:extLst>
+  </p:cSld>
+  <p:clrMapOvr>
+    <a:masterClrMapping/>
+  </p:clrMapOvr>
+  <p:timing>
+    <p:tnLst>
+      <p:par>
+        <p:cTn id="1" dur="indefinite" restart="never" nodeType="tmRoot">
+          <p:childTnLst>
+            <p:seq concurrent="1" nextAc="seek">
+              <p:cTn id="2" dur="indefinite" nodeType="mainSeq">
+                <p:childTnLst>
+                  <p:par>
+                    <p:cTn id="3" fill="hold">
+                      <p:stCondLst>
+                        <p:cond delay="indefinite"/>
+                      </p:stCondLst>
+                      <p:childTnLst>
+                        <p:par>
+                          <p:cTn id="4" fill="hold">
+                            <p:stCondLst>
+                              <p:cond delay="0"/>
+                            </p:stCondLst>
+                            <p:childTnLst>
+                              <p:par>
+                                <p:cTn id="5" presetID="10" presetClass="entr" presetSubtype="0" fill="hold" grpId="0" nodeType="clickEffect">
+                                  <p:stCondLst>
+                                    <p:cond delay="0"/>
+                                  </p:stCondLst>
+                                  <p:childTnLst>
+                                    <p:set>
+                                      <p:cBhvr>
+                                        <p:cTn id="6" dur="1" fill="hold">
+                                          <p:stCondLst>
+                                            <p:cond delay="0"/>
+                                          </p:stCondLst>
+                                        </p:cTn>
+                                        <p:tgtEl>
+                                          <p:spTgt spid="3">
+                                            <p:txEl>
+                                              <p:pRg st="0" end="0"/>
+                                            </p:txEl>
+                                          </p:spTgt>
+                                        </p:tgtEl>
+                                        <p:attrNameLst>
+                                          <p:attrName>style.visibility</p:attrName>
+                                        </p:attrNameLst>
+                                      </p:cBhvr>
+                                      <p:to>
+                                        <p:strVal val="visible"/>
+                                      </p:to>
+                                    </p:set>
+                                    <p:animEffect transition="in" filter="fade">
+                                      <p:cBhvr>
+                                        <p:cTn id="7" dur="500"/>
+                                        <p:tgtEl>
+                                          <p:spTgt spid="3">
+                                            <p:txEl>
+                                              <p:pRg st="0" end="0"/>
+                                            </p:txEl>
+                                          </p:spTgt>
+                                        </p:tgtEl>
+                                      </p:cBhvr>
+                                    </p:animEffect>
+                                  </p:childTnLst>
+                                </p:cTn>
+                              </p:par>
+                            </p:childTnLst>
+                          </p:cTn>
+                        </p:par>
+                      </p:childTnLst>
+                    </p:cTn>
+                  </p:par>
+                  <p:par>
+                    <p:cTn id="8" fill="hold">
+                      <p:stCondLst>
+                        <p:cond delay="indefinite"/>
+                      </p:stCondLst>
+                      <p:childTnLst>
+                        <p:par>
+                          <p:cTn id="9" fill="hold">
+                            <p:stCondLst>
+                              <p:cond delay="0"/>
+                            </p:stCondLst>
+                            <p:childTnLst>
+                              <p:par>
+                                <p:cTn id="10" presetID="10" presetClass="entr" presetSubtype="0" fill="hold" grpId="0" nodeType="clickEffect">
+                                  <p:stCondLst>
+                                    <p:cond delay="0"/>
+                                  </p:stCondLst>
+                                  <p:childTnLst>
+                                    <p:set>
+                                      <p:cBhvr>
+                                        <p:cTn id="11" dur="1" fill="hold">
+                                          <p:stCondLst>
+                                            <p:cond delay="0"/>
+                                          </p:stCondLst>
+                                        </p:cTn>
+                                        <p:tgtEl>
+                                          <p:spTgt spid="3">
+                                            <p:txEl>
+                                              <p:pRg st="1" end="1"/>
+                                            </p:txEl>
+                                          </p:spTgt>
+                                        </p:tgtEl>
+                                        <p:attrNameLst>
+                                          <p:attrName>style.visibility</p:attrName>
+                                        </p:attrNameLst>
+                                      </p:cBhvr>
+                                      <p:to>
+                                        <p:strVal val="visible"/>
+                                      </p:to>
+                                    </p:set>
+                                    <p:animEffect transition="in" filter="fade">
+                                      <p:cBhvr>
+                                        <p:cTn id="12" dur="500"/>
+                                        <p:tgtEl>
+                                          <p:spTgt spid="3">
+                                            <p:txEl>
+                                              <p:pRg st="1" end="1"/>
+                                            </p:txEl>
+                                          </p:spTgt>
+                                        </p:tgtEl>
+                                      </p:cBhvr>
+                                    </p:animEffect>
+                                  </p:childTnLst>
+                                </p:cTn>
+                              </p:par>
+                            </p:childTnLst>
+                          </p:cTn>
+                        </p:par>
+                      </p:childTnLst>
+                    </p:cTn>
+                  </p:par>
+                  <p:par>
+                    <p:cTn id="13" fill="hold">
+                      <p:stCondLst>
+                        <p:cond delay="indefinite"/>
+                      </p:stCondLst>
+                      <p:childTnLst>
+                        <p:par>
+                          <p:cTn id="14" fill="hold">
+                            <p:stCondLst>
+                              <p:cond delay="0"/>
+                            </p:stCondLst>
+                            <p:childTnLst>
+                              <p:par>
+                                <p:cTn id="15" presetID="10" presetClass="entr" presetSubtype="0" fill="hold" grpId="0" nodeType="clickEffect">
+                                  <p:stCondLst>
+                                    <p:cond delay="0"/>
+                                  </p:stCondLst>
+                                  <p:childTnLst>
+                                    <p:set>
+                                      <p:cBhvr>
+                                        <p:cTn id="16" dur="1" fill="hold">
+                                          <p:stCondLst>
+                                            <p:cond delay="0"/>
+                                          </p:stCondLst>
+                                        </p:cTn>
+                                        <p:tgtEl>
+                                          <p:spTgt spid="3">
+                                            <p:txEl>
+                                              <p:pRg st="2" end="2"/>
+                                            </p:txEl>
+                                          </p:spTgt>
+                                        </p:tgtEl>
+                                        <p:attrNameLst>
+                                          <p:attrName>style.visibility</p:attrName>
+                                        </p:attrNameLst>
+                                      </p:cBhvr>
+                                      <p:to>
+                                        <p:strVal val="visible"/>
+                                      </p:to>
+                                    </p:set>
+                                    <p:animEffect transition="in" filter="fade">
+                                      <p:cBhvr>
+                                        <p:cTn id="17" dur="500"/>
+                                        <p:tgtEl>
+                                          <p:spTgt spid="3">
+                                            <p:txEl>
+                                              <p:pRg st="2" end="2"/>
+                                            </p:txEl>
+                                          </p:spTgt>
+                                        </p:tgtEl>
+                                      </p:cBhvr>
+                                    </p:animEffect>
+                                  </p:childTnLst>
+                                </p:cTn>
+                              </p:par>
+                            </p:childTnLst>
+                          </p:cTn>
+                        </p:par>
+                      </p:childTnLst>
+                    </p:cTn>
+                  </p:par>
+                  <p:par>
+                    <p:cTn id="18" fill="hold">
+                      <p:stCondLst>
+                        <p:cond delay="indefinite"/>
+                      </p:stCondLst>
+                      <p:childTnLst>
+                        <p:par>
+                          <p:cTn id="19" fill="hold">
+                            <p:stCondLst>
+                              <p:cond delay="0"/>
+                            </p:stCondLst>
+                            <p:childTnLst>
+                              <p:par>
+                                <p:cTn id="20" presetID="10" presetClass="entr" presetSubtype="0" fill="hold" grpId="0" nodeType="clickEffect">
+                                  <p:stCondLst>
+                                    <p:cond delay="0"/>
+                                  </p:stCondLst>
+                                  <p:childTnLst>
+                                    <p:set>
+                                      <p:cBhvr>
+                                        <p:cTn id="21" dur="1" fill="hold">
+                                          <p:stCondLst>
+                                            <p:cond delay="0"/>
+                                          </p:stCondLst>
+                                        </p:cTn>
+                                        <p:tgtEl>
+                                          <p:spTgt spid="3">
+                                            <p:txEl>
+                                              <p:pRg st="3" end="3"/>
+                                            </p:txEl>
+                                          </p:spTgt>
+                                        </p:tgtEl>
+                                        <p:attrNameLst>
+                                          <p:attrName>style.visibility</p:attrName>
+                                        </p:attrNameLst>
+                                      </p:cBhvr>
+                                      <p:to>
+                                        <p:strVal val="visible"/>
+                                      </p:to>
+                                    </p:set>
+                                    <p:animEffect transition="in" filter="fade">
+                                      <p:cBhvr>
+                                        <p:cTn id="22" dur="500"/>
+                                        <p:tgtEl>
+                                          <p:spTgt spid="3">
+                                            <p:txEl>
+                                              <p:pRg st="3" end="3"/>
+                                            </p:txEl>
+                                          </p:spTgt>
+                                        </p:tgtEl>
+                                      </p:cBhvr>
+                                    </p:animEffect>
+                                  </p:childTnLst>
+                                </p:cTn>
+                              </p:par>
+                            </p:childTnLst>
+                          </p:cTn>
+                        </p:par>
+                      </p:childTnLst>
+                    </p:cTn>
+                  </p:par>
+                  <p:par>
+                    <p:cTn id="23" fill="hold">
+                      <p:stCondLst>
+                        <p:cond delay="indefinite"/>
+                      </p:stCondLst>
+                      <p:childTnLst>
+                        <p:par>
+                          <p:cTn id="24" fill="hold">
+                            <p:stCondLst>
+                              <p:cond delay="0"/>
+                            </p:stCondLst>
+                            <p:childTnLst>
+                              <p:par>
+                                <p:cTn id="25" presetID="10" presetClass="entr" presetSubtype="0" fill="hold" grpId="0" nodeType="clickEffect">
+                                  <p:stCondLst>
+                                    <p:cond delay="0"/>
+                                  </p:stCondLst>
+                                  <p:childTnLst>
+                                    <p:set>
+                                      <p:cBhvr>
+                                        <p:cTn id="26" dur="1" fill="hold">
+                                          <p:stCondLst>
+                                            <p:cond delay="0"/>
+                                          </p:stCondLst>
+                                        </p:cTn>
+                                        <p:tgtEl>
+                                          <p:spTgt spid="3">
+                                            <p:txEl>
+                                              <p:pRg st="4" end="4"/>
+                                            </p:txEl>
+                                          </p:spTgt>
+                                        </p:tgtEl>
+                                        <p:attrNameLst>
+                                          <p:attrName>style.visibility</p:attrName>
+                                        </p:attrNameLst>
+                                      </p:cBhvr>
+                                      <p:to>
+                                        <p:strVal val="visible"/>
+                                      </p:to>
+                                    </p:set>
+                                    <p:animEffect transition="in" filter="fade">
+                                      <p:cBhvr>
+                                        <p:cTn id="27" dur="500"/>
+                                        <p:tgtEl>
+                                          <p:spTgt spid="3">
+                                            <p:txEl>
+                                              <p:pRg st="4" end="4"/>
+                                            </p:txEl>
+                                          </p:spTgt>
+                                        </p:tgtEl>
+                                      </p:cBhvr>
+                                    </p:animEffect>
+                                  </p:childTnLst>
+                                </p:cTn>
+                              </p:par>
+                            </p:childTnLst>
+                          </p:cTn>
+                        </p:par>
+                      </p:childTnLst>
+                    </p:cTn>
+                  </p:par>
+                  <p:par>
+                    <p:cTn id="28" fill="hold">
+                      <p:stCondLst>
+                        <p:cond delay="indefinite"/>
+                      </p:stCondLst>
+                      <p:childTnLst>
+                        <p:par>
+                          <p:cTn id="29" fill="hold">
+                            <p:stCondLst>
+                              <p:cond delay="0"/>
+                            </p:stCondLst>
+                            <p:childTnLst>
+                              <p:par>
+                                <p:cTn id="30" presetID="10" presetClass="entr" presetSubtype="0" fill="hold" grpId="0" nodeType="clickEffect">
+                                  <p:stCondLst>
+                                    <p:cond delay="0"/>
+                                  </p:stCondLst>
+                                  <p:childTnLst>
+                                    <p:set>
+                                      <p:cBhvr>
+                                        <p:cTn id="31" dur="1" fill="hold">
+                                          <p:stCondLst>
+                                            <p:cond delay="0"/>
+                                          </p:stCondLst>
+                                        </p:cTn>
+                                        <p:tgtEl>
+                                          <p:spTgt spid="4">
+                                            <p:txEl>
+                                              <p:pRg st="0" end="0"/>
+                                            </p:txEl>
+                                          </p:spTgt>
+                                        </p:tgtEl>
+                                        <p:attrNameLst>
+                                          <p:attrName>style.visibility</p:attrName>
+                                        </p:attrNameLst>
+                                      </p:cBhvr>
+                                      <p:to>
+                                        <p:strVal val="visible"/>
+                                      </p:to>
+                                    </p:set>
+                                    <p:animEffect transition="in" filter="fade">
+                                      <p:cBhvr>
+                                        <p:cTn id="32" dur="500"/>
+                                        <p:tgtEl>
+                                          <p:spTgt spid="4">
+                                            <p:txEl>
+                                              <p:pRg st="0" end="0"/>
+                                            </p:txEl>
+                                          </p:spTgt>
+                                        </p:tgtEl>
+                                      </p:cBhvr>
+                                    </p:animEffect>
+                                  </p:childTnLst>
+                                </p:cTn>
+                              </p:par>
+                            </p:childTnLst>
+                          </p:cTn>
+                        </p:par>
+                      </p:childTnLst>
+                    </p:cTn>
+                  </p:par>
+                  <p:par>
+                    <p:cTn id="33" fill="hold">
+                      <p:stCondLst>
+                        <p:cond delay="indefinite"/>
+                      </p:stCondLst>
+                      <p:childTnLst>
+                        <p:par>
+                          <p:cTn id="34" fill="hold">
+                            <p:stCondLst>
+                              <p:cond delay="0"/>
+                            </p:stCondLst>
+                            <p:childTnLst>
+                              <p:par>
+                                <p:cTn id="35" presetID="10" presetClass="entr" presetSubtype="0" fill="hold" grpId="0" nodeType="clickEffect">
+                                  <p:stCondLst>
+                                    <p:cond delay="0"/>
+                                  </p:stCondLst>
+                                  <p:childTnLst>
+                                    <p:set>
+                                      <p:cBhvr>
+                                        <p:cTn id="36" dur="1" fill="hold">
+                                          <p:stCondLst>
+                                            <p:cond delay="0"/>
+                                          </p:stCondLst>
+                                        </p:cTn>
+                                        <p:tgtEl>
+                                          <p:spTgt spid="4">
+                                            <p:txEl>
+                                              <p:pRg st="1" end="1"/>
+                                            </p:txEl>
+                                          </p:spTgt>
+                                        </p:tgtEl>
+                                        <p:attrNameLst>
+                                          <p:attrName>style.visibility</p:attrName>
+                                        </p:attrNameLst>
+                                      </p:cBhvr>
+                                      <p:to>
+                                        <p:strVal val="visible"/>
+                                      </p:to>
+                                    </p:set>
+                                    <p:animEffect transition="in" filter="fade">
+                                      <p:cBhvr>
+                                        <p:cTn id="37" dur="500"/>
+                                        <p:tgtEl>
+                                          <p:spTgt spid="4">
+                                            <p:txEl>
+                                              <p:pRg st="1" end="1"/>
+                                            </p:txEl>
+                                          </p:spTgt>
+                                        </p:tgtEl>
+                                      </p:cBhvr>
+                                    </p:animEffect>
+                                  </p:childTnLst>
+                                </p:cTn>
+                              </p:par>
+                            </p:childTnLst>
+                          </p:cTn>
+                        </p:par>
+                      </p:childTnLst>
+                    </p:cTn>
+                  </p:par>
+                  <p:par>
+                    <p:cTn id="38" fill="hold">
+                      <p:stCondLst>
+                        <p:cond delay="indefinite"/>
+                      </p:stCondLst>
+                      <p:childTnLst>
+                        <p:par>
+                          <p:cTn id="39" fill="hold">
+                            <p:stCondLst>
+                              <p:cond delay="0"/>
+                            </p:stCondLst>
+                            <p:childTnLst>
+                              <p:par>
+                                <p:cTn id="40" presetID="10" presetClass="entr" presetSubtype="0" fill="hold" grpId="0" nodeType="clickEffect">
+                                  <p:stCondLst>
+                                    <p:cond delay="0"/>
+                                  </p:stCondLst>
+                                  <p:childTnLst>
+                                    <p:set>
+                                      <p:cBhvr>
+                                        <p:cTn id="41" dur="1" fill="hold">
+                                          <p:stCondLst>
+                                            <p:cond delay="0"/>
+                                          </p:stCondLst>
+                                        </p:cTn>
+                                        <p:tgtEl>
+                                          <p:spTgt spid="4">
+                                            <p:txEl>
+                                              <p:pRg st="2" end="2"/>
+                                            </p:txEl>
+                                          </p:spTgt>
+                                        </p:tgtEl>
+                                        <p:attrNameLst>
+                                          <p:attrName>style.visibility</p:attrName>
+                                        </p:attrNameLst>
+                                      </p:cBhvr>
+                                      <p:to>
+                                        <p:strVal val="visible"/>
+                                      </p:to>
+                                    </p:set>
+                                    <p:animEffect transition="in" filter="fade">
+                                      <p:cBhvr>
+                                        <p:cTn id="42" dur="500"/>
+                                        <p:tgtEl>
+                                          <p:spTgt spid="4">
+                                            <p:txEl>
+                                              <p:pRg st="2" end="2"/>
+                                            </p:txEl>
+                                          </p:spTgt>
+                                        </p:tgtEl>
+                                      </p:cBhvr>
+                                    </p:animEffect>
+                                  </p:childTnLst>
+                                </p:cTn>
+                              </p:par>
+                            </p:childTnLst>
+                          </p:cTn>
+                        </p:par>
+                      </p:childTnLst>
+                    </p:cTn>
+                  </p:par>
+                  <p:par>
+                    <p:cTn id="43" fill="hold">
+                      <p:stCondLst>
+                        <p:cond delay="indefinite"/>
+                      </p:stCondLst>
+                      <p:childTnLst>
+                        <p:par>
+                          <p:cTn id="44" fill="hold">
+                            <p:stCondLst>
+                              <p:cond delay="0"/>
+                            </p:stCondLst>
+                            <p:childTnLst>
+                              <p:par>
+                                <p:cTn id="45" presetID="10" presetClass="entr" presetSubtype="0" fill="hold" grpId="0" nodeType="clickEffect">
+                                  <p:stCondLst>
+                                    <p:cond delay="0"/>
+                                  </p:stCondLst>
+                                  <p:childTnLst>
+                                    <p:set>
+                                      <p:cBhvr>
+                                        <p:cTn id="46" dur="1" fill="hold">
+                                          <p:stCondLst>
+                                            <p:cond delay="0"/>
+                                          </p:stCondLst>
+                                        </p:cTn>
+                                        <p:tgtEl>
+                                          <p:spTgt spid="4">
+                                            <p:txEl>
+                                              <p:pRg st="3" end="3"/>
+                                            </p:txEl>
+                                          </p:spTgt>
+                                        </p:tgtEl>
+                                        <p:attrNameLst>
+                                          <p:attrName>style.visibility</p:attrName>
+                                        </p:attrNameLst>
+                                      </p:cBhvr>
+                                      <p:to>
+                                        <p:strVal val="visible"/>
+                                      </p:to>
+                                    </p:set>
+                                    <p:animEffect transition="in" filter="fade">
+                                      <p:cBhvr>
+                                        <p:cTn id="47" dur="500"/>
+                                        <p:tgtEl>
+                                          <p:spTgt spid="4">
+                                            <p:txEl>
+                                              <p:pRg st="3" end="3"/>
+                                            </p:txEl>
+                                          </p:spTgt>
+                                        </p:tgtEl>
+                                      </p:cBhvr>
+                                    </p:animEffect>
+                                  </p:childTnLst>
+                                </p:cTn>
+                              </p:par>
+                            </p:childTnLst>
+                          </p:cTn>
+                        </p:par>
+                      </p:childTnLst>
+                    </p:cTn>
+                  </p:par>
+                </p:childTnLst>
+              </p:cTn>
+              <p:prevCondLst>
+                <p:cond evt="onPrev" delay="0">
+                  <p:tgtEl>
+                    <p:sldTgt/>
+                  </p:tgtEl>
+                </p:cond>
+              </p:prevCondLst>
+              <p:nextCondLst>
+                <p:cond evt="onNext" delay="0">
+                  <p:tgtEl>
+                    <p:sldTgt/>
+                  </p:tgtEl>
+                </p:cond>
+              </p:nextCondLst>
+            </p:seq>
+          </p:childTnLst>
+        </p:cTn>
+      </p:par>
+    </p:tnLst>
+    <p:bldLst>
+      <p:bldP spid="3" grpId="0" build="p"/>
+      <p:bldP spid="4" grpId="0" build="p"/>
+    </p:bldLst>
+  </p:timing>
+</p:sld>
+</file>
+
+<file path=ppt/slides/slide3.xml><?xml version="1.0" encoding="utf-8"?>
+<p:sld xmlns:a="http://schemas.openxmlformats.org/drawingml/2006/main" xmlns:r="http://schemas.openxmlformats.org/officeDocument/2006/relationships" xmlns:p="http://schemas.openxmlformats.org/presentationml/2006/main">
+  <p:cSld>
+    <p:spTree>
+      <p:nvGrpSpPr>
+        <p:cNvPr id="1" name=""/>
+        <p:cNvGrpSpPr/>
+        <p:nvPr/>
+      </p:nvGrpSpPr>
+      <p:grpSpPr>
+        <a:xfrm>
+          <a:off x="0" y="0"/>
+          <a:ext cx="0" cy="0"/>
+          <a:chOff x="0" y="0"/>
+          <a:chExt cx="0" cy="0"/>
+        </a:xfrm>
+      </p:grpSpPr>
+      <p:sp>
+        <p:nvSpPr>
+          <p:cNvPr id="2" name="Title 1">
+            <a:extLst>
+              <a:ext uri="{FF2B5EF4-FFF2-40B4-BE49-F238E27FC236}">
+                <a16:creationId xmlns:a16="http://schemas.microsoft.com/office/drawing/2014/main" id="{4B36F465-CEC2-4E69-A0A6-D0F1CC276B98}"/>
+              </a:ext>
+            </a:extLst>
+          </p:cNvPr>
+          <p:cNvSpPr>
+            <a:spLocks noGrp="1"/>
+          </p:cNvSpPr>
+          <p:nvPr>
+            <p:ph type="title"/>
+          </p:nvPr>
+        </p:nvSpPr>
+        <p:spPr>
+          <a:xfrm>
+            <a:off x="2734235" y="170330"/>
+            <a:ext cx="8768788" cy="896470"/>
+          </a:xfrm>
+        </p:spPr>
+        <p:txBody>
+          <a:bodyPr>
+            <a:normAutofit/>
+          </a:bodyPr>
+          <a:lstStyle/>
+          <a:p>
+            <a:pPr algn="l"/>
+            <a:r>
+              <a:rPr lang="en-GB" sz="4400" u="sng" dirty="0">
+                <a:uFill>
+                  <a:solidFill>
+                    <a:srgbClr val="00B0F0"/>
+                  </a:solidFill>
+                </a:uFill>
+                <a:latin typeface="Poppins" panose="00000500000000000000" pitchFamily="2" charset="0"/>
+                <a:cs typeface="Poppins" panose="00000500000000000000" pitchFamily="2" charset="0"/>
+              </a:rPr>
+              <a:t>Technology Justification</a:t>
+            </a:r>
+          </a:p>
+        </p:txBody>
+      </p:sp>
+      <p:sp>
+        <p:nvSpPr>
+          <p:cNvPr id="3" name="Content Placeholder 2">
+            <a:extLst>
+              <a:ext uri="{FF2B5EF4-FFF2-40B4-BE49-F238E27FC236}">
+                <a16:creationId xmlns:a16="http://schemas.microsoft.com/office/drawing/2014/main" id="{F4F2454B-F509-48C2-8E21-100D3A873769}"/>
+              </a:ext>
+            </a:extLst>
+          </p:cNvPr>
+          <p:cNvSpPr>
+            <a:spLocks noGrp="1"/>
+          </p:cNvSpPr>
+          <p:nvPr>
+            <p:ph idx="1"/>
+          </p:nvPr>
+        </p:nvSpPr>
+        <p:spPr>
+          <a:xfrm>
+            <a:off x="2734234" y="1554480"/>
+            <a:ext cx="8041341" cy="2829261"/>
+          </a:xfrm>
+        </p:spPr>
+        <p:txBody>
+          <a:bodyPr anchor="t">
+            <a:normAutofit/>
+          </a:bodyPr>
+          <a:lstStyle/>
+          <a:p>
+            <a:r>
+              <a:rPr lang="en-GB" sz="2800" dirty="0"/>
+              <a:t>Java SE (Standard Edition) Version 9</a:t>
+            </a:r>
+          </a:p>
+        </p:txBody>
+      </p:sp>
+      <p:pic>
+        <p:nvPicPr>
+          <p:cNvPr id="5" name="Picture 4">
+            <a:extLst>
+              <a:ext uri="{FF2B5EF4-FFF2-40B4-BE49-F238E27FC236}">
+                <a16:creationId xmlns:a16="http://schemas.microsoft.com/office/drawing/2014/main" id="{77803E63-F7F4-4C3C-A307-1D5338BF804D}"/>
+              </a:ext>
+            </a:extLst>
+          </p:cNvPr>
+          <p:cNvPicPr>
+            <a:picLocks noChangeAspect="1"/>
+          </p:cNvPicPr>
+          <p:nvPr/>
+        </p:nvPicPr>
+        <p:blipFill>
+          <a:blip r:embed="rId3">
+            <a:extLst>
+              <a:ext uri="{28A0092B-C50C-407E-A947-70E740481C1C}">
+                <a14:useLocalDpi xmlns:a14="http://schemas.microsoft.com/office/drawing/2010/main" val="0"/>
+              </a:ext>
+            </a:extLst>
+          </a:blip>
+          <a:stretch>
+            <a:fillRect/>
+          </a:stretch>
+        </p:blipFill>
+        <p:spPr>
+          <a:xfrm>
+            <a:off x="6026074" y="3063240"/>
+            <a:ext cx="3583803" cy="1081114"/>
+          </a:xfrm>
+          <a:prstGeom prst="rect">
+            <a:avLst/>
+          </a:prstGeom>
+        </p:spPr>
+      </p:pic>
+      <p:pic>
+        <p:nvPicPr>
+          <p:cNvPr id="7" name="Picture 6">
+            <a:extLst>
+              <a:ext uri="{FF2B5EF4-FFF2-40B4-BE49-F238E27FC236}">
+                <a16:creationId xmlns:a16="http://schemas.microsoft.com/office/drawing/2014/main" id="{6CEFF41F-CD77-49C8-9CF2-76C63411B3D8}"/>
+              </a:ext>
+            </a:extLst>
+          </p:cNvPr>
+          <p:cNvPicPr>
+            <a:picLocks noChangeAspect="1"/>
+          </p:cNvPicPr>
+          <p:nvPr/>
+        </p:nvPicPr>
+        <p:blipFill>
+          <a:blip r:embed="rId4">
+            <a:extLst>
+              <a:ext uri="{28A0092B-C50C-407E-A947-70E740481C1C}">
+                <a14:useLocalDpi xmlns:a14="http://schemas.microsoft.com/office/drawing/2010/main" val="0"/>
+              </a:ext>
+            </a:extLst>
+          </a:blip>
+          <a:stretch>
+            <a:fillRect/>
+          </a:stretch>
+        </p:blipFill>
+        <p:spPr>
+          <a:xfrm>
+            <a:off x="2734234" y="2681287"/>
+            <a:ext cx="2839180" cy="1589441"/>
+          </a:xfrm>
+          <a:prstGeom prst="rect">
+            <a:avLst/>
+          </a:prstGeom>
+        </p:spPr>
+      </p:pic>
+    </p:spTree>
+    <p:extLst>
+      <p:ext uri="{BB962C8B-B14F-4D97-AF65-F5344CB8AC3E}">
+        <p14:creationId xmlns:p14="http://schemas.microsoft.com/office/powerpoint/2010/main" val="1888549302"/>
+      </p:ext>
+    </p:extLst>
+  </p:cSld>
+  <p:clrMapOvr>
+    <a:masterClrMapping/>
+  </p:clrMapOvr>
+  <p:timing>
+    <p:tnLst>
+      <p:par>
+        <p:cTn id="1" dur="indefinite" restart="never" nodeType="tmRoot">
+          <p:childTnLst>
+            <p:seq concurrent="1" nextAc="seek">
+              <p:cTn id="2" dur="indefinite" nodeType="mainSeq">
+                <p:childTnLst>
+                  <p:par>
+                    <p:cTn id="3" fill="hold">
+                      <p:stCondLst>
+                        <p:cond delay="indefinite"/>
+                      </p:stCondLst>
+                      <p:childTnLst>
+                        <p:par>
+                          <p:cTn id="4" fill="hold">
+                            <p:stCondLst>
+                              <p:cond delay="0"/>
+                            </p:stCondLst>
+                            <p:childTnLst>
+                              <p:par>
+                                <p:cTn id="5" presetID="10" presetClass="entr" presetSubtype="0" fill="hold" grpId="0" nodeType="clickEffect">
+                                  <p:stCondLst>
+                                    <p:cond delay="0"/>
+                                  </p:stCondLst>
+                                  <p:childTnLst>
+                                    <p:set>
+                                      <p:cBhvr>
+                                        <p:cTn id="6" dur="1" fill="hold">
+                                          <p:stCondLst>
+                                            <p:cond delay="0"/>
+                                          </p:stCondLst>
+                                        </p:cTn>
+                                        <p:tgtEl>
+                                          <p:spTgt spid="3">
+                                            <p:txEl>
+                                              <p:pRg st="0" end="0"/>
+                                            </p:txEl>
+                                          </p:spTgt>
+                                        </p:tgtEl>
+                                        <p:attrNameLst>
+                                          <p:attrName>style.visibility</p:attrName>
+                                        </p:attrNameLst>
+                                      </p:cBhvr>
+                                      <p:to>
+                                        <p:strVal val="visible"/>
+                                      </p:to>
+                                    </p:set>
+                                    <p:animEffect transition="in" filter="fade">
+                                      <p:cBhvr>
+                                        <p:cTn id="7" dur="500"/>
+                                        <p:tgtEl>
+                                          <p:spTgt spid="3">
+                                            <p:txEl>
+                                              <p:pRg st="0" end="0"/>
+                                            </p:txEl>
+                                          </p:spTgt>
+                                        </p:tgtEl>
+                                      </p:cBhvr>
+                                    </p:animEffect>
+                                  </p:childTnLst>
+                                </p:cTn>
+                              </p:par>
+                            </p:childTnLst>
+                          </p:cTn>
+                        </p:par>
+                      </p:childTnLst>
+                    </p:cTn>
+                  </p:par>
+                </p:childTnLst>
+              </p:cTn>
+              <p:prevCondLst>
+                <p:cond evt="onPrev" delay="0">
+                  <p:tgtEl>
+                    <p:sldTgt/>
+                  </p:tgtEl>
+                </p:cond>
+              </p:prevCondLst>
+              <p:nextCondLst>
+                <p:cond evt="onNext" delay="0">
+                  <p:tgtEl>
+                    <p:sldTgt/>
+                  </p:tgtEl>
+                </p:cond>
+              </p:nextCondLst>
+            </p:seq>
+          </p:childTnLst>
+        </p:cTn>
+      </p:par>
+    </p:tnLst>
+    <p:bldLst>
+      <p:bldP spid="3" grpId="0" build="p"/>
+    </p:bldLst>
+  </p:timing>
+</p:sld>
+</file>
+
+<file path=ppt/slides/slide4.xml><?xml version="1.0" encoding="utf-8"?>
+<p:sld xmlns:a="http://schemas.openxmlformats.org/drawingml/2006/main" xmlns:r="http://schemas.openxmlformats.org/officeDocument/2006/relationships" xmlns:p="http://schemas.openxmlformats.org/presentationml/2006/main">
+  <p:cSld>
+    <p:spTree>
+      <p:nvGrpSpPr>
+        <p:cNvPr id="1" name=""/>
+        <p:cNvGrpSpPr/>
+        <p:nvPr/>
+      </p:nvGrpSpPr>
+      <p:grpSpPr>
+        <a:xfrm>
+          <a:off x="0" y="0"/>
+          <a:ext cx="0" cy="0"/>
+          <a:chOff x="0" y="0"/>
+          <a:chExt cx="0" cy="0"/>
+        </a:xfrm>
+      </p:grpSpPr>
+      <p:sp>
+        <p:nvSpPr>
+          <p:cNvPr id="2" name="Title 1">
+            <a:extLst>
+              <a:ext uri="{FF2B5EF4-FFF2-40B4-BE49-F238E27FC236}">
+                <a16:creationId xmlns:a16="http://schemas.microsoft.com/office/drawing/2014/main" id="{4B36F465-CEC2-4E69-A0A6-D0F1CC276B98}"/>
+              </a:ext>
+            </a:extLst>
+          </p:cNvPr>
+          <p:cNvSpPr>
+            <a:spLocks noGrp="1"/>
+          </p:cNvSpPr>
+          <p:nvPr>
+            <p:ph type="title"/>
+          </p:nvPr>
+        </p:nvSpPr>
+        <p:spPr>
+          <a:xfrm>
+            <a:off x="2734235" y="170330"/>
+            <a:ext cx="8768788" cy="896470"/>
+          </a:xfrm>
+        </p:spPr>
+        <p:txBody>
+          <a:bodyPr>
+            <a:normAutofit/>
+          </a:bodyPr>
+          <a:lstStyle/>
+          <a:p>
+            <a:pPr algn="l"/>
+            <a:r>
+              <a:rPr lang="en-GB" sz="4400" u="sng" dirty="0">
+                <a:uFill>
+                  <a:solidFill>
+                    <a:srgbClr val="00B0F0"/>
+                  </a:solidFill>
+                </a:uFill>
+                <a:latin typeface="Poppins" panose="00000500000000000000" pitchFamily="2" charset="0"/>
+                <a:cs typeface="Poppins" panose="00000500000000000000" pitchFamily="2" charset="0"/>
+              </a:rPr>
+              <a:t>Technology Justification</a:t>
+            </a:r>
+          </a:p>
+        </p:txBody>
+      </p:sp>
+      <p:sp>
+        <p:nvSpPr>
+          <p:cNvPr id="3" name="Content Placeholder 2">
+            <a:extLst>
+              <a:ext uri="{FF2B5EF4-FFF2-40B4-BE49-F238E27FC236}">
+                <a16:creationId xmlns:a16="http://schemas.microsoft.com/office/drawing/2014/main" id="{F4F2454B-F509-48C2-8E21-100D3A873769}"/>
+              </a:ext>
+            </a:extLst>
+          </p:cNvPr>
+          <p:cNvSpPr>
+            <a:spLocks noGrp="1"/>
+          </p:cNvSpPr>
+          <p:nvPr>
+            <p:ph idx="1"/>
+          </p:nvPr>
+        </p:nvSpPr>
+        <p:spPr>
+          <a:xfrm>
+            <a:off x="2734235" y="1245267"/>
+            <a:ext cx="8293274" cy="975660"/>
+          </a:xfrm>
+        </p:spPr>
+        <p:txBody>
+          <a:bodyPr anchor="t"/>
+          <a:lstStyle/>
+          <a:p>
+            <a:r>
+              <a:rPr lang="en-GB" dirty="0"/>
+              <a:t>MEAN Stack (MongoDB, ExpressJS, AngularJS, NodeJS)</a:t>
+            </a:r>
+          </a:p>
+        </p:txBody>
+      </p:sp>
+      <p:pic>
+        <p:nvPicPr>
+          <p:cNvPr id="13" name="Graphic 12">
+            <a:extLst>
+              <a:ext uri="{FF2B5EF4-FFF2-40B4-BE49-F238E27FC236}">
+                <a16:creationId xmlns:a16="http://schemas.microsoft.com/office/drawing/2014/main" id="{C507E2DB-1ECD-46EF-8C4C-673D1F337685}"/>
+              </a:ext>
+            </a:extLst>
+          </p:cNvPr>
+          <p:cNvPicPr>
+            <a:picLocks noChangeAspect="1"/>
+          </p:cNvPicPr>
+          <p:nvPr/>
+        </p:nvPicPr>
+        <p:blipFill>
+          <a:blip r:embed="rId2">
+            <a:extLst>
+              <a:ext uri="{28A0092B-C50C-407E-A947-70E740481C1C}">
+                <a14:useLocalDpi xmlns:a14="http://schemas.microsoft.com/office/drawing/2010/main" val="0"/>
+              </a:ext>
+              <a:ext uri="{96DAC541-7B7A-43D3-8B79-37D633B846F1}">
+                <asvg:svgBlip xmlns:asvg="http://schemas.microsoft.com/office/drawing/2016/SVG/main" r:embed="rId3"/>
+              </a:ext>
+            </a:extLst>
+          </a:blip>
+          <a:stretch>
+            <a:fillRect/>
+          </a:stretch>
+        </p:blipFill>
+        <p:spPr>
+          <a:xfrm>
+            <a:off x="6274121" y="2208454"/>
+            <a:ext cx="1552595" cy="1645011"/>
+          </a:xfrm>
+          <a:prstGeom prst="rect">
+            <a:avLst/>
+          </a:prstGeom>
+        </p:spPr>
+      </p:pic>
+      <p:pic>
+        <p:nvPicPr>
+          <p:cNvPr id="17" name="Picture 16">
+            <a:extLst>
+              <a:ext uri="{FF2B5EF4-FFF2-40B4-BE49-F238E27FC236}">
+                <a16:creationId xmlns:a16="http://schemas.microsoft.com/office/drawing/2014/main" id="{66252664-6BCA-4CA4-B75E-461C76034839}"/>
+              </a:ext>
+            </a:extLst>
+          </p:cNvPr>
+          <p:cNvPicPr>
+            <a:picLocks noChangeAspect="1"/>
+          </p:cNvPicPr>
+          <p:nvPr/>
+        </p:nvPicPr>
+        <p:blipFill rotWithShape="1">
+          <a:blip r:embed="rId4">
+            <a:extLst>
+              <a:ext uri="{28A0092B-C50C-407E-A947-70E740481C1C}">
+                <a14:useLocalDpi xmlns:a14="http://schemas.microsoft.com/office/drawing/2010/main" val="0"/>
+              </a:ext>
+            </a:extLst>
+          </a:blip>
+          <a:srcRect l="18091" t="14911" r="15571" b="12970"/>
+          <a:stretch/>
+        </p:blipFill>
+        <p:spPr>
+          <a:xfrm>
+            <a:off x="8033318" y="2095656"/>
+            <a:ext cx="1727864" cy="1878446"/>
+          </a:xfrm>
+          <a:prstGeom prst="rect">
+            <a:avLst/>
+          </a:prstGeom>
+        </p:spPr>
+      </p:pic>
+      <p:pic>
+        <p:nvPicPr>
+          <p:cNvPr id="20" name="Picture 19">
+            <a:extLst>
+              <a:ext uri="{FF2B5EF4-FFF2-40B4-BE49-F238E27FC236}">
+                <a16:creationId xmlns:a16="http://schemas.microsoft.com/office/drawing/2014/main" id="{EE57A966-F907-4F99-B582-6658326DCB3A}"/>
+              </a:ext>
+            </a:extLst>
+          </p:cNvPr>
+          <p:cNvPicPr>
+            <a:picLocks noChangeAspect="1"/>
+          </p:cNvPicPr>
+          <p:nvPr/>
+        </p:nvPicPr>
+        <p:blipFill rotWithShape="1">
+          <a:blip r:embed="rId5">
+            <a:extLst>
+              <a:ext uri="{28A0092B-C50C-407E-A947-70E740481C1C}">
+                <a14:useLocalDpi xmlns:a14="http://schemas.microsoft.com/office/drawing/2010/main" val="0"/>
+              </a:ext>
+            </a:extLst>
+          </a:blip>
+          <a:srcRect b="27169"/>
+          <a:stretch/>
+        </p:blipFill>
+        <p:spPr>
+          <a:xfrm>
+            <a:off x="2418472" y="1894584"/>
+            <a:ext cx="2359268" cy="2013687"/>
+          </a:xfrm>
+          <a:prstGeom prst="rect">
+            <a:avLst/>
+          </a:prstGeom>
+        </p:spPr>
+      </p:pic>
+      <p:pic>
+        <p:nvPicPr>
+          <p:cNvPr id="21" name="Picture 20">
+            <a:extLst>
+              <a:ext uri="{FF2B5EF4-FFF2-40B4-BE49-F238E27FC236}">
+                <a16:creationId xmlns:a16="http://schemas.microsoft.com/office/drawing/2014/main" id="{7A72DA22-C646-4E38-9059-FB1FD997BD56}"/>
+              </a:ext>
+            </a:extLst>
+          </p:cNvPr>
+          <p:cNvPicPr>
+            <a:picLocks noChangeAspect="1"/>
+          </p:cNvPicPr>
+          <p:nvPr/>
+        </p:nvPicPr>
+        <p:blipFill rotWithShape="1">
+          <a:blip r:embed="rId6">
+            <a:extLst>
+              <a:ext uri="{28A0092B-C50C-407E-A947-70E740481C1C}">
+                <a14:useLocalDpi xmlns:a14="http://schemas.microsoft.com/office/drawing/2010/main" val="0"/>
+              </a:ext>
+            </a:extLst>
+          </a:blip>
+          <a:srcRect l="21004" r="20125"/>
+          <a:stretch/>
+        </p:blipFill>
+        <p:spPr>
+          <a:xfrm>
+            <a:off x="4405544" y="2193681"/>
+            <a:ext cx="1860957" cy="1706970"/>
+          </a:xfrm>
+          <a:prstGeom prst="rect">
+            <a:avLst/>
+          </a:prstGeom>
+        </p:spPr>
+      </p:pic>
+    </p:spTree>
+    <p:extLst>
+      <p:ext uri="{BB962C8B-B14F-4D97-AF65-F5344CB8AC3E}">
+        <p14:creationId xmlns:p14="http://schemas.microsoft.com/office/powerpoint/2010/main" val="2265490999"/>
+      </p:ext>
+    </p:extLst>
+  </p:cSld>
+  <p:clrMapOvr>
+    <a:masterClrMapping/>
+  </p:clrMapOvr>
+  <p:timing>
+    <p:tnLst>
+      <p:par>
+        <p:cTn id="1" dur="indefinite" restart="never" nodeType="tmRoot">
+          <p:childTnLst>
+            <p:seq concurrent="1" nextAc="seek">
+              <p:cTn id="2" dur="indefinite" nodeType="mainSeq">
+                <p:childTnLst>
+                  <p:par>
+                    <p:cTn id="3" fill="hold">
+                      <p:stCondLst>
+                        <p:cond delay="indefinite"/>
+                      </p:stCondLst>
+                      <p:childTnLst>
+                        <p:par>
+                          <p:cTn id="4" fill="hold">
+                            <p:stCondLst>
+                              <p:cond delay="0"/>
+                            </p:stCondLst>
+                            <p:childTnLst>
+                              <p:par>
+                                <p:cTn id="5" presetID="10" presetClass="entr" presetSubtype="0" fill="hold" grpId="0" nodeType="clickEffect">
+                                  <p:stCondLst>
+                                    <p:cond delay="0"/>
+                                  </p:stCondLst>
+                                  <p:childTnLst>
+                                    <p:set>
+                                      <p:cBhvr>
+                                        <p:cTn id="6" dur="1" fill="hold">
+                                          <p:stCondLst>
+                                            <p:cond delay="0"/>
+                                          </p:stCondLst>
+                                        </p:cTn>
+                                        <p:tgtEl>
+                                          <p:spTgt spid="3">
+                                            <p:txEl>
+                                              <p:pRg st="0" end="0"/>
+                                            </p:txEl>
+                                          </p:spTgt>
+                                        </p:tgtEl>
+                                        <p:attrNameLst>
+                                          <p:attrName>style.visibility</p:attrName>
+                                        </p:attrNameLst>
+                                      </p:cBhvr>
+                                      <p:to>
+                                        <p:strVal val="visible"/>
+                                      </p:to>
+                                    </p:set>
+                                    <p:animEffect transition="in" filter="fade">
+                                      <p:cBhvr>
+                                        <p:cTn id="7" dur="500"/>
+                                        <p:tgtEl>
+                                          <p:spTgt spid="3">
+                                            <p:txEl>
+                                              <p:pRg st="0" end="0"/>
+                                            </p:txEl>
+                                          </p:spTgt>
+                                        </p:tgtEl>
+                                      </p:cBhvr>
+                                    </p:animEffect>
+                                  </p:childTnLst>
+                                </p:cTn>
+                              </p:par>
+                            </p:childTnLst>
+                          </p:cTn>
+                        </p:par>
+                      </p:childTnLst>
+                    </p:cTn>
+                  </p:par>
+                  <p:par>
+                    <p:cTn id="8" fill="hold">
+                      <p:stCondLst>
+                        <p:cond delay="indefinite"/>
+                      </p:stCondLst>
+                      <p:childTnLst>
+                        <p:par>
+                          <p:cTn id="9" fill="hold">
+                            <p:stCondLst>
+                              <p:cond delay="0"/>
+                            </p:stCondLst>
+                            <p:childTnLst>
+                              <p:par>
+                                <p:cTn id="10" presetID="53" presetClass="entr" presetSubtype="16" fill="hold" nodeType="clickEffect">
+                                  <p:stCondLst>
+                                    <p:cond delay="0"/>
+                                  </p:stCondLst>
+                                  <p:childTnLst>
+                                    <p:set>
+                                      <p:cBhvr>
+                                        <p:cTn id="11" dur="1" fill="hold">
+                                          <p:stCondLst>
+                                            <p:cond delay="0"/>
+                                          </p:stCondLst>
+                                        </p:cTn>
+                                        <p:tgtEl>
+                                          <p:spTgt spid="20"/>
+                                        </p:tgtEl>
+                                        <p:attrNameLst>
+                                          <p:attrName>style.visibility</p:attrName>
+                                        </p:attrNameLst>
+                                      </p:cBhvr>
+                                      <p:to>
+                                        <p:strVal val="visible"/>
+                                      </p:to>
+                                    </p:set>
+                                    <p:anim calcmode="lin" valueType="num">
+                                      <p:cBhvr>
+                                        <p:cTn id="12" dur="500" fill="hold"/>
+                                        <p:tgtEl>
+                                          <p:spTgt spid="20"/>
+                                        </p:tgtEl>
+                                        <p:attrNameLst>
+                                          <p:attrName>ppt_w</p:attrName>
+                                        </p:attrNameLst>
+                                      </p:cBhvr>
+                                      <p:tavLst>
+                                        <p:tav tm="0">
+                                          <p:val>
+                                            <p:fltVal val="0"/>
+                                          </p:val>
+                                        </p:tav>
+                                        <p:tav tm="100000">
+                                          <p:val>
+                                            <p:strVal val="#ppt_w"/>
+                                          </p:val>
+                                        </p:tav>
+                                      </p:tavLst>
+                                    </p:anim>
+                                    <p:anim calcmode="lin" valueType="num">
+                                      <p:cBhvr>
+                                        <p:cTn id="13" dur="500" fill="hold"/>
+                                        <p:tgtEl>
+                                          <p:spTgt spid="20"/>
+                                        </p:tgtEl>
+                                        <p:attrNameLst>
+                                          <p:attrName>ppt_h</p:attrName>
+                                        </p:attrNameLst>
+                                      </p:cBhvr>
+                                      <p:tavLst>
+                                        <p:tav tm="0">
+                                          <p:val>
+                                            <p:fltVal val="0"/>
+                                          </p:val>
+                                        </p:tav>
+                                        <p:tav tm="100000">
+                                          <p:val>
+                                            <p:strVal val="#ppt_h"/>
+                                          </p:val>
+                                        </p:tav>
+                                      </p:tavLst>
+                                    </p:anim>
+                                    <p:animEffect transition="in" filter="fade">
+                                      <p:cBhvr>
+                                        <p:cTn id="14" dur="500"/>
+                                        <p:tgtEl>
+                                          <p:spTgt spid="20"/>
+                                        </p:tgtEl>
+                                      </p:cBhvr>
+                                    </p:animEffect>
+                                  </p:childTnLst>
+                                </p:cTn>
+                              </p:par>
+                            </p:childTnLst>
+                          </p:cTn>
+                        </p:par>
+                      </p:childTnLst>
+                    </p:cTn>
+                  </p:par>
+                  <p:par>
+                    <p:cTn id="15" fill="hold">
+                      <p:stCondLst>
+                        <p:cond delay="indefinite"/>
+                      </p:stCondLst>
+                      <p:childTnLst>
+                        <p:par>
+                          <p:cTn id="16" fill="hold">
+                            <p:stCondLst>
+                              <p:cond delay="0"/>
+                            </p:stCondLst>
+                            <p:childTnLst>
+                              <p:par>
+                                <p:cTn id="17" presetID="53" presetClass="entr" presetSubtype="16" fill="hold" nodeType="clickEffect">
+                                  <p:stCondLst>
+                                    <p:cond delay="0"/>
+                                  </p:stCondLst>
+                                  <p:childTnLst>
+                                    <p:set>
+                                      <p:cBhvr>
+                                        <p:cTn id="18" dur="1" fill="hold">
+                                          <p:stCondLst>
+                                            <p:cond delay="0"/>
+                                          </p:stCondLst>
+                                        </p:cTn>
+                                        <p:tgtEl>
+                                          <p:spTgt spid="21"/>
+                                        </p:tgtEl>
+                                        <p:attrNameLst>
+                                          <p:attrName>style.visibility</p:attrName>
+                                        </p:attrNameLst>
+                                      </p:cBhvr>
+                                      <p:to>
+                                        <p:strVal val="visible"/>
+                                      </p:to>
+                                    </p:set>
+                                    <p:anim calcmode="lin" valueType="num">
+                                      <p:cBhvr>
+                                        <p:cTn id="19" dur="500" fill="hold"/>
+                                        <p:tgtEl>
+                                          <p:spTgt spid="21"/>
+                                        </p:tgtEl>
+                                        <p:attrNameLst>
+                                          <p:attrName>ppt_w</p:attrName>
+                                        </p:attrNameLst>
+                                      </p:cBhvr>
+                                      <p:tavLst>
+                                        <p:tav tm="0">
+                                          <p:val>
+                                            <p:fltVal val="0"/>
+                                          </p:val>
+                                        </p:tav>
+                                        <p:tav tm="100000">
+                                          <p:val>
+                                            <p:strVal val="#ppt_w"/>
+                                          </p:val>
+                                        </p:tav>
+                                      </p:tavLst>
+                                    </p:anim>
+                                    <p:anim calcmode="lin" valueType="num">
+                                      <p:cBhvr>
+                                        <p:cTn id="20" dur="500" fill="hold"/>
+                                        <p:tgtEl>
+                                          <p:spTgt spid="21"/>
+                                        </p:tgtEl>
+                                        <p:attrNameLst>
+                                          <p:attrName>ppt_h</p:attrName>
+                                        </p:attrNameLst>
+                                      </p:cBhvr>
+                                      <p:tavLst>
+                                        <p:tav tm="0">
+                                          <p:val>
+                                            <p:fltVal val="0"/>
+                                          </p:val>
+                                        </p:tav>
+                                        <p:tav tm="100000">
+                                          <p:val>
+                                            <p:strVal val="#ppt_h"/>
+                                          </p:val>
+                                        </p:tav>
+                                      </p:tavLst>
+                                    </p:anim>
+                                    <p:animEffect transition="in" filter="fade">
+                                      <p:cBhvr>
+                                        <p:cTn id="21" dur="500"/>
+                                        <p:tgtEl>
+                                          <p:spTgt spid="21"/>
+                                        </p:tgtEl>
+                                      </p:cBhvr>
+                                    </p:animEffect>
+                                  </p:childTnLst>
+                                </p:cTn>
+                              </p:par>
+                            </p:childTnLst>
+                          </p:cTn>
+                        </p:par>
+                      </p:childTnLst>
+                    </p:cTn>
+                  </p:par>
+                  <p:par>
+                    <p:cTn id="22" fill="hold">
+                      <p:stCondLst>
+                        <p:cond delay="indefinite"/>
+                      </p:stCondLst>
+                      <p:childTnLst>
+                        <p:par>
+                          <p:cTn id="23" fill="hold">
+                            <p:stCondLst>
+                              <p:cond delay="0"/>
+                            </p:stCondLst>
+                            <p:childTnLst>
+                              <p:par>
+                                <p:cTn id="24" presetID="53" presetClass="entr" presetSubtype="16" fill="hold" nodeType="clickEffect">
+                                  <p:stCondLst>
+                                    <p:cond delay="0"/>
+                                  </p:stCondLst>
+                                  <p:childTnLst>
+                                    <p:set>
+                                      <p:cBhvr>
+                                        <p:cTn id="25" dur="1" fill="hold">
+                                          <p:stCondLst>
+                                            <p:cond delay="0"/>
+                                          </p:stCondLst>
+                                        </p:cTn>
+                                        <p:tgtEl>
+                                          <p:spTgt spid="13"/>
+                                        </p:tgtEl>
+                                        <p:attrNameLst>
+                                          <p:attrName>style.visibility</p:attrName>
+                                        </p:attrNameLst>
+                                      </p:cBhvr>
+                                      <p:to>
+                                        <p:strVal val="visible"/>
+                                      </p:to>
+                                    </p:set>
+                                    <p:anim calcmode="lin" valueType="num">
+                                      <p:cBhvr>
+                                        <p:cTn id="26" dur="500" fill="hold"/>
+                                        <p:tgtEl>
+                                          <p:spTgt spid="13"/>
+                                        </p:tgtEl>
+                                        <p:attrNameLst>
+                                          <p:attrName>ppt_w</p:attrName>
+                                        </p:attrNameLst>
+                                      </p:cBhvr>
+                                      <p:tavLst>
+                                        <p:tav tm="0">
+                                          <p:val>
+                                            <p:fltVal val="0"/>
+                                          </p:val>
+                                        </p:tav>
+                                        <p:tav tm="100000">
+                                          <p:val>
+                                            <p:strVal val="#ppt_w"/>
+                                          </p:val>
+                                        </p:tav>
+                                      </p:tavLst>
+                                    </p:anim>
+                                    <p:anim calcmode="lin" valueType="num">
+                                      <p:cBhvr>
+                                        <p:cTn id="27" dur="500" fill="hold"/>
+                                        <p:tgtEl>
+                                          <p:spTgt spid="13"/>
+                                        </p:tgtEl>
+                                        <p:attrNameLst>
+                                          <p:attrName>ppt_h</p:attrName>
+                                        </p:attrNameLst>
+                                      </p:cBhvr>
+                                      <p:tavLst>
+                                        <p:tav tm="0">
+                                          <p:val>
+                                            <p:fltVal val="0"/>
+                                          </p:val>
+                                        </p:tav>
+                                        <p:tav tm="100000">
+                                          <p:val>
+                                            <p:strVal val="#ppt_h"/>
+                                          </p:val>
+                                        </p:tav>
+                                      </p:tavLst>
+                                    </p:anim>
+                                    <p:animEffect transition="in" filter="fade">
+                                      <p:cBhvr>
+                                        <p:cTn id="28" dur="500"/>
+                                        <p:tgtEl>
+                                          <p:spTgt spid="13"/>
+                                        </p:tgtEl>
+                                      </p:cBhvr>
+                                    </p:animEffect>
+                                  </p:childTnLst>
+                                </p:cTn>
+                              </p:par>
+                            </p:childTnLst>
+                          </p:cTn>
+                        </p:par>
+                      </p:childTnLst>
+                    </p:cTn>
+                  </p:par>
+                  <p:par>
+                    <p:cTn id="29" fill="hold">
+                      <p:stCondLst>
+                        <p:cond delay="indefinite"/>
+                      </p:stCondLst>
+                      <p:childTnLst>
+                        <p:par>
+                          <p:cTn id="30" fill="hold">
+                            <p:stCondLst>
+                              <p:cond delay="0"/>
+                            </p:stCondLst>
+                            <p:childTnLst>
+                              <p:par>
+                                <p:cTn id="31" presetID="53" presetClass="entr" presetSubtype="16" fill="hold" nodeType="clickEffect">
+                                  <p:stCondLst>
+                                    <p:cond delay="0"/>
+                                  </p:stCondLst>
+                                  <p:childTnLst>
+                                    <p:set>
+                                      <p:cBhvr>
+                                        <p:cTn id="32" dur="1" fill="hold">
+                                          <p:stCondLst>
+                                            <p:cond delay="0"/>
+                                          </p:stCondLst>
+                                        </p:cTn>
+                                        <p:tgtEl>
+                                          <p:spTgt spid="17"/>
+                                        </p:tgtEl>
+                                        <p:attrNameLst>
+                                          <p:attrName>style.visibility</p:attrName>
+                                        </p:attrNameLst>
+                                      </p:cBhvr>
+                                      <p:to>
+                                        <p:strVal val="visible"/>
+                                      </p:to>
+                                    </p:set>
+                                    <p:anim calcmode="lin" valueType="num">
+                                      <p:cBhvr>
+                                        <p:cTn id="33" dur="500" fill="hold"/>
+                                        <p:tgtEl>
+                                          <p:spTgt spid="17"/>
+                                        </p:tgtEl>
+                                        <p:attrNameLst>
+                                          <p:attrName>ppt_w</p:attrName>
+                                        </p:attrNameLst>
+                                      </p:cBhvr>
+                                      <p:tavLst>
+                                        <p:tav tm="0">
+                                          <p:val>
+                                            <p:fltVal val="0"/>
+                                          </p:val>
+                                        </p:tav>
+                                        <p:tav tm="100000">
+                                          <p:val>
+                                            <p:strVal val="#ppt_w"/>
+                                          </p:val>
+                                        </p:tav>
+                                      </p:tavLst>
+                                    </p:anim>
+                                    <p:anim calcmode="lin" valueType="num">
+                                      <p:cBhvr>
+                                        <p:cTn id="34" dur="500" fill="hold"/>
+                                        <p:tgtEl>
+                                          <p:spTgt spid="17"/>
+                                        </p:tgtEl>
+                                        <p:attrNameLst>
+                                          <p:attrName>ppt_h</p:attrName>
+                                        </p:attrNameLst>
+                                      </p:cBhvr>
+                                      <p:tavLst>
+                                        <p:tav tm="0">
+                                          <p:val>
+                                            <p:fltVal val="0"/>
+                                          </p:val>
+                                        </p:tav>
+                                        <p:tav tm="100000">
+                                          <p:val>
+                                            <p:strVal val="#ppt_h"/>
+                                          </p:val>
+                                        </p:tav>
+                                      </p:tavLst>
+                                    </p:anim>
+                                    <p:animEffect transition="in" filter="fade">
+                                      <p:cBhvr>
+                                        <p:cTn id="35" dur="500"/>
+                                        <p:tgtEl>
+                                          <p:spTgt spid="17"/>
+                                        </p:tgtEl>
+                                      </p:cBhvr>
+                                    </p:animEffect>
+                                  </p:childTnLst>
+                                </p:cTn>
+                              </p:par>
+                            </p:childTnLst>
+                          </p:cTn>
+                        </p:par>
+                      </p:childTnLst>
+                    </p:cTn>
+                  </p:par>
+                </p:childTnLst>
+              </p:cTn>
+              <p:prevCondLst>
+                <p:cond evt="onPrev" delay="0">
+                  <p:tgtEl>
+                    <p:sldTgt/>
+                  </p:tgtEl>
+                </p:cond>
+              </p:prevCondLst>
+              <p:nextCondLst>
+                <p:cond evt="onNext" delay="0">
+                  <p:tgtEl>
+                    <p:sldTgt/>
+                  </p:tgtEl>
+                </p:cond>
+              </p:nextCondLst>
+            </p:seq>
+          </p:childTnLst>
+        </p:cTn>
+      </p:par>
+    </p:tnLst>
+    <p:bldLst>
+      <p:bldP spid="3" grpId="0" build="p"/>
+    </p:bldLst>
+  </p:timing>
+</p:sld>
+</file>
+
+<file path=ppt/slides/slide5.xml><?xml version="1.0" encoding="utf-8"?>
+<p:sld xmlns:a="http://schemas.openxmlformats.org/drawingml/2006/main" xmlns:r="http://schemas.openxmlformats.org/officeDocument/2006/relationships" xmlns:p="http://schemas.openxmlformats.org/presentationml/2006/main">
+  <p:cSld>
+    <p:spTree>
+      <p:nvGrpSpPr>
+        <p:cNvPr id="1" name=""/>
+        <p:cNvGrpSpPr/>
+        <p:nvPr/>
+      </p:nvGrpSpPr>
+      <p:grpSpPr>
+        <a:xfrm>
+          <a:off x="0" y="0"/>
+          <a:ext cx="0" cy="0"/>
+          <a:chOff x="0" y="0"/>
+          <a:chExt cx="0" cy="0"/>
+        </a:xfrm>
+      </p:grpSpPr>
+      <p:sp>
+        <p:nvSpPr>
+          <p:cNvPr id="2" name="Title 1">
+            <a:extLst>
+              <a:ext uri="{FF2B5EF4-FFF2-40B4-BE49-F238E27FC236}">
+                <a16:creationId xmlns:a16="http://schemas.microsoft.com/office/drawing/2014/main" id="{4B36F465-CEC2-4E69-A0A6-D0F1CC276B98}"/>
+              </a:ext>
+            </a:extLst>
+          </p:cNvPr>
+          <p:cNvSpPr>
+            <a:spLocks noGrp="1"/>
+          </p:cNvSpPr>
+          <p:nvPr>
+            <p:ph type="title"/>
+          </p:nvPr>
+        </p:nvSpPr>
+        <p:spPr>
+          <a:xfrm>
+            <a:off x="2734235" y="170330"/>
+            <a:ext cx="8768788" cy="896470"/>
+          </a:xfrm>
+        </p:spPr>
+        <p:txBody>
+          <a:bodyPr>
+            <a:normAutofit/>
+          </a:bodyPr>
+          <a:lstStyle/>
+          <a:p>
+            <a:pPr algn="l"/>
+            <a:r>
+              <a:rPr lang="en-GB" sz="4400" u="sng" dirty="0">
+                <a:uFill>
+                  <a:solidFill>
+                    <a:srgbClr val="00B0F0"/>
+                  </a:solidFill>
+                </a:uFill>
+                <a:latin typeface="Poppins" panose="00000500000000000000" pitchFamily="2" charset="0"/>
+                <a:cs typeface="Poppins" panose="00000500000000000000" pitchFamily="2" charset="0"/>
+              </a:rPr>
+              <a:t>Technology Justification</a:t>
+            </a:r>
+          </a:p>
+        </p:txBody>
+      </p:sp>
+      <p:sp>
+        <p:nvSpPr>
+          <p:cNvPr id="3" name="Content Placeholder 2">
+            <a:extLst>
+              <a:ext uri="{FF2B5EF4-FFF2-40B4-BE49-F238E27FC236}">
+                <a16:creationId xmlns:a16="http://schemas.microsoft.com/office/drawing/2014/main" id="{F4F2454B-F509-48C2-8E21-100D3A873769}"/>
+              </a:ext>
+            </a:extLst>
+          </p:cNvPr>
+          <p:cNvSpPr>
+            <a:spLocks noGrp="1"/>
+          </p:cNvSpPr>
+          <p:nvPr>
+            <p:ph idx="1"/>
+          </p:nvPr>
+        </p:nvSpPr>
+        <p:spPr>
+          <a:xfrm>
+            <a:off x="2734235" y="1245267"/>
+            <a:ext cx="8293274" cy="975660"/>
+          </a:xfrm>
+        </p:spPr>
+        <p:txBody>
+          <a:bodyPr anchor="t"/>
+          <a:lstStyle/>
+          <a:p>
+            <a:r>
+              <a:rPr lang="en-GB" dirty="0"/>
+              <a:t>D3 (Data Driven Documents) JavaScript Library</a:t>
+            </a:r>
+          </a:p>
+        </p:txBody>
+      </p:sp>
+      <p:pic>
+        <p:nvPicPr>
+          <p:cNvPr id="7" name="Picture 6">
+            <a:extLst>
+              <a:ext uri="{FF2B5EF4-FFF2-40B4-BE49-F238E27FC236}">
+                <a16:creationId xmlns:a16="http://schemas.microsoft.com/office/drawing/2014/main" id="{DB435063-2263-401A-9EBE-D307E4013AE1}"/>
+              </a:ext>
+            </a:extLst>
+          </p:cNvPr>
+          <p:cNvPicPr>
+            <a:picLocks noChangeAspect="1"/>
+          </p:cNvPicPr>
+          <p:nvPr/>
+        </p:nvPicPr>
+        <p:blipFill rotWithShape="1">
+          <a:blip r:embed="rId3">
+            <a:extLst>
+              <a:ext uri="{28A0092B-C50C-407E-A947-70E740481C1C}">
+                <a14:useLocalDpi xmlns:a14="http://schemas.microsoft.com/office/drawing/2010/main" val="0"/>
+              </a:ext>
+            </a:extLst>
+          </a:blip>
+          <a:srcRect l="62067"/>
+          <a:stretch/>
+        </p:blipFill>
+        <p:spPr>
+          <a:xfrm>
+            <a:off x="2734235" y="2042160"/>
+            <a:ext cx="2553292" cy="2473642"/>
+          </a:xfrm>
+          <a:prstGeom prst="rect">
+            <a:avLst/>
+          </a:prstGeom>
+        </p:spPr>
+      </p:pic>
+    </p:spTree>
+    <p:extLst>
+      <p:ext uri="{BB962C8B-B14F-4D97-AF65-F5344CB8AC3E}">
+        <p14:creationId xmlns:p14="http://schemas.microsoft.com/office/powerpoint/2010/main" val="3481783377"/>
+      </p:ext>
+    </p:extLst>
+  </p:cSld>
+  <p:clrMapOvr>
+    <a:masterClrMapping/>
+  </p:clrMapOvr>
+  <p:timing>
+    <p:tnLst>
+      <p:par>
+        <p:cTn id="1" dur="indefinite" restart="never" nodeType="tmRoot">
+          <p:childTnLst>
+            <p:seq concurrent="1" nextAc="seek">
+              <p:cTn id="2" dur="indefinite" nodeType="mainSeq">
+                <p:childTnLst>
+                  <p:par>
+                    <p:cTn id="3" fill="hold">
+                      <p:stCondLst>
+                        <p:cond delay="indefinite"/>
+                      </p:stCondLst>
+                      <p:childTnLst>
+                        <p:par>
+                          <p:cTn id="4" fill="hold">
+                            <p:stCondLst>
+                              <p:cond delay="0"/>
+                            </p:stCondLst>
+                            <p:childTnLst>
+                              <p:par>
+                                <p:cTn id="5" presetID="10" presetClass="entr" presetSubtype="0" fill="hold" grpId="0" nodeType="clickEffect">
+                                  <p:stCondLst>
+                                    <p:cond delay="0"/>
+                                  </p:stCondLst>
+                                  <p:childTnLst>
+                                    <p:set>
+                                      <p:cBhvr>
+                                        <p:cTn id="6" dur="1" fill="hold">
+                                          <p:stCondLst>
+                                            <p:cond delay="0"/>
+                                          </p:stCondLst>
+                                        </p:cTn>
+                                        <p:tgtEl>
+                                          <p:spTgt spid="3">
+                                            <p:txEl>
+                                              <p:pRg st="0" end="0"/>
+                                            </p:txEl>
+                                          </p:spTgt>
+                                        </p:tgtEl>
+                                        <p:attrNameLst>
+                                          <p:attrName>style.visibility</p:attrName>
+                                        </p:attrNameLst>
+                                      </p:cBhvr>
+                                      <p:to>
+                                        <p:strVal val="visible"/>
+                                      </p:to>
+                                    </p:set>
+                                    <p:animEffect transition="in" filter="fade">
+                                      <p:cBhvr>
+                                        <p:cTn id="7" dur="500"/>
+                                        <p:tgtEl>
+                                          <p:spTgt spid="3">
+                                            <p:txEl>
+                                              <p:pRg st="0" end="0"/>
+                                            </p:txEl>
+                                          </p:spTgt>
+                                        </p:tgtEl>
+                                      </p:cBhvr>
+                                    </p:animEffect>
+                                  </p:childTnLst>
+                                </p:cTn>
+                              </p:par>
+                            </p:childTnLst>
+                          </p:cTn>
+                        </p:par>
+                      </p:childTnLst>
+                    </p:cTn>
+                  </p:par>
+                </p:childTnLst>
+              </p:cTn>
+              <p:prevCondLst>
+                <p:cond evt="onPrev" delay="0">
+                  <p:tgtEl>
+                    <p:sldTgt/>
+                  </p:tgtEl>
+                </p:cond>
+              </p:prevCondLst>
+              <p:nextCondLst>
+                <p:cond evt="onNext" delay="0">
+                  <p:tgtEl>
+                    <p:sldTgt/>
+                  </p:tgtEl>
+                </p:cond>
+              </p:nextCondLst>
+            </p:seq>
+          </p:childTnLst>
+        </p:cTn>
+      </p:par>
+    </p:tnLst>
+    <p:bldLst>
+      <p:bldP spid="3" grpId="0" build="p"/>
+    </p:bldLst>
+  </p:timing>
+</p:sld>
+</file>
+
+<file path=ppt/slides/slide6.xml><?xml version="1.0" encoding="utf-8"?>
+<p:sld xmlns:a="http://schemas.openxmlformats.org/drawingml/2006/main" xmlns:r="http://schemas.openxmlformats.org/officeDocument/2006/relationships" xmlns:p="http://schemas.openxmlformats.org/presentationml/2006/main">
+  <p:cSld>
+    <p:spTree>
+      <p:nvGrpSpPr>
+        <p:cNvPr id="1" name=""/>
+        <p:cNvGrpSpPr/>
+        <p:nvPr/>
+      </p:nvGrpSpPr>
+      <p:grpSpPr>
+        <a:xfrm>
+          <a:off x="0" y="0"/>
+          <a:ext cx="0" cy="0"/>
+          <a:chOff x="0" y="0"/>
+          <a:chExt cx="0" cy="0"/>
+        </a:xfrm>
+      </p:grpSpPr>
+      <p:sp>
+        <p:nvSpPr>
+          <p:cNvPr id="2" name="Title 1">
+            <a:extLst>
+              <a:ext uri="{FF2B5EF4-FFF2-40B4-BE49-F238E27FC236}">
+                <a16:creationId xmlns:a16="http://schemas.microsoft.com/office/drawing/2014/main" id="{4B36F465-CEC2-4E69-A0A6-D0F1CC276B98}"/>
+              </a:ext>
+            </a:extLst>
+          </p:cNvPr>
+          <p:cNvSpPr>
+            <a:spLocks noGrp="1"/>
+          </p:cNvSpPr>
+          <p:nvPr>
+            <p:ph type="title"/>
+          </p:nvPr>
+        </p:nvSpPr>
+        <p:spPr>
+          <a:xfrm>
+            <a:off x="2734235" y="170330"/>
+            <a:ext cx="8768788" cy="896470"/>
+          </a:xfrm>
+        </p:spPr>
+        <p:txBody>
+          <a:bodyPr>
+            <a:normAutofit/>
+          </a:bodyPr>
+          <a:lstStyle/>
+          <a:p>
+            <a:pPr algn="l"/>
+            <a:r>
+              <a:rPr lang="en-GB" sz="4400" u="sng" dirty="0">
+                <a:uFill>
+                  <a:solidFill>
+                    <a:srgbClr val="00B0F0"/>
+                  </a:solidFill>
+                </a:uFill>
+                <a:latin typeface="Poppins" panose="00000500000000000000" pitchFamily="2" charset="0"/>
+                <a:cs typeface="Poppins" panose="00000500000000000000" pitchFamily="2" charset="0"/>
+              </a:rPr>
+              <a:t>Technology Justification</a:t>
+            </a:r>
+          </a:p>
+        </p:txBody>
+      </p:sp>
+      <p:sp>
+        <p:nvSpPr>
+          <p:cNvPr id="3" name="Content Placeholder 2">
+            <a:extLst>
+              <a:ext uri="{FF2B5EF4-FFF2-40B4-BE49-F238E27FC236}">
+                <a16:creationId xmlns:a16="http://schemas.microsoft.com/office/drawing/2014/main" id="{F4F2454B-F509-48C2-8E21-100D3A873769}"/>
+              </a:ext>
+            </a:extLst>
+          </p:cNvPr>
+          <p:cNvSpPr>
+            <a:spLocks noGrp="1"/>
+          </p:cNvSpPr>
+          <p:nvPr>
+            <p:ph idx="1"/>
+          </p:nvPr>
+        </p:nvSpPr>
+        <p:spPr>
+          <a:xfrm>
+            <a:off x="2734235" y="1245267"/>
+            <a:ext cx="8293274" cy="975660"/>
+          </a:xfrm>
+        </p:spPr>
+        <p:txBody>
+          <a:bodyPr anchor="t"/>
+          <a:lstStyle/>
+          <a:p>
+            <a:r>
+              <a:rPr lang="en-GB" dirty="0"/>
+              <a:t>Git Version Control &amp; GitHub</a:t>
+            </a:r>
+          </a:p>
+        </p:txBody>
+      </p:sp>
+      <p:pic>
+        <p:nvPicPr>
+          <p:cNvPr id="5" name="Picture 4">
+            <a:extLst>
+              <a:ext uri="{FF2B5EF4-FFF2-40B4-BE49-F238E27FC236}">
+                <a16:creationId xmlns:a16="http://schemas.microsoft.com/office/drawing/2014/main" id="{CA9229F9-7FE9-4216-8E6E-41CDBA1AA338}"/>
+              </a:ext>
+            </a:extLst>
+          </p:cNvPr>
+          <p:cNvPicPr>
+            <a:picLocks noChangeAspect="1"/>
+          </p:cNvPicPr>
+          <p:nvPr/>
+        </p:nvPicPr>
+        <p:blipFill>
+          <a:blip r:embed="rId3">
+            <a:extLst>
+              <a:ext uri="{28A0092B-C50C-407E-A947-70E740481C1C}">
+                <a14:useLocalDpi xmlns:a14="http://schemas.microsoft.com/office/drawing/2010/main" val="0"/>
+              </a:ext>
+            </a:extLst>
+          </a:blip>
+          <a:stretch>
+            <a:fillRect/>
+          </a:stretch>
+        </p:blipFill>
+        <p:spPr>
+          <a:xfrm>
+            <a:off x="2734235" y="1834864"/>
+            <a:ext cx="1705689" cy="1705689"/>
+          </a:xfrm>
+          <a:prstGeom prst="rect">
+            <a:avLst/>
+          </a:prstGeom>
+        </p:spPr>
+      </p:pic>
+      <p:pic>
+        <p:nvPicPr>
+          <p:cNvPr id="8" name="Picture 7">
+            <a:extLst>
+              <a:ext uri="{FF2B5EF4-FFF2-40B4-BE49-F238E27FC236}">
+                <a16:creationId xmlns:a16="http://schemas.microsoft.com/office/drawing/2014/main" id="{4DD3964E-997A-432C-96AC-5F2EF7D2E192}"/>
+              </a:ext>
+            </a:extLst>
+          </p:cNvPr>
+          <p:cNvPicPr>
+            <a:picLocks noChangeAspect="1"/>
+          </p:cNvPicPr>
+          <p:nvPr/>
+        </p:nvPicPr>
+        <p:blipFill>
+          <a:blip r:embed="rId4">
+            <a:extLst>
+              <a:ext uri="{28A0092B-C50C-407E-A947-70E740481C1C}">
+                <a14:useLocalDpi xmlns:a14="http://schemas.microsoft.com/office/drawing/2010/main" val="0"/>
+              </a:ext>
+            </a:extLst>
+          </a:blip>
+          <a:stretch>
+            <a:fillRect/>
+          </a:stretch>
+        </p:blipFill>
+        <p:spPr>
+          <a:xfrm>
+            <a:off x="4752173" y="1834864"/>
+            <a:ext cx="1732447" cy="1732447"/>
+          </a:xfrm>
+          <a:prstGeom prst="rect">
+            <a:avLst/>
+          </a:prstGeom>
+        </p:spPr>
+      </p:pic>
+      <p:pic>
+        <p:nvPicPr>
+          <p:cNvPr id="10" name="Picture 9">
+            <a:extLst>
+              <a:ext uri="{FF2B5EF4-FFF2-40B4-BE49-F238E27FC236}">
+                <a16:creationId xmlns:a16="http://schemas.microsoft.com/office/drawing/2014/main" id="{96651D10-49A4-4EEB-915B-0D5E49FF43D0}"/>
+              </a:ext>
+            </a:extLst>
+          </p:cNvPr>
+          <p:cNvPicPr>
+            <a:picLocks noChangeAspect="1"/>
+          </p:cNvPicPr>
+          <p:nvPr/>
+        </p:nvPicPr>
+        <p:blipFill>
+          <a:blip r:embed="rId5">
+            <a:extLst>
+              <a:ext uri="{28A0092B-C50C-407E-A947-70E740481C1C}">
+                <a14:useLocalDpi xmlns:a14="http://schemas.microsoft.com/office/drawing/2010/main" val="0"/>
+              </a:ext>
+            </a:extLst>
+          </a:blip>
+          <a:stretch>
+            <a:fillRect/>
+          </a:stretch>
+        </p:blipFill>
+        <p:spPr>
+          <a:xfrm>
+            <a:off x="2734235" y="3838454"/>
+            <a:ext cx="7568005" cy="2415969"/>
+          </a:xfrm>
+          <a:prstGeom prst="rect">
+            <a:avLst/>
+          </a:prstGeom>
+          <a:ln>
+            <a:noFill/>
+          </a:ln>
+          <a:effectLst>
+            <a:outerShdw blurRad="292100" dist="139700" dir="2700000" algn="tl" rotWithShape="0">
+              <a:srgbClr val="333333">
+                <a:alpha val="65000"/>
+              </a:srgbClr>
+            </a:outerShdw>
+          </a:effectLst>
+        </p:spPr>
+      </p:pic>
+    </p:spTree>
+    <p:extLst>
+      <p:ext uri="{BB962C8B-B14F-4D97-AF65-F5344CB8AC3E}">
+        <p14:creationId xmlns:p14="http://schemas.microsoft.com/office/powerpoint/2010/main" val="99112423"/>
+      </p:ext>
+    </p:extLst>
+  </p:cSld>
+  <p:clrMapOvr>
+    <a:masterClrMapping/>
+  </p:clrMapOvr>
+  <p:timing>
+    <p:tnLst>
+      <p:par>
+        <p:cTn id="1" dur="indefinite" restart="never" nodeType="tmRoot">
+          <p:childTnLst>
+            <p:seq concurrent="1" nextAc="seek">
+              <p:cTn id="2" dur="indefinite" nodeType="mainSeq">
+                <p:childTnLst>
+                  <p:par>
+                    <p:cTn id="3" fill="hold">
+                      <p:stCondLst>
+                        <p:cond delay="indefinite"/>
+                      </p:stCondLst>
+                      <p:childTnLst>
+                        <p:par>
+                          <p:cTn id="4" fill="hold">
+                            <p:stCondLst>
+                              <p:cond delay="0"/>
+                            </p:stCondLst>
+                            <p:childTnLst>
+                              <p:par>
+                                <p:cTn id="5" presetID="10" presetClass="entr" presetSubtype="0" fill="hold" grpId="0" nodeType="clickEffect">
+                                  <p:stCondLst>
+                                    <p:cond delay="0"/>
+                                  </p:stCondLst>
+                                  <p:childTnLst>
+                                    <p:set>
+                                      <p:cBhvr>
+                                        <p:cTn id="6" dur="1" fill="hold">
+                                          <p:stCondLst>
+                                            <p:cond delay="0"/>
+                                          </p:stCondLst>
+                                        </p:cTn>
+                                        <p:tgtEl>
+                                          <p:spTgt spid="3">
+                                            <p:txEl>
+                                              <p:pRg st="0" end="0"/>
+                                            </p:txEl>
+                                          </p:spTgt>
+                                        </p:tgtEl>
+                                        <p:attrNameLst>
+                                          <p:attrName>style.visibility</p:attrName>
+                                        </p:attrNameLst>
+                                      </p:cBhvr>
+                                      <p:to>
+                                        <p:strVal val="visible"/>
+                                      </p:to>
+                                    </p:set>
+                                    <p:animEffect transition="in" filter="fade">
+                                      <p:cBhvr>
+                                        <p:cTn id="7" dur="500"/>
+                                        <p:tgtEl>
+                                          <p:spTgt spid="3">
+                                            <p:txEl>
+                                              <p:pRg st="0" end="0"/>
+                                            </p:txEl>
+                                          </p:spTgt>
+                                        </p:tgtEl>
+                                      </p:cBhvr>
+                                    </p:animEffect>
+                                  </p:childTnLst>
+                                </p:cTn>
+                              </p:par>
+                            </p:childTnLst>
+                          </p:cTn>
+                        </p:par>
+                      </p:childTnLst>
+                    </p:cTn>
+                  </p:par>
+                </p:childTnLst>
+              </p:cTn>
+              <p:prevCondLst>
+                <p:cond evt="onPrev" delay="0">
+                  <p:tgtEl>
+                    <p:sldTgt/>
+                  </p:tgtEl>
+                </p:cond>
+              </p:prevCondLst>
+              <p:nextCondLst>
+                <p:cond evt="onNext" delay="0">
+                  <p:tgtEl>
+                    <p:sldTgt/>
+                  </p:tgtEl>
+                </p:cond>
+              </p:nextCondLst>
+            </p:seq>
+          </p:childTnLst>
+        </p:cTn>
+      </p:par>
+    </p:tnLst>
+    <p:bldLst>
+      <p:bldP spid="3" grpId="0" build="p"/>
+    </p:bldLst>
+  </p:timing>
+</p:sld>
+</file>
+
+<file path=ppt/slides/slide7.xml><?xml version="1.0" encoding="utf-8"?>
+<p:sld xmlns:a="http://schemas.openxmlformats.org/drawingml/2006/main" xmlns:r="http://schemas.openxmlformats.org/officeDocument/2006/relationships" xmlns:p="http://schemas.openxmlformats.org/presentationml/2006/main">
+  <p:cSld>
+    <p:spTree>
+      <p:nvGrpSpPr>
+        <p:cNvPr id="1" name=""/>
+        <p:cNvGrpSpPr/>
+        <p:nvPr/>
+      </p:nvGrpSpPr>
+      <p:grpSpPr>
+        <a:xfrm>
+          <a:off x="0" y="0"/>
+          <a:ext cx="0" cy="0"/>
+          <a:chOff x="0" y="0"/>
+          <a:chExt cx="0" cy="0"/>
+        </a:xfrm>
+      </p:grpSpPr>
+      <p:sp>
+        <p:nvSpPr>
+          <p:cNvPr id="2" name="Title 1">
+            <a:extLst>
+              <a:ext uri="{FF2B5EF4-FFF2-40B4-BE49-F238E27FC236}">
+                <a16:creationId xmlns:a16="http://schemas.microsoft.com/office/drawing/2014/main" id="{4B36F465-CEC2-4E69-A0A6-D0F1CC276B98}"/>
+              </a:ext>
+            </a:extLst>
+          </p:cNvPr>
+          <p:cNvSpPr>
+            <a:spLocks noGrp="1"/>
+          </p:cNvSpPr>
+          <p:nvPr>
+            <p:ph type="title"/>
+          </p:nvPr>
+        </p:nvSpPr>
+        <p:spPr>
+          <a:xfrm>
+            <a:off x="2734235" y="170330"/>
+            <a:ext cx="8768788" cy="896470"/>
+          </a:xfrm>
+        </p:spPr>
+        <p:txBody>
+          <a:bodyPr>
+            <a:normAutofit/>
+          </a:bodyPr>
+          <a:lstStyle/>
+          <a:p>
+            <a:pPr algn="l"/>
+            <a:r>
+              <a:rPr lang="en-GB" sz="4400" u="sng" dirty="0">
+                <a:uFill>
+                  <a:solidFill>
+                    <a:srgbClr val="00B0F0"/>
+                  </a:solidFill>
+                </a:uFill>
+                <a:latin typeface="Poppins" panose="00000500000000000000" pitchFamily="2" charset="0"/>
+                <a:cs typeface="Poppins" panose="00000500000000000000" pitchFamily="2" charset="0"/>
+              </a:rPr>
+              <a:t>Development: </a:t>
+            </a:r>
+            <a:r>
+              <a:rPr lang="en-GB" sz="4400" b="1" u="sng" dirty="0">
+                <a:uFill>
+                  <a:solidFill>
+                    <a:srgbClr val="00B0F0"/>
+                  </a:solidFill>
+                </a:uFill>
+                <a:latin typeface="Poppins" panose="00000500000000000000" pitchFamily="2" charset="0"/>
+                <a:cs typeface="Poppins" panose="00000500000000000000" pitchFamily="2" charset="0"/>
+              </a:rPr>
+              <a:t>Java Program</a:t>
+            </a:r>
+          </a:p>
+        </p:txBody>
+      </p:sp>
+      <p:sp>
+        <p:nvSpPr>
+          <p:cNvPr id="3" name="Content Placeholder 2">
+            <a:extLst>
+              <a:ext uri="{FF2B5EF4-FFF2-40B4-BE49-F238E27FC236}">
+                <a16:creationId xmlns:a16="http://schemas.microsoft.com/office/drawing/2014/main" id="{F4F2454B-F509-48C2-8E21-100D3A873769}"/>
+              </a:ext>
+            </a:extLst>
+          </p:cNvPr>
+          <p:cNvSpPr>
+            <a:spLocks noGrp="1"/>
+          </p:cNvSpPr>
+          <p:nvPr>
+            <p:ph idx="1"/>
+          </p:nvPr>
+        </p:nvSpPr>
+        <p:spPr>
+          <a:xfrm>
+            <a:off x="2734235" y="1259540"/>
+            <a:ext cx="6427694" cy="2541495"/>
+          </a:xfrm>
+        </p:spPr>
+        <p:txBody>
+          <a:bodyPr anchor="t"/>
+          <a:lstStyle/>
+          <a:p>
+            <a:r>
+              <a:rPr lang="en-GB" dirty="0"/>
+              <a:t>Twitter API (twitter-4j)</a:t>
+            </a:r>
+          </a:p>
+          <a:p>
+            <a:r>
+              <a:rPr lang="en-GB" dirty="0"/>
+              <a:t>MongoDB Atlas Cluster (mongodb-java-driver)</a:t>
+            </a:r>
+          </a:p>
+          <a:p>
+            <a:r>
+              <a:rPr lang="en-GB" dirty="0"/>
+              <a:t>Custom Functionality</a:t>
+            </a:r>
+          </a:p>
+          <a:p>
+            <a:pPr lvl="1">
+              <a:buFont typeface="Wingdings" panose="05000000000000000000" pitchFamily="2" charset="2"/>
+              <a:buChar char="§"/>
+            </a:pPr>
+            <a:r>
+              <a:rPr lang="en-GB" dirty="0"/>
+              <a:t>Twitter</a:t>
+            </a:r>
+          </a:p>
+          <a:p>
+            <a:pPr lvl="1">
+              <a:buFont typeface="Wingdings" panose="05000000000000000000" pitchFamily="2" charset="2"/>
+              <a:buChar char="§"/>
+            </a:pPr>
+            <a:r>
+              <a:rPr lang="en-GB" dirty="0"/>
+              <a:t>Robocode</a:t>
+            </a:r>
+          </a:p>
+        </p:txBody>
+      </p:sp>
+      <p:pic>
+        <p:nvPicPr>
+          <p:cNvPr id="4" name="Picture 3">
+            <a:extLst>
+              <a:ext uri="{FF2B5EF4-FFF2-40B4-BE49-F238E27FC236}">
+                <a16:creationId xmlns:a16="http://schemas.microsoft.com/office/drawing/2014/main" id="{F55D3C62-15C8-4A0D-AC23-1EB0B19BD7F8}"/>
+              </a:ext>
+            </a:extLst>
+          </p:cNvPr>
+          <p:cNvPicPr>
+            <a:picLocks noChangeAspect="1"/>
+          </p:cNvPicPr>
+          <p:nvPr/>
+        </p:nvPicPr>
+        <p:blipFill>
+          <a:blip r:embed="rId2">
+            <a:extLst>
+              <a:ext uri="{28A0092B-C50C-407E-A947-70E740481C1C}">
+                <a14:useLocalDpi xmlns:a14="http://schemas.microsoft.com/office/drawing/2010/main" val="0"/>
+              </a:ext>
+            </a:extLst>
+          </a:blip>
+          <a:stretch>
+            <a:fillRect/>
+          </a:stretch>
+        </p:blipFill>
+        <p:spPr>
+          <a:xfrm>
+            <a:off x="5073783" y="4286247"/>
+            <a:ext cx="2205470" cy="1789582"/>
+          </a:xfrm>
+          <a:prstGeom prst="rect">
+            <a:avLst/>
+          </a:prstGeom>
+        </p:spPr>
+      </p:pic>
+      <p:pic>
+        <p:nvPicPr>
+          <p:cNvPr id="6" name="Graphic 5">
+            <a:extLst>
+              <a:ext uri="{FF2B5EF4-FFF2-40B4-BE49-F238E27FC236}">
+                <a16:creationId xmlns:a16="http://schemas.microsoft.com/office/drawing/2014/main" id="{FF97FCA0-40C9-431B-A013-DD9B3AB42CA5}"/>
+              </a:ext>
+            </a:extLst>
+          </p:cNvPr>
+          <p:cNvPicPr>
+            <a:picLocks noChangeAspect="1"/>
+          </p:cNvPicPr>
+          <p:nvPr/>
+        </p:nvPicPr>
+        <p:blipFill>
+          <a:blip r:embed="rId3">
+            <a:extLst>
+              <a:ext uri="{28A0092B-C50C-407E-A947-70E740481C1C}">
+                <a14:useLocalDpi xmlns:a14="http://schemas.microsoft.com/office/drawing/2010/main" val="0"/>
+              </a:ext>
+              <a:ext uri="{96DAC541-7B7A-43D3-8B79-37D633B846F1}">
+                <asvg:svgBlip xmlns:asvg="http://schemas.microsoft.com/office/drawing/2016/SVG/main" r:embed="rId4"/>
+              </a:ext>
+            </a:extLst>
+          </a:blip>
+          <a:stretch>
+            <a:fillRect/>
+          </a:stretch>
+        </p:blipFill>
+        <p:spPr>
+          <a:xfrm>
+            <a:off x="2734235" y="3993775"/>
+            <a:ext cx="2200834" cy="2200834"/>
+          </a:xfrm>
+          <a:prstGeom prst="rect">
+            <a:avLst/>
+          </a:prstGeom>
+        </p:spPr>
+      </p:pic>
+      <p:sp>
+        <p:nvSpPr>
+          <p:cNvPr id="7" name="Oval 6">
+            <a:extLst>
+              <a:ext uri="{FF2B5EF4-FFF2-40B4-BE49-F238E27FC236}">
+                <a16:creationId xmlns:a16="http://schemas.microsoft.com/office/drawing/2014/main" id="{6DADB794-1FC4-4AC1-BFA0-7FC533559903}"/>
+              </a:ext>
+            </a:extLst>
+          </p:cNvPr>
+          <p:cNvSpPr/>
+          <p:nvPr/>
+        </p:nvSpPr>
+        <p:spPr>
+          <a:xfrm>
+            <a:off x="1344057" y="3280272"/>
+            <a:ext cx="297456" cy="297456"/>
+          </a:xfrm>
+          <a:prstGeom prst="ellipse">
+            <a:avLst/>
+          </a:prstGeom>
+          <a:solidFill>
+            <a:schemeClr val="tx1">
+              <a:lumMod val="75000"/>
+              <a:lumOff val="25000"/>
+            </a:schemeClr>
+          </a:solidFill>
+        </p:spPr>
+        <p:style>
+          <a:lnRef idx="2">
+            <a:schemeClr val="dk1">
+              <a:shade val="50000"/>
+            </a:schemeClr>
+          </a:lnRef>
+          <a:fillRef idx="1">
+            <a:schemeClr val="dk1"/>
+          </a:fillRef>
+          <a:effectRef idx="0">
+            <a:schemeClr val="dk1"/>
+          </a:effectRef>
+          <a:fontRef idx="minor">
+            <a:schemeClr val="lt1"/>
+          </a:fontRef>
+        </p:style>
+        <p:txBody>
+          <a:bodyPr rtlCol="0" anchor="ctr"/>
+          <a:lstStyle/>
+          <a:p>
+            <a:pPr algn="ctr"/>
+            <a:endParaRPr lang="en-GB"/>
+          </a:p>
+        </p:txBody>
+      </p:sp>
+      <p:cxnSp>
+        <p:nvCxnSpPr>
+          <p:cNvPr id="9" name="Straight Connector 8">
+            <a:extLst>
+              <a:ext uri="{FF2B5EF4-FFF2-40B4-BE49-F238E27FC236}">
+                <a16:creationId xmlns:a16="http://schemas.microsoft.com/office/drawing/2014/main" id="{7CC42427-086F-4A52-8750-E46A8976444A}"/>
+              </a:ext>
+            </a:extLst>
+          </p:cNvPr>
+          <p:cNvCxnSpPr>
+            <a:cxnSpLocks/>
+            <a:stCxn id="5" idx="4"/>
+            <a:endCxn id="7" idx="0"/>
+          </p:cNvCxnSpPr>
+          <p:nvPr/>
+        </p:nvCxnSpPr>
+        <p:spPr>
+          <a:xfrm>
+            <a:off x="1492785" y="2679015"/>
+            <a:ext cx="0" cy="601257"/>
+          </a:xfrm>
+          <a:prstGeom prst="line">
+            <a:avLst/>
+          </a:prstGeom>
+          <a:ln w="28575"/>
+        </p:spPr>
+        <p:style>
+          <a:lnRef idx="2">
+            <a:schemeClr val="dk1"/>
+          </a:lnRef>
+          <a:fillRef idx="0">
+            <a:schemeClr val="dk1"/>
+          </a:fillRef>
+          <a:effectRef idx="1">
+            <a:schemeClr val="dk1"/>
+          </a:effectRef>
+          <a:fontRef idx="minor">
+            <a:schemeClr val="tx1"/>
+          </a:fontRef>
+        </p:style>
+      </p:cxnSp>
+      <p:sp>
+        <p:nvSpPr>
+          <p:cNvPr id="5" name="Oval 4">
+            <a:extLst>
+              <a:ext uri="{FF2B5EF4-FFF2-40B4-BE49-F238E27FC236}">
+                <a16:creationId xmlns:a16="http://schemas.microsoft.com/office/drawing/2014/main" id="{587E4C8F-A946-4428-BBA9-5C83BC76D5DA}"/>
+              </a:ext>
+            </a:extLst>
+          </p:cNvPr>
+          <p:cNvSpPr/>
+          <p:nvPr/>
+        </p:nvSpPr>
+        <p:spPr>
+          <a:xfrm>
+            <a:off x="1344057" y="2381559"/>
+            <a:ext cx="297456" cy="297456"/>
+          </a:xfrm>
+          <a:prstGeom prst="ellipse">
+            <a:avLst/>
+          </a:prstGeom>
+        </p:spPr>
+        <p:style>
+          <a:lnRef idx="2">
+            <a:schemeClr val="accent1">
+              <a:shade val="50000"/>
+            </a:schemeClr>
+          </a:lnRef>
+          <a:fillRef idx="1">
+            <a:schemeClr val="accent1"/>
+          </a:fillRef>
+          <a:effectRef idx="0">
+            <a:schemeClr val="accent1"/>
+          </a:effectRef>
+          <a:fontRef idx="minor">
+            <a:schemeClr val="lt1"/>
+          </a:fontRef>
+        </p:style>
+        <p:txBody>
+          <a:bodyPr rtlCol="0" anchor="ctr"/>
+          <a:lstStyle/>
+          <a:p>
+            <a:pPr algn="ctr"/>
+            <a:endParaRPr lang="en-GB"/>
+          </a:p>
+        </p:txBody>
+      </p:sp>
+      <p:sp>
+        <p:nvSpPr>
+          <p:cNvPr id="20" name="Oval 19">
+            <a:extLst>
+              <a:ext uri="{FF2B5EF4-FFF2-40B4-BE49-F238E27FC236}">
+                <a16:creationId xmlns:a16="http://schemas.microsoft.com/office/drawing/2014/main" id="{4B957B22-C910-45A9-AE32-03E73D1CA4BE}"/>
+              </a:ext>
+            </a:extLst>
+          </p:cNvPr>
+          <p:cNvSpPr/>
+          <p:nvPr/>
+        </p:nvSpPr>
+        <p:spPr>
+          <a:xfrm>
+            <a:off x="1344057" y="4178985"/>
+            <a:ext cx="297456" cy="297456"/>
+          </a:xfrm>
+          <a:prstGeom prst="ellipse">
+            <a:avLst/>
+          </a:prstGeom>
+          <a:solidFill>
+            <a:schemeClr val="tx1">
+              <a:lumMod val="75000"/>
+              <a:lumOff val="25000"/>
+            </a:schemeClr>
+          </a:solidFill>
+        </p:spPr>
+        <p:style>
+          <a:lnRef idx="2">
+            <a:schemeClr val="dk1">
+              <a:shade val="50000"/>
+            </a:schemeClr>
+          </a:lnRef>
+          <a:fillRef idx="1">
+            <a:schemeClr val="dk1"/>
+          </a:fillRef>
+          <a:effectRef idx="0">
+            <a:schemeClr val="dk1"/>
+          </a:effectRef>
+          <a:fontRef idx="minor">
+            <a:schemeClr val="lt1"/>
+          </a:fontRef>
+        </p:style>
+        <p:txBody>
+          <a:bodyPr rtlCol="0" anchor="ctr"/>
+          <a:lstStyle/>
+          <a:p>
+            <a:pPr algn="ctr"/>
+            <a:endParaRPr lang="en-GB"/>
+          </a:p>
+        </p:txBody>
+      </p:sp>
+      <p:cxnSp>
+        <p:nvCxnSpPr>
+          <p:cNvPr id="21" name="Straight Connector 20">
+            <a:extLst>
+              <a:ext uri="{FF2B5EF4-FFF2-40B4-BE49-F238E27FC236}">
+                <a16:creationId xmlns:a16="http://schemas.microsoft.com/office/drawing/2014/main" id="{7A3D25F5-2F69-4361-92CA-7341E8FF4508}"/>
+              </a:ext>
+            </a:extLst>
+          </p:cNvPr>
+          <p:cNvCxnSpPr>
+            <a:cxnSpLocks/>
+            <a:stCxn id="7" idx="4"/>
+            <a:endCxn id="20" idx="0"/>
+          </p:cNvCxnSpPr>
+          <p:nvPr/>
+        </p:nvCxnSpPr>
+        <p:spPr>
+          <a:xfrm>
+            <a:off x="1492785" y="3577728"/>
+            <a:ext cx="0" cy="601257"/>
+          </a:xfrm>
+          <a:prstGeom prst="line">
+            <a:avLst/>
+          </a:prstGeom>
+          <a:ln w="28575"/>
+        </p:spPr>
+        <p:style>
+          <a:lnRef idx="2">
+            <a:schemeClr val="dk1"/>
+          </a:lnRef>
+          <a:fillRef idx="0">
+            <a:schemeClr val="dk1"/>
+          </a:fillRef>
+          <a:effectRef idx="1">
+            <a:schemeClr val="dk1"/>
+          </a:effectRef>
+          <a:fontRef idx="minor">
+            <a:schemeClr val="tx1"/>
+          </a:fontRef>
+        </p:style>
+      </p:cxnSp>
+    </p:spTree>
+    <p:extLst>
+      <p:ext uri="{BB962C8B-B14F-4D97-AF65-F5344CB8AC3E}">
+        <p14:creationId xmlns:p14="http://schemas.microsoft.com/office/powerpoint/2010/main" val="1417605020"/>
+      </p:ext>
+    </p:extLst>
+  </p:cSld>
+  <p:clrMapOvr>
+    <a:masterClrMapping/>
+  </p:clrMapOvr>
+  <p:timing>
+    <p:tnLst>
+      <p:par>
+        <p:cTn id="1" dur="indefinite" restart="never" nodeType="tmRoot">
+          <p:childTnLst>
+            <p:seq concurrent="1" nextAc="seek">
+              <p:cTn id="2" dur="indefinite" nodeType="mainSeq">
+                <p:childTnLst>
+                  <p:par>
+                    <p:cTn id="3" fill="hold">
+                      <p:stCondLst>
+                        <p:cond delay="indefinite"/>
+                      </p:stCondLst>
+                      <p:childTnLst>
+                        <p:par>
+                          <p:cTn id="4" fill="hold">
+                            <p:stCondLst>
+                              <p:cond delay="0"/>
+                            </p:stCondLst>
+                            <p:childTnLst>
+                              <p:par>
+                                <p:cTn id="5" presetID="10" presetClass="entr" presetSubtype="0" fill="hold" grpId="0" nodeType="clickEffect">
+                                  <p:stCondLst>
+                                    <p:cond delay="0"/>
+                                  </p:stCondLst>
+                                  <p:childTnLst>
+                                    <p:set>
+                                      <p:cBhvr>
+                                        <p:cTn id="6" dur="1" fill="hold">
+                                          <p:stCondLst>
+                                            <p:cond delay="0"/>
+                                          </p:stCondLst>
+                                        </p:cTn>
+                                        <p:tgtEl>
+                                          <p:spTgt spid="3">
+                                            <p:txEl>
+                                              <p:pRg st="0" end="0"/>
+                                            </p:txEl>
+                                          </p:spTgt>
+                                        </p:tgtEl>
+                                        <p:attrNameLst>
+                                          <p:attrName>style.visibility</p:attrName>
+                                        </p:attrNameLst>
+                                      </p:cBhvr>
+                                      <p:to>
+                                        <p:strVal val="visible"/>
+                                      </p:to>
+                                    </p:set>
+                                    <p:animEffect transition="in" filter="fade">
+                                      <p:cBhvr>
+                                        <p:cTn id="7" dur="500"/>
+                                        <p:tgtEl>
+                                          <p:spTgt spid="3">
+                                            <p:txEl>
+                                              <p:pRg st="0" end="0"/>
+                                            </p:txEl>
+                                          </p:spTgt>
+                                        </p:tgtEl>
+                                      </p:cBhvr>
+                                    </p:animEffect>
+                                  </p:childTnLst>
+                                </p:cTn>
+                              </p:par>
+                            </p:childTnLst>
+                          </p:cTn>
+                        </p:par>
+                      </p:childTnLst>
+                    </p:cTn>
+                  </p:par>
+                  <p:par>
+                    <p:cTn id="8" fill="hold">
+                      <p:stCondLst>
+                        <p:cond delay="indefinite"/>
+                      </p:stCondLst>
+                      <p:childTnLst>
+                        <p:par>
+                          <p:cTn id="9" fill="hold">
+                            <p:stCondLst>
+                              <p:cond delay="0"/>
+                            </p:stCondLst>
+                            <p:childTnLst>
+                              <p:par>
+                                <p:cTn id="10" presetID="10" presetClass="entr" presetSubtype="0" fill="hold" grpId="0" nodeType="clickEffect">
+                                  <p:stCondLst>
+                                    <p:cond delay="0"/>
+                                  </p:stCondLst>
+                                  <p:childTnLst>
+                                    <p:set>
+                                      <p:cBhvr>
+                                        <p:cTn id="11" dur="1" fill="hold">
+                                          <p:stCondLst>
+                                            <p:cond delay="0"/>
+                                          </p:stCondLst>
+                                        </p:cTn>
+                                        <p:tgtEl>
+                                          <p:spTgt spid="3">
+                                            <p:txEl>
+                                              <p:pRg st="1" end="1"/>
+                                            </p:txEl>
+                                          </p:spTgt>
+                                        </p:tgtEl>
+                                        <p:attrNameLst>
+                                          <p:attrName>style.visibility</p:attrName>
+                                        </p:attrNameLst>
+                                      </p:cBhvr>
+                                      <p:to>
+                                        <p:strVal val="visible"/>
+                                      </p:to>
+                                    </p:set>
+                                    <p:animEffect transition="in" filter="fade">
+                                      <p:cBhvr>
+                                        <p:cTn id="12" dur="500"/>
+                                        <p:tgtEl>
+                                          <p:spTgt spid="3">
+                                            <p:txEl>
+                                              <p:pRg st="1" end="1"/>
+                                            </p:txEl>
+                                          </p:spTgt>
+                                        </p:tgtEl>
+                                      </p:cBhvr>
+                                    </p:animEffect>
+                                  </p:childTnLst>
+                                </p:cTn>
+                              </p:par>
+                            </p:childTnLst>
+                          </p:cTn>
+                        </p:par>
+                      </p:childTnLst>
+                    </p:cTn>
+                  </p:par>
+                  <p:par>
+                    <p:cTn id="13" fill="hold">
+                      <p:stCondLst>
+                        <p:cond delay="indefinite"/>
+                      </p:stCondLst>
+                      <p:childTnLst>
+                        <p:par>
+                          <p:cTn id="14" fill="hold">
+                            <p:stCondLst>
+                              <p:cond delay="0"/>
+                            </p:stCondLst>
+                            <p:childTnLst>
+                              <p:par>
+                                <p:cTn id="15" presetID="10" presetClass="entr" presetSubtype="0" fill="hold" grpId="0" nodeType="clickEffect">
+                                  <p:stCondLst>
+                                    <p:cond delay="0"/>
+                                  </p:stCondLst>
+                                  <p:childTnLst>
+                                    <p:set>
+                                      <p:cBhvr>
+                                        <p:cTn id="16" dur="1" fill="hold">
+                                          <p:stCondLst>
+                                            <p:cond delay="0"/>
+                                          </p:stCondLst>
+                                        </p:cTn>
+                                        <p:tgtEl>
+                                          <p:spTgt spid="3">
+                                            <p:txEl>
+                                              <p:pRg st="2" end="2"/>
+                                            </p:txEl>
+                                          </p:spTgt>
+                                        </p:tgtEl>
+                                        <p:attrNameLst>
+                                          <p:attrName>style.visibility</p:attrName>
+                                        </p:attrNameLst>
+                                      </p:cBhvr>
+                                      <p:to>
+                                        <p:strVal val="visible"/>
+                                      </p:to>
+                                    </p:set>
+                                    <p:animEffect transition="in" filter="fade">
+                                      <p:cBhvr>
+                                        <p:cTn id="17" dur="500"/>
+                                        <p:tgtEl>
+                                          <p:spTgt spid="3">
+                                            <p:txEl>
+                                              <p:pRg st="2" end="2"/>
+                                            </p:txEl>
+                                          </p:spTgt>
+                                        </p:tgtEl>
+                                      </p:cBhvr>
+                                    </p:animEffect>
+                                  </p:childTnLst>
+                                </p:cTn>
+                              </p:par>
+                              <p:par>
+                                <p:cTn id="18" presetID="10" presetClass="entr" presetSubtype="0" fill="hold" grpId="0" nodeType="withEffect">
+                                  <p:stCondLst>
+                                    <p:cond delay="0"/>
+                                  </p:stCondLst>
+                                  <p:childTnLst>
+                                    <p:set>
+                                      <p:cBhvr>
+                                        <p:cTn id="19" dur="1" fill="hold">
+                                          <p:stCondLst>
+                                            <p:cond delay="0"/>
+                                          </p:stCondLst>
+                                        </p:cTn>
+                                        <p:tgtEl>
+                                          <p:spTgt spid="3">
+                                            <p:txEl>
+                                              <p:pRg st="3" end="3"/>
+                                            </p:txEl>
+                                          </p:spTgt>
+                                        </p:tgtEl>
+                                        <p:attrNameLst>
+                                          <p:attrName>style.visibility</p:attrName>
+                                        </p:attrNameLst>
+                                      </p:cBhvr>
+                                      <p:to>
+                                        <p:strVal val="visible"/>
+                                      </p:to>
+                                    </p:set>
+                                    <p:animEffect transition="in" filter="fade">
+                                      <p:cBhvr>
+                                        <p:cTn id="20" dur="500"/>
+                                        <p:tgtEl>
+                                          <p:spTgt spid="3">
+                                            <p:txEl>
+                                              <p:pRg st="3" end="3"/>
+                                            </p:txEl>
+                                          </p:spTgt>
+                                        </p:tgtEl>
+                                      </p:cBhvr>
+                                    </p:animEffect>
+                                  </p:childTnLst>
+                                </p:cTn>
+                              </p:par>
+                              <p:par>
+                                <p:cTn id="21" presetID="10" presetClass="entr" presetSubtype="0" fill="hold" grpId="0" nodeType="withEffect">
+                                  <p:stCondLst>
+                                    <p:cond delay="0"/>
+                                  </p:stCondLst>
+                                  <p:childTnLst>
+                                    <p:set>
+                                      <p:cBhvr>
+                                        <p:cTn id="22" dur="1" fill="hold">
+                                          <p:stCondLst>
+                                            <p:cond delay="0"/>
+                                          </p:stCondLst>
+                                        </p:cTn>
+                                        <p:tgtEl>
+                                          <p:spTgt spid="3">
+                                            <p:txEl>
+                                              <p:pRg st="4" end="4"/>
+                                            </p:txEl>
+                                          </p:spTgt>
+                                        </p:tgtEl>
+                                        <p:attrNameLst>
+                                          <p:attrName>style.visibility</p:attrName>
+                                        </p:attrNameLst>
+                                      </p:cBhvr>
+                                      <p:to>
+                                        <p:strVal val="visible"/>
+                                      </p:to>
+                                    </p:set>
+                                    <p:animEffect transition="in" filter="fade">
+                                      <p:cBhvr>
+                                        <p:cTn id="23" dur="500"/>
+                                        <p:tgtEl>
+                                          <p:spTgt spid="3">
+                                            <p:txEl>
+                                              <p:pRg st="4" end="4"/>
+                                            </p:txEl>
+                                          </p:spTgt>
+                                        </p:tgtEl>
+                                      </p:cBhvr>
+                                    </p:animEffect>
+                                  </p:childTnLst>
+                                </p:cTn>
+                              </p:par>
+                              <p:par>
+                                <p:cTn id="24" presetID="10" presetClass="entr" presetSubtype="0" fill="hold" nodeType="withEffect">
+                                  <p:stCondLst>
+                                    <p:cond delay="0"/>
+                                  </p:stCondLst>
+                                  <p:childTnLst>
+                                    <p:set>
+                                      <p:cBhvr>
+                                        <p:cTn id="25" dur="1" fill="hold">
+                                          <p:stCondLst>
+                                            <p:cond delay="0"/>
+                                          </p:stCondLst>
+                                        </p:cTn>
+                                        <p:tgtEl>
+                                          <p:spTgt spid="6"/>
+                                        </p:tgtEl>
+                                        <p:attrNameLst>
+                                          <p:attrName>style.visibility</p:attrName>
+                                        </p:attrNameLst>
+                                      </p:cBhvr>
+                                      <p:to>
+                                        <p:strVal val="visible"/>
+                                      </p:to>
+                                    </p:set>
+                                    <p:animEffect transition="in" filter="fade">
+                                      <p:cBhvr>
+                                        <p:cTn id="26" dur="500"/>
+                                        <p:tgtEl>
+                                          <p:spTgt spid="6"/>
+                                        </p:tgtEl>
+                                      </p:cBhvr>
+                                    </p:animEffect>
+                                  </p:childTnLst>
+                                </p:cTn>
+                              </p:par>
+                              <p:par>
+                                <p:cTn id="27" presetID="10" presetClass="entr" presetSubtype="0" fill="hold" nodeType="withEffect">
+                                  <p:stCondLst>
+                                    <p:cond delay="0"/>
+                                  </p:stCondLst>
+                                  <p:childTnLst>
+                                    <p:set>
+                                      <p:cBhvr>
+                                        <p:cTn id="28" dur="1" fill="hold">
+                                          <p:stCondLst>
+                                            <p:cond delay="0"/>
+                                          </p:stCondLst>
+                                        </p:cTn>
+                                        <p:tgtEl>
+                                          <p:spTgt spid="4"/>
+                                        </p:tgtEl>
+                                        <p:attrNameLst>
+                                          <p:attrName>style.visibility</p:attrName>
+                                        </p:attrNameLst>
+                                      </p:cBhvr>
+                                      <p:to>
+                                        <p:strVal val="visible"/>
+                                      </p:to>
+                                    </p:set>
+                                    <p:animEffect transition="in" filter="fade">
+                                      <p:cBhvr>
+                                        <p:cTn id="29" dur="500"/>
+                                        <p:tgtEl>
+                                          <p:spTgt spid="4"/>
+                                        </p:tgtEl>
+                                      </p:cBhvr>
+                                    </p:animEffect>
+                                  </p:childTnLst>
+                                </p:cTn>
+                              </p:par>
+                            </p:childTnLst>
+                          </p:cTn>
+                        </p:par>
+                      </p:childTnLst>
+                    </p:cTn>
+                  </p:par>
+                </p:childTnLst>
+              </p:cTn>
+              <p:prevCondLst>
+                <p:cond evt="onPrev" delay="0">
+                  <p:tgtEl>
+                    <p:sldTgt/>
+                  </p:tgtEl>
+                </p:cond>
+              </p:prevCondLst>
+              <p:nextCondLst>
+                <p:cond evt="onNext" delay="0">
+                  <p:tgtEl>
+                    <p:sldTgt/>
+                  </p:tgtEl>
+                </p:cond>
+              </p:nextCondLst>
+            </p:seq>
+          </p:childTnLst>
+        </p:cTn>
+      </p:par>
+    </p:tnLst>
+    <p:bldLst>
+      <p:bldP spid="3" grpId="0" uiExpand="1" build="p"/>
+    </p:bldLst>
+  </p:timing>
+</p:sld>
+</file>
+
 <file path=ppt/slides/slide8.xml><?xml version="1.0" encoding="utf-8"?>
 <p:sld xmlns:a="http://schemas.openxmlformats.org/drawingml/2006/main" xmlns:r="http://schemas.openxmlformats.org/officeDocument/2006/relationships" xmlns:p="http://schemas.openxmlformats.org/presentationml/2006/main">
   <p:cSld>
@@ -10343,7 +12312,19 @@
                 <a:latin typeface="Poppins" panose="00000500000000000000" pitchFamily="2" charset="0"/>
                 <a:cs typeface="Poppins" panose="00000500000000000000" pitchFamily="2" charset="0"/>
               </a:rPr>
-              <a:t>Project Results &amp; Conclusion</a:t>
+              <a:t>Development: </a:t>
+            </a:r>
+            <a:r>
+              <a:rPr lang="en-GB" sz="4400" b="1" u="sng" dirty="0">
+                <a:uFill>
+                  <a:solidFill>
+                    <a:srgbClr val="00B0F0"/>
+                  </a:solidFill>
+                </a:uFill>
+                <a:latin typeface="Poppins" panose="00000500000000000000" pitchFamily="2" charset="0"/>
+                <a:cs typeface="Poppins" panose="00000500000000000000" pitchFamily="2" charset="0"/>
+              </a:rPr>
+              <a:t>Java Program</a:t>
             </a:r>
           </a:p>
         </p:txBody>
@@ -10367,90 +12348,110 @@
         <p:spPr>
           <a:xfrm>
             <a:off x="2734235" y="1259540"/>
-            <a:ext cx="4620654" cy="3124201"/>
+            <a:ext cx="6427694" cy="5078507"/>
           </a:xfrm>
         </p:spPr>
         <p:txBody>
           <a:bodyPr anchor="t"/>
           <a:lstStyle/>
           <a:p>
-            <a:pPr marL="0" indent="0">
-              <a:spcBef>
-                <a:spcPts val="0"/>
-              </a:spcBef>
-              <a:spcAft>
-                <a:spcPts val="0"/>
-              </a:spcAft>
-              <a:buNone/>
+            <a:r>
+              <a:rPr lang="en-GB" dirty="0"/>
+              <a:t>Twitter</a:t>
+            </a:r>
+          </a:p>
+          <a:p>
+            <a:pPr lvl="1">
+              <a:buFont typeface="Wingdings" panose="05000000000000000000" pitchFamily="2" charset="2"/>
+              <a:buChar char="§"/>
             </a:pPr>
             <a:r>
-              <a:rPr lang="en-GB" b="1" dirty="0"/>
-              <a:t>Short Answer</a:t>
-            </a:r>
-          </a:p>
-          <a:p>
-            <a:pPr marL="0" indent="0">
-              <a:spcBef>
-                <a:spcPts val="0"/>
-              </a:spcBef>
-              <a:spcAft>
-                <a:spcPts val="0"/>
-              </a:spcAft>
-              <a:buNone/>
+              <a:rPr lang="en-GB" dirty="0"/>
+              <a:t>Download Tweets</a:t>
+            </a:r>
+          </a:p>
+          <a:p>
+            <a:pPr lvl="1">
+              <a:buFont typeface="Wingdings" panose="05000000000000000000" pitchFamily="2" charset="2"/>
+              <a:buChar char="§"/>
             </a:pPr>
             <a:r>
               <a:rPr lang="en-GB" dirty="0"/>
-              <a:t>Pseudo-Random</a:t>
-            </a:r>
-          </a:p>
-          <a:p>
-            <a:pPr marL="0" indent="0">
-              <a:spcBef>
-                <a:spcPts val="0"/>
-              </a:spcBef>
-              <a:spcAft>
-                <a:spcPts val="0"/>
-              </a:spcAft>
-              <a:buNone/>
+              <a:t>Serialise Tweets</a:t>
+            </a:r>
+          </a:p>
+          <a:p>
+            <a:pPr lvl="1">
+              <a:buFont typeface="Wingdings" panose="05000000000000000000" pitchFamily="2" charset="2"/>
+              <a:buChar char="§"/>
             </a:pPr>
-            <a:endParaRPr lang="en-GB" dirty="0"/>
-          </a:p>
-          <a:p>
-            <a:pPr marL="0" indent="0">
-              <a:spcBef>
-                <a:spcPts val="0"/>
-              </a:spcBef>
-              <a:spcAft>
-                <a:spcPts val="0"/>
-              </a:spcAft>
-              <a:buNone/>
+            <a:r>
+              <a:rPr lang="en-GB" dirty="0"/>
+              <a:t>De-Serialise Tweets</a:t>
+            </a:r>
+          </a:p>
+          <a:p>
+            <a:pPr lvl="1">
+              <a:buFont typeface="Wingdings" panose="05000000000000000000" pitchFamily="2" charset="2"/>
+              <a:buChar char="§"/>
             </a:pPr>
             <a:r>
-              <a:rPr lang="en-GB" b="1" dirty="0"/>
-              <a:t>Long Answer</a:t>
-            </a:r>
-          </a:p>
-          <a:p>
-            <a:pPr marL="0" indent="0">
-              <a:spcBef>
-                <a:spcPts val="0"/>
-              </a:spcBef>
-              <a:spcAft>
-                <a:spcPts val="0"/>
-              </a:spcAft>
-              <a:buNone/>
+              <a:rPr lang="en-GB" dirty="0"/>
+              <a:t>Sanitise Tweets</a:t>
+            </a:r>
+          </a:p>
+          <a:p>
+            <a:pPr lvl="1">
+              <a:buFont typeface="Wingdings" panose="05000000000000000000" pitchFamily="2" charset="2"/>
+              <a:buChar char="§"/>
             </a:pPr>
             <a:r>
               <a:rPr lang="en-GB" dirty="0"/>
-              <a:t>…</a:t>
-            </a:r>
-          </a:p>
-        </p:txBody>
-      </p:sp>
+              <a:t>Parse Tweets</a:t>
+            </a:r>
+          </a:p>
+        </p:txBody>
+      </p:sp>
+      <p:pic>
+        <p:nvPicPr>
+          <p:cNvPr id="4" name="Picture 3">
+            <a:extLst>
+              <a:ext uri="{FF2B5EF4-FFF2-40B4-BE49-F238E27FC236}">
+                <a16:creationId xmlns:a16="http://schemas.microsoft.com/office/drawing/2014/main" id="{96D336F1-CD85-4949-9AFF-29648BC0273C}"/>
+              </a:ext>
+            </a:extLst>
+          </p:cNvPr>
+          <p:cNvPicPr>
+            <a:picLocks noChangeAspect="1"/>
+          </p:cNvPicPr>
+          <p:nvPr/>
+        </p:nvPicPr>
+        <p:blipFill>
+          <a:blip r:embed="rId2">
+            <a:extLst>
+              <a:ext uri="{28A0092B-C50C-407E-A947-70E740481C1C}">
+                <a14:useLocalDpi xmlns:a14="http://schemas.microsoft.com/office/drawing/2010/main" val="0"/>
+              </a:ext>
+            </a:extLst>
+          </a:blip>
+          <a:stretch>
+            <a:fillRect/>
+          </a:stretch>
+        </p:blipFill>
+        <p:spPr>
+          <a:xfrm>
+            <a:off x="7957691" y="1748118"/>
+            <a:ext cx="2408475" cy="1954306"/>
+          </a:xfrm>
+          <a:prstGeom prst="rect">
+            <a:avLst/>
+          </a:prstGeom>
+        </p:spPr>
+      </p:pic>
     </p:spTree>
     <p:extLst>
       <p:ext uri="{BB962C8B-B14F-4D97-AF65-F5344CB8AC3E}">
-        <p14:creationId xmlns:p14="http://schemas.microsoft.com/office/powerpoint/2010/main" val="2572210365"/>
+        <p14:creationId xmlns:p14="http://schemas.microsoft.com/office/powerpoint/2010/main" val="3364855741"/>
       </p:ext>
     </p:extLst>
   </p:cSld>
@@ -10516,7 +12517,19 @@
                 <a:latin typeface="Poppins" panose="00000500000000000000" pitchFamily="2" charset="0"/>
                 <a:cs typeface="Poppins" panose="00000500000000000000" pitchFamily="2" charset="0"/>
               </a:rPr>
-              <a:t>The Good</a:t>
+              <a:t>Development: </a:t>
+            </a:r>
+            <a:r>
+              <a:rPr lang="en-GB" sz="4400" b="1" u="sng" dirty="0">
+                <a:uFill>
+                  <a:solidFill>
+                    <a:srgbClr val="00B0F0"/>
+                  </a:solidFill>
+                </a:uFill>
+                <a:latin typeface="Poppins" panose="00000500000000000000" pitchFamily="2" charset="0"/>
+                <a:cs typeface="Poppins" panose="00000500000000000000" pitchFamily="2" charset="0"/>
+              </a:rPr>
+              <a:t>Java Program</a:t>
             </a:r>
           </a:p>
         </p:txBody>
@@ -10540,7 +12553,7 @@
         <p:spPr>
           <a:xfrm>
             <a:off x="2734235" y="1259540"/>
-            <a:ext cx="6472518" cy="3124201"/>
+            <a:ext cx="6427694" cy="2873189"/>
           </a:xfrm>
         </p:spPr>
         <p:txBody>
@@ -10549,33 +12562,541 @@
           <a:p>
             <a:r>
               <a:rPr lang="en-GB" dirty="0"/>
-              <a:t>Developing the Web Application</a:t>
-            </a:r>
-          </a:p>
-          <a:p>
+              <a:t>Robocode</a:t>
+            </a:r>
+          </a:p>
+          <a:p>
+            <a:pPr lvl="1">
+              <a:buFont typeface="Wingdings" panose="05000000000000000000" pitchFamily="2" charset="2"/>
+              <a:buChar char="§"/>
+            </a:pPr>
             <a:r>
               <a:rPr lang="en-GB" dirty="0"/>
-              <a:t>Project Management &amp; Organisation</a:t>
-            </a:r>
-          </a:p>
-          <a:p>
+              <a:t>Configure &amp; Launch Battle</a:t>
+            </a:r>
+          </a:p>
+          <a:p>
+            <a:pPr lvl="1">
+              <a:buFont typeface="Wingdings" panose="05000000000000000000" pitchFamily="2" charset="2"/>
+              <a:buChar char="§"/>
+            </a:pPr>
             <a:r>
               <a:rPr lang="en-GB" dirty="0"/>
-              <a:t>Drawing a Conclusion</a:t>
-            </a:r>
-          </a:p>
-        </p:txBody>
-      </p:sp>
+              <a:t>Custom Robot Classes</a:t>
+            </a:r>
+          </a:p>
+          <a:p>
+            <a:pPr lvl="1">
+              <a:buFont typeface="Wingdings" panose="05000000000000000000" pitchFamily="2" charset="2"/>
+              <a:buChar char="§"/>
+            </a:pPr>
+            <a:r>
+              <a:rPr lang="en-GB" dirty="0"/>
+              <a:t>Robot Controller</a:t>
+            </a:r>
+          </a:p>
+          <a:p>
+            <a:pPr lvl="1">
+              <a:buFont typeface="Wingdings" panose="05000000000000000000" pitchFamily="2" charset="2"/>
+              <a:buChar char="§"/>
+            </a:pPr>
+            <a:r>
+              <a:rPr lang="en-GB" dirty="0"/>
+              <a:t>Store Data</a:t>
+            </a:r>
+          </a:p>
+          <a:p>
+            <a:pPr lvl="1">
+              <a:buFont typeface="Wingdings" panose="05000000000000000000" pitchFamily="2" charset="2"/>
+              <a:buChar char="§"/>
+            </a:pPr>
+            <a:r>
+              <a:rPr lang="en-GB" dirty="0"/>
+              <a:t>Loop Battle Simulation</a:t>
+            </a:r>
+          </a:p>
+        </p:txBody>
+      </p:sp>
+      <p:pic>
+        <p:nvPicPr>
+          <p:cNvPr id="5" name="Graphic 4">
+            <a:extLst>
+              <a:ext uri="{FF2B5EF4-FFF2-40B4-BE49-F238E27FC236}">
+                <a16:creationId xmlns:a16="http://schemas.microsoft.com/office/drawing/2014/main" id="{46654710-0704-4EFD-BEE4-25C76DF93943}"/>
+              </a:ext>
+            </a:extLst>
+          </p:cNvPr>
+          <p:cNvPicPr>
+            <a:picLocks noChangeAspect="1"/>
+          </p:cNvPicPr>
+          <p:nvPr/>
+        </p:nvPicPr>
+        <p:blipFill>
+          <a:blip r:embed="rId3">
+            <a:extLst>
+              <a:ext uri="{28A0092B-C50C-407E-A947-70E740481C1C}">
+                <a14:useLocalDpi xmlns:a14="http://schemas.microsoft.com/office/drawing/2010/main" val="0"/>
+              </a:ext>
+              <a:ext uri="{96DAC541-7B7A-43D3-8B79-37D633B846F1}">
+                <asvg:svgBlip xmlns:asvg="http://schemas.microsoft.com/office/drawing/2016/SVG/main" r:embed="rId4"/>
+              </a:ext>
+            </a:extLst>
+          </a:blip>
+          <a:stretch>
+            <a:fillRect/>
+          </a:stretch>
+        </p:blipFill>
+        <p:spPr>
+          <a:xfrm>
+            <a:off x="8061511" y="1501590"/>
+            <a:ext cx="2200834" cy="2200834"/>
+          </a:xfrm>
+          <a:prstGeom prst="rect">
+            <a:avLst/>
+          </a:prstGeom>
+        </p:spPr>
+      </p:pic>
     </p:spTree>
     <p:extLst>
       <p:ext uri="{BB962C8B-B14F-4D97-AF65-F5344CB8AC3E}">
-        <p14:creationId xmlns:p14="http://schemas.microsoft.com/office/powerpoint/2010/main" val="3381803391"/>
+        <p14:creationId xmlns:p14="http://schemas.microsoft.com/office/powerpoint/2010/main" val="638251284"/>
       </p:ext>
     </p:extLst>
   </p:cSld>
   <p:clrMapOvr>
     <a:masterClrMapping/>
   </p:clrMapOvr>
+  <p:timing>
+    <p:tnLst>
+      <p:par>
+        <p:cTn id="1" dur="indefinite" restart="never" nodeType="tmRoot">
+          <p:childTnLst>
+            <p:seq concurrent="1" nextAc="seek">
+              <p:cTn id="2" dur="indefinite" nodeType="mainSeq">
+                <p:childTnLst>
+                  <p:par>
+                    <p:cTn id="3" fill="hold">
+                      <p:stCondLst>
+                        <p:cond delay="indefinite"/>
+                      </p:stCondLst>
+                      <p:childTnLst>
+                        <p:par>
+                          <p:cTn id="4" fill="hold">
+                            <p:stCondLst>
+                              <p:cond delay="0"/>
+                            </p:stCondLst>
+                            <p:childTnLst>
+                              <p:par>
+                                <p:cTn id="5" presetID="10" presetClass="entr" presetSubtype="0" fill="hold" nodeType="clickEffect">
+                                  <p:stCondLst>
+                                    <p:cond delay="0"/>
+                                  </p:stCondLst>
+                                  <p:childTnLst>
+                                    <p:set>
+                                      <p:cBhvr>
+                                        <p:cTn id="6" dur="1" fill="hold">
+                                          <p:stCondLst>
+                                            <p:cond delay="0"/>
+                                          </p:stCondLst>
+                                        </p:cTn>
+                                        <p:tgtEl>
+                                          <p:spTgt spid="3">
+                                            <p:txEl>
+                                              <p:pRg st="0" end="0"/>
+                                            </p:txEl>
+                                          </p:spTgt>
+                                        </p:tgtEl>
+                                        <p:attrNameLst>
+                                          <p:attrName>style.visibility</p:attrName>
+                                        </p:attrNameLst>
+                                      </p:cBhvr>
+                                      <p:to>
+                                        <p:strVal val="visible"/>
+                                      </p:to>
+                                    </p:set>
+                                    <p:animEffect transition="in" filter="fade">
+                                      <p:cBhvr>
+                                        <p:cTn id="7" dur="500"/>
+                                        <p:tgtEl>
+                                          <p:spTgt spid="3">
+                                            <p:txEl>
+                                              <p:pRg st="0" end="0"/>
+                                            </p:txEl>
+                                          </p:spTgt>
+                                        </p:tgtEl>
+                                      </p:cBhvr>
+                                    </p:animEffect>
+                                  </p:childTnLst>
+                                </p:cTn>
+                              </p:par>
+                              <p:par>
+                                <p:cTn id="8" presetID="10" presetClass="entr" presetSubtype="0" fill="hold" nodeType="withEffect">
+                                  <p:stCondLst>
+                                    <p:cond delay="0"/>
+                                  </p:stCondLst>
+                                  <p:childTnLst>
+                                    <p:set>
+                                      <p:cBhvr>
+                                        <p:cTn id="9" dur="1" fill="hold">
+                                          <p:stCondLst>
+                                            <p:cond delay="0"/>
+                                          </p:stCondLst>
+                                        </p:cTn>
+                                        <p:tgtEl>
+                                          <p:spTgt spid="5"/>
+                                        </p:tgtEl>
+                                        <p:attrNameLst>
+                                          <p:attrName>style.visibility</p:attrName>
+                                        </p:attrNameLst>
+                                      </p:cBhvr>
+                                      <p:to>
+                                        <p:strVal val="visible"/>
+                                      </p:to>
+                                    </p:set>
+                                    <p:animEffect transition="in" filter="fade">
+                                      <p:cBhvr>
+                                        <p:cTn id="10" dur="500"/>
+                                        <p:tgtEl>
+                                          <p:spTgt spid="5"/>
+                                        </p:tgtEl>
+                                      </p:cBhvr>
+                                    </p:animEffect>
+                                  </p:childTnLst>
+                                </p:cTn>
+                              </p:par>
+                            </p:childTnLst>
+                          </p:cTn>
+                        </p:par>
+                      </p:childTnLst>
+                    </p:cTn>
+                  </p:par>
+                  <p:par>
+                    <p:cTn id="11" fill="hold">
+                      <p:stCondLst>
+                        <p:cond delay="indefinite"/>
+                      </p:stCondLst>
+                      <p:childTnLst>
+                        <p:par>
+                          <p:cTn id="12" fill="hold">
+                            <p:stCondLst>
+                              <p:cond delay="0"/>
+                            </p:stCondLst>
+                            <p:childTnLst>
+                              <p:par>
+                                <p:cTn id="13" presetID="10" presetClass="entr" presetSubtype="0" fill="hold" nodeType="clickEffect">
+                                  <p:stCondLst>
+                                    <p:cond delay="0"/>
+                                  </p:stCondLst>
+                                  <p:childTnLst>
+                                    <p:set>
+                                      <p:cBhvr>
+                                        <p:cTn id="14" dur="1" fill="hold">
+                                          <p:stCondLst>
+                                            <p:cond delay="0"/>
+                                          </p:stCondLst>
+                                        </p:cTn>
+                                        <p:tgtEl>
+                                          <p:spTgt spid="3">
+                                            <p:txEl>
+                                              <p:pRg st="1" end="1"/>
+                                            </p:txEl>
+                                          </p:spTgt>
+                                        </p:tgtEl>
+                                        <p:attrNameLst>
+                                          <p:attrName>style.visibility</p:attrName>
+                                        </p:attrNameLst>
+                                      </p:cBhvr>
+                                      <p:to>
+                                        <p:strVal val="visible"/>
+                                      </p:to>
+                                    </p:set>
+                                    <p:animEffect transition="in" filter="fade">
+                                      <p:cBhvr>
+                                        <p:cTn id="15" dur="500"/>
+                                        <p:tgtEl>
+                                          <p:spTgt spid="3">
+                                            <p:txEl>
+                                              <p:pRg st="1" end="1"/>
+                                            </p:txEl>
+                                          </p:spTgt>
+                                        </p:tgtEl>
+                                      </p:cBhvr>
+                                    </p:animEffect>
+                                  </p:childTnLst>
+                                </p:cTn>
+                              </p:par>
+                            </p:childTnLst>
+                          </p:cTn>
+                        </p:par>
+                      </p:childTnLst>
+                    </p:cTn>
+                  </p:par>
+                  <p:par>
+                    <p:cTn id="16" fill="hold">
+                      <p:stCondLst>
+                        <p:cond delay="indefinite"/>
+                      </p:stCondLst>
+                      <p:childTnLst>
+                        <p:par>
+                          <p:cTn id="17" fill="hold">
+                            <p:stCondLst>
+                              <p:cond delay="0"/>
+                            </p:stCondLst>
+                            <p:childTnLst>
+                              <p:par>
+                                <p:cTn id="18" presetID="10" presetClass="entr" presetSubtype="0" fill="hold" nodeType="clickEffect">
+                                  <p:stCondLst>
+                                    <p:cond delay="0"/>
+                                  </p:stCondLst>
+                                  <p:childTnLst>
+                                    <p:set>
+                                      <p:cBhvr>
+                                        <p:cTn id="19" dur="1" fill="hold">
+                                          <p:stCondLst>
+                                            <p:cond delay="0"/>
+                                          </p:stCondLst>
+                                        </p:cTn>
+                                        <p:tgtEl>
+                                          <p:spTgt spid="3">
+                                            <p:txEl>
+                                              <p:pRg st="2" end="2"/>
+                                            </p:txEl>
+                                          </p:spTgt>
+                                        </p:tgtEl>
+                                        <p:attrNameLst>
+                                          <p:attrName>style.visibility</p:attrName>
+                                        </p:attrNameLst>
+                                      </p:cBhvr>
+                                      <p:to>
+                                        <p:strVal val="visible"/>
+                                      </p:to>
+                                    </p:set>
+                                    <p:animEffect transition="in" filter="fade">
+                                      <p:cBhvr>
+                                        <p:cTn id="20" dur="500"/>
+                                        <p:tgtEl>
+                                          <p:spTgt spid="3">
+                                            <p:txEl>
+                                              <p:pRg st="2" end="2"/>
+                                            </p:txEl>
+                                          </p:spTgt>
+                                        </p:tgtEl>
+                                      </p:cBhvr>
+                                    </p:animEffect>
+                                  </p:childTnLst>
+                                </p:cTn>
+                              </p:par>
+                            </p:childTnLst>
+                          </p:cTn>
+                        </p:par>
+                      </p:childTnLst>
+                    </p:cTn>
+                  </p:par>
+                  <p:par>
+                    <p:cTn id="21" fill="hold">
+                      <p:stCondLst>
+                        <p:cond delay="indefinite"/>
+                      </p:stCondLst>
+                      <p:childTnLst>
+                        <p:par>
+                          <p:cTn id="22" fill="hold">
+                            <p:stCondLst>
+                              <p:cond delay="0"/>
+                            </p:stCondLst>
+                            <p:childTnLst>
+                              <p:par>
+                                <p:cTn id="23" presetID="10" presetClass="entr" presetSubtype="0" fill="hold" nodeType="clickEffect">
+                                  <p:stCondLst>
+                                    <p:cond delay="0"/>
+                                  </p:stCondLst>
+                                  <p:childTnLst>
+                                    <p:set>
+                                      <p:cBhvr>
+                                        <p:cTn id="24" dur="1" fill="hold">
+                                          <p:stCondLst>
+                                            <p:cond delay="0"/>
+                                          </p:stCondLst>
+                                        </p:cTn>
+                                        <p:tgtEl>
+                                          <p:spTgt spid="3">
+                                            <p:txEl>
+                                              <p:pRg st="3" end="3"/>
+                                            </p:txEl>
+                                          </p:spTgt>
+                                        </p:tgtEl>
+                                        <p:attrNameLst>
+                                          <p:attrName>style.visibility</p:attrName>
+                                        </p:attrNameLst>
+                                      </p:cBhvr>
+                                      <p:to>
+                                        <p:strVal val="visible"/>
+                                      </p:to>
+                                    </p:set>
+                                    <p:animEffect transition="in" filter="fade">
+                                      <p:cBhvr>
+                                        <p:cTn id="25" dur="500"/>
+                                        <p:tgtEl>
+                                          <p:spTgt spid="3">
+                                            <p:txEl>
+                                              <p:pRg st="3" end="3"/>
+                                            </p:txEl>
+                                          </p:spTgt>
+                                        </p:tgtEl>
+                                      </p:cBhvr>
+                                    </p:animEffect>
+                                  </p:childTnLst>
+                                </p:cTn>
+                              </p:par>
+                            </p:childTnLst>
+                          </p:cTn>
+                        </p:par>
+                      </p:childTnLst>
+                    </p:cTn>
+                  </p:par>
+                  <p:par>
+                    <p:cTn id="26" fill="hold">
+                      <p:stCondLst>
+                        <p:cond delay="indefinite"/>
+                      </p:stCondLst>
+                      <p:childTnLst>
+                        <p:par>
+                          <p:cTn id="27" fill="hold">
+                            <p:stCondLst>
+                              <p:cond delay="0"/>
+                            </p:stCondLst>
+                            <p:childTnLst>
+                              <p:par>
+                                <p:cTn id="28" presetID="10" presetClass="entr" presetSubtype="0" fill="hold" nodeType="clickEffect">
+                                  <p:stCondLst>
+                                    <p:cond delay="0"/>
+                                  </p:stCondLst>
+                                  <p:childTnLst>
+                                    <p:set>
+                                      <p:cBhvr>
+                                        <p:cTn id="29" dur="1" fill="hold">
+                                          <p:stCondLst>
+                                            <p:cond delay="0"/>
+                                          </p:stCondLst>
+                                        </p:cTn>
+                                        <p:tgtEl>
+                                          <p:spTgt spid="3">
+                                            <p:txEl>
+                                              <p:pRg st="4" end="4"/>
+                                            </p:txEl>
+                                          </p:spTgt>
+                                        </p:tgtEl>
+                                        <p:attrNameLst>
+                                          <p:attrName>style.visibility</p:attrName>
+                                        </p:attrNameLst>
+                                      </p:cBhvr>
+                                      <p:to>
+                                        <p:strVal val="visible"/>
+                                      </p:to>
+                                    </p:set>
+                                    <p:animEffect transition="in" filter="fade">
+                                      <p:cBhvr>
+                                        <p:cTn id="30" dur="500"/>
+                                        <p:tgtEl>
+                                          <p:spTgt spid="3">
+                                            <p:txEl>
+                                              <p:pRg st="4" end="4"/>
+                                            </p:txEl>
+                                          </p:spTgt>
+                                        </p:tgtEl>
+                                      </p:cBhvr>
+                                    </p:animEffect>
+                                  </p:childTnLst>
+                                </p:cTn>
+                              </p:par>
+                            </p:childTnLst>
+                          </p:cTn>
+                        </p:par>
+                      </p:childTnLst>
+                    </p:cTn>
+                  </p:par>
+                  <p:par>
+                    <p:cTn id="31" fill="hold">
+                      <p:stCondLst>
+                        <p:cond delay="indefinite"/>
+                      </p:stCondLst>
+                      <p:childTnLst>
+                        <p:par>
+                          <p:cTn id="32" fill="hold">
+                            <p:stCondLst>
+                              <p:cond delay="0"/>
+                            </p:stCondLst>
+                            <p:childTnLst>
+                              <p:par>
+                                <p:cTn id="33" presetID="10" presetClass="entr" presetSubtype="0" fill="hold" nodeType="clickEffect">
+                                  <p:stCondLst>
+                                    <p:cond delay="0"/>
+                                  </p:stCondLst>
+                                  <p:childTnLst>
+                                    <p:set>
+                                      <p:cBhvr>
+                                        <p:cTn id="34" dur="1" fill="hold">
+                                          <p:stCondLst>
+                                            <p:cond delay="0"/>
+                                          </p:stCondLst>
+                                        </p:cTn>
+                                        <p:tgtEl>
+                                          <p:spTgt spid="3">
+                                            <p:txEl>
+                                              <p:pRg st="5" end="5"/>
+                                            </p:txEl>
+                                          </p:spTgt>
+                                        </p:tgtEl>
+                                        <p:attrNameLst>
+                                          <p:attrName>style.visibility</p:attrName>
+                                        </p:attrNameLst>
+                                      </p:cBhvr>
+                                      <p:to>
+                                        <p:strVal val="visible"/>
+                                      </p:to>
+                                    </p:set>
+                                    <p:animEffect transition="in" filter="fade">
+                                      <p:cBhvr>
+                                        <p:cTn id="35" dur="500"/>
+                                        <p:tgtEl>
+                                          <p:spTgt spid="3">
+                                            <p:txEl>
+                                              <p:pRg st="5" end="5"/>
+                                            </p:txEl>
+                                          </p:spTgt>
+                                        </p:tgtEl>
+                                      </p:cBhvr>
+                                    </p:animEffect>
+                                  </p:childTnLst>
+                                </p:cTn>
+                              </p:par>
+                            </p:childTnLst>
+                          </p:cTn>
+                        </p:par>
+                      </p:childTnLst>
+                    </p:cTn>
+                  </p:par>
+                </p:childTnLst>
+              </p:cTn>
+              <p:prevCondLst>
+                <p:cond evt="onPrev" delay="0">
+                  <p:tgtEl>
+                    <p:sldTgt/>
+                  </p:tgtEl>
+                </p:cond>
+              </p:prevCondLst>
+              <p:nextCondLst>
+                <p:cond evt="onNext" delay="0">
+                  <p:tgtEl>
+                    <p:sldTgt/>
+                  </p:tgtEl>
+                </p:cond>
+              </p:nextCondLst>
+            </p:seq>
+          </p:childTnLst>
+        </p:cTn>
+      </p:par>
+    </p:tnLst>
+  </p:timing>
 </p:sld>
 </file>
 

--- a/Assessed Work/CPU6001 - Project Viva Presentation.pptx
+++ b/Assessed Work/CPU6001 - Project Viva Presentation.pptx
@@ -214,7 +214,7 @@
           <a:p>
             <a:fld id="{E8EADAF0-BB59-4580-9895-D038931753E0}" type="datetimeFigureOut">
               <a:rPr lang="en-GB" smtClean="0"/>
-              <a:t>11/05/2018</a:t>
+              <a:t>14/05/2018</a:t>
             </a:fld>
             <a:endParaRPr lang="en-GB"/>
           </a:p>
@@ -1416,7 +1416,7 @@
           <a:p>
             <a:fld id="{9C2B3C99-1E91-4271-8733-42C66E2C266D}" type="datetimeFigureOut">
               <a:rPr lang="en-GB" smtClean="0"/>
-              <a:t>11/05/2018</a:t>
+              <a:t>14/05/2018</a:t>
             </a:fld>
             <a:endParaRPr lang="en-GB"/>
           </a:p>
@@ -1712,7 +1712,7 @@
           <a:p>
             <a:fld id="{9C2B3C99-1E91-4271-8733-42C66E2C266D}" type="datetimeFigureOut">
               <a:rPr lang="en-GB" smtClean="0"/>
-              <a:t>11/05/2018</a:t>
+              <a:t>14/05/2018</a:t>
             </a:fld>
             <a:endParaRPr lang="en-GB"/>
           </a:p>
@@ -1960,7 +1960,7 @@
           <a:p>
             <a:fld id="{9C2B3C99-1E91-4271-8733-42C66E2C266D}" type="datetimeFigureOut">
               <a:rPr lang="en-GB" smtClean="0"/>
-              <a:t>11/05/2018</a:t>
+              <a:t>14/05/2018</a:t>
             </a:fld>
             <a:endParaRPr lang="en-GB"/>
           </a:p>
@@ -2500,7 +2500,7 @@
           <a:p>
             <a:fld id="{9C2B3C99-1E91-4271-8733-42C66E2C266D}" type="datetimeFigureOut">
               <a:rPr lang="en-GB" smtClean="0"/>
-              <a:t>11/05/2018</a:t>
+              <a:t>14/05/2018</a:t>
             </a:fld>
             <a:endParaRPr lang="en-GB"/>
           </a:p>
@@ -2748,7 +2748,7 @@
           <a:p>
             <a:fld id="{9C2B3C99-1E91-4271-8733-42C66E2C266D}" type="datetimeFigureOut">
               <a:rPr lang="en-GB" smtClean="0"/>
-              <a:t>11/05/2018</a:t>
+              <a:t>14/05/2018</a:t>
             </a:fld>
             <a:endParaRPr lang="en-GB"/>
           </a:p>
@@ -3280,7 +3280,7 @@
           <a:p>
             <a:fld id="{9C2B3C99-1E91-4271-8733-42C66E2C266D}" type="datetimeFigureOut">
               <a:rPr lang="en-GB" smtClean="0"/>
-              <a:t>11/05/2018</a:t>
+              <a:t>14/05/2018</a:t>
             </a:fld>
             <a:endParaRPr lang="en-GB"/>
           </a:p>
@@ -3577,7 +3577,7 @@
           <a:p>
             <a:fld id="{9C2B3C99-1E91-4271-8733-42C66E2C266D}" type="datetimeFigureOut">
               <a:rPr lang="en-GB" smtClean="0"/>
-              <a:t>11/05/2018</a:t>
+              <a:t>14/05/2018</a:t>
             </a:fld>
             <a:endParaRPr lang="en-GB"/>
           </a:p>
@@ -3751,7 +3751,7 @@
           <a:p>
             <a:fld id="{9C2B3C99-1E91-4271-8733-42C66E2C266D}" type="datetimeFigureOut">
               <a:rPr lang="en-GB" smtClean="0"/>
-              <a:t>11/05/2018</a:t>
+              <a:t>14/05/2018</a:t>
             </a:fld>
             <a:endParaRPr lang="en-GB"/>
           </a:p>
@@ -3931,7 +3931,7 @@
           <a:p>
             <a:fld id="{9C2B3C99-1E91-4271-8733-42C66E2C266D}" type="datetimeFigureOut">
               <a:rPr lang="en-GB" smtClean="0"/>
-              <a:t>11/05/2018</a:t>
+              <a:t>14/05/2018</a:t>
             </a:fld>
             <a:endParaRPr lang="en-GB"/>
           </a:p>
@@ -4101,7 +4101,7 @@
           <a:p>
             <a:fld id="{9C2B3C99-1E91-4271-8733-42C66E2C266D}" type="datetimeFigureOut">
               <a:rPr lang="en-GB" smtClean="0"/>
-              <a:t>11/05/2018</a:t>
+              <a:t>14/05/2018</a:t>
             </a:fld>
             <a:endParaRPr lang="en-GB"/>
           </a:p>
@@ -4352,7 +4352,7 @@
           <a:p>
             <a:fld id="{9C2B3C99-1E91-4271-8733-42C66E2C266D}" type="datetimeFigureOut">
               <a:rPr lang="en-GB" smtClean="0"/>
-              <a:t>11/05/2018</a:t>
+              <a:t>14/05/2018</a:t>
             </a:fld>
             <a:endParaRPr lang="en-GB"/>
           </a:p>
@@ -4649,7 +4649,7 @@
           <a:p>
             <a:fld id="{9C2B3C99-1E91-4271-8733-42C66E2C266D}" type="datetimeFigureOut">
               <a:rPr lang="en-GB" smtClean="0"/>
-              <a:t>11/05/2018</a:t>
+              <a:t>14/05/2018</a:t>
             </a:fld>
             <a:endParaRPr lang="en-GB"/>
           </a:p>
@@ -5091,7 +5091,7 @@
           <a:p>
             <a:fld id="{9C2B3C99-1E91-4271-8733-42C66E2C266D}" type="datetimeFigureOut">
               <a:rPr lang="en-GB" smtClean="0"/>
-              <a:t>11/05/2018</a:t>
+              <a:t>14/05/2018</a:t>
             </a:fld>
             <a:endParaRPr lang="en-GB"/>
           </a:p>
@@ -5209,7 +5209,7 @@
           <a:p>
             <a:fld id="{9C2B3C99-1E91-4271-8733-42C66E2C266D}" type="datetimeFigureOut">
               <a:rPr lang="en-GB" smtClean="0"/>
-              <a:t>11/05/2018</a:t>
+              <a:t>14/05/2018</a:t>
             </a:fld>
             <a:endParaRPr lang="en-GB"/>
           </a:p>
@@ -5304,7 +5304,7 @@
           <a:p>
             <a:fld id="{9C2B3C99-1E91-4271-8733-42C66E2C266D}" type="datetimeFigureOut">
               <a:rPr lang="en-GB" smtClean="0"/>
-              <a:t>11/05/2018</a:t>
+              <a:t>14/05/2018</a:t>
             </a:fld>
             <a:endParaRPr lang="en-GB"/>
           </a:p>
@@ -5587,7 +5587,7 @@
           <a:p>
             <a:fld id="{9C2B3C99-1E91-4271-8733-42C66E2C266D}" type="datetimeFigureOut">
               <a:rPr lang="en-GB" smtClean="0"/>
-              <a:t>11/05/2018</a:t>
+              <a:t>14/05/2018</a:t>
             </a:fld>
             <a:endParaRPr lang="en-GB"/>
           </a:p>
@@ -5878,7 +5878,7 @@
           <a:p>
             <a:fld id="{9C2B3C99-1E91-4271-8733-42C66E2C266D}" type="datetimeFigureOut">
               <a:rPr lang="en-GB" smtClean="0"/>
-              <a:t>11/05/2018</a:t>
+              <a:t>14/05/2018</a:t>
             </a:fld>
             <a:endParaRPr lang="en-GB"/>
           </a:p>
@@ -6408,7 +6408,7 @@
           <a:p>
             <a:fld id="{9C2B3C99-1E91-4271-8733-42C66E2C266D}" type="datetimeFigureOut">
               <a:rPr lang="en-GB" smtClean="0"/>
-              <a:t>11/05/2018</a:t>
+              <a:t>14/05/2018</a:t>
             </a:fld>
             <a:endParaRPr lang="en-GB"/>
           </a:p>
@@ -17765,7 +17765,7 @@
         </p:nvSpPr>
         <p:spPr>
           <a:xfrm>
-            <a:off x="3948968" y="3020640"/>
+            <a:off x="3307524" y="3020640"/>
             <a:ext cx="6096000" cy="1165412"/>
           </a:xfrm>
         </p:spPr>

--- a/Assessed Work/CPU6001 - Project Viva Presentation.pptx
+++ b/Assessed Work/CPU6001 - Project Viva Presentation.pptx
@@ -214,7 +214,7 @@
           <a:p>
             <a:fld id="{E8EADAF0-BB59-4580-9895-D038931753E0}" type="datetimeFigureOut">
               <a:rPr lang="en-GB" smtClean="0"/>
-              <a:t>14/05/2018</a:t>
+              <a:t>15/05/2018</a:t>
             </a:fld>
             <a:endParaRPr lang="en-GB"/>
           </a:p>
@@ -905,6 +905,102 @@
     <p:extLst>
       <p:ext uri="{BB962C8B-B14F-4D97-AF65-F5344CB8AC3E}">
         <p14:creationId xmlns:p14="http://schemas.microsoft.com/office/powerpoint/2010/main" val="2671497110"/>
+      </p:ext>
+    </p:extLst>
+  </p:cSld>
+  <p:clrMapOvr>
+    <a:masterClrMapping/>
+  </p:clrMapOvr>
+</p:notes>
+</file>
+
+<file path=ppt/notesSlides/notesSlide6.xml><?xml version="1.0" encoding="utf-8"?>
+<p:notes xmlns:a="http://schemas.openxmlformats.org/drawingml/2006/main" xmlns:r="http://schemas.openxmlformats.org/officeDocument/2006/relationships" xmlns:p="http://schemas.openxmlformats.org/presentationml/2006/main">
+  <p:cSld>
+    <p:spTree>
+      <p:nvGrpSpPr>
+        <p:cNvPr id="1" name=""/>
+        <p:cNvGrpSpPr/>
+        <p:nvPr/>
+      </p:nvGrpSpPr>
+      <p:grpSpPr>
+        <a:xfrm>
+          <a:off x="0" y="0"/>
+          <a:ext cx="0" cy="0"/>
+          <a:chOff x="0" y="0"/>
+          <a:chExt cx="0" cy="0"/>
+        </a:xfrm>
+      </p:grpSpPr>
+      <p:sp>
+        <p:nvSpPr>
+          <p:cNvPr id="2" name="Slide Image Placeholder 1"/>
+          <p:cNvSpPr>
+            <a:spLocks noGrp="1" noRot="1" noChangeAspect="1"/>
+          </p:cNvSpPr>
+          <p:nvPr>
+            <p:ph type="sldImg"/>
+          </p:nvPr>
+        </p:nvSpPr>
+        <p:spPr/>
+      </p:sp>
+      <p:sp>
+        <p:nvSpPr>
+          <p:cNvPr id="3" name="Notes Placeholder 2"/>
+          <p:cNvSpPr>
+            <a:spLocks noGrp="1"/>
+          </p:cNvSpPr>
+          <p:nvPr>
+            <p:ph type="body" idx="1"/>
+          </p:nvPr>
+        </p:nvSpPr>
+        <p:spPr/>
+        <p:txBody>
+          <a:bodyPr/>
+          <a:lstStyle/>
+          <a:p>
+            <a:r>
+              <a:rPr lang="en-GB" dirty="0"/>
+              <a:t>Visual Analysis: Trend, Correlation (Positive).</a:t>
+            </a:r>
+          </a:p>
+          <a:p>
+            <a:r>
+              <a:rPr lang="en-GB" dirty="0"/>
+              <a:t>Variance: Low, low spread and sparsity</a:t>
+            </a:r>
+          </a:p>
+          <a:p>
+            <a:endParaRPr lang="en-GB" dirty="0"/>
+          </a:p>
+        </p:txBody>
+      </p:sp>
+      <p:sp>
+        <p:nvSpPr>
+          <p:cNvPr id="4" name="Slide Number Placeholder 3"/>
+          <p:cNvSpPr>
+            <a:spLocks noGrp="1"/>
+          </p:cNvSpPr>
+          <p:nvPr>
+            <p:ph type="sldNum" sz="quarter" idx="10"/>
+          </p:nvPr>
+        </p:nvSpPr>
+        <p:spPr/>
+        <p:txBody>
+          <a:bodyPr/>
+          <a:lstStyle/>
+          <a:p>
+            <a:fld id="{51538670-4314-4CEE-AB5D-6D2F348EF2B6}" type="slidenum">
+              <a:rPr lang="en-GB" smtClean="0"/>
+              <a:t>16</a:t>
+            </a:fld>
+            <a:endParaRPr lang="en-GB"/>
+          </a:p>
+        </p:txBody>
+      </p:sp>
+    </p:spTree>
+    <p:extLst>
+      <p:ext uri="{BB962C8B-B14F-4D97-AF65-F5344CB8AC3E}">
+        <p14:creationId xmlns:p14="http://schemas.microsoft.com/office/powerpoint/2010/main" val="3664829128"/>
       </p:ext>
     </p:extLst>
   </p:cSld>
@@ -1416,7 +1512,7 @@
           <a:p>
             <a:fld id="{9C2B3C99-1E91-4271-8733-42C66E2C266D}" type="datetimeFigureOut">
               <a:rPr lang="en-GB" smtClean="0"/>
-              <a:t>14/05/2018</a:t>
+              <a:t>15/05/2018</a:t>
             </a:fld>
             <a:endParaRPr lang="en-GB"/>
           </a:p>
@@ -1712,7 +1808,7 @@
           <a:p>
             <a:fld id="{9C2B3C99-1E91-4271-8733-42C66E2C266D}" type="datetimeFigureOut">
               <a:rPr lang="en-GB" smtClean="0"/>
-              <a:t>14/05/2018</a:t>
+              <a:t>15/05/2018</a:t>
             </a:fld>
             <a:endParaRPr lang="en-GB"/>
           </a:p>
@@ -1960,7 +2056,7 @@
           <a:p>
             <a:fld id="{9C2B3C99-1E91-4271-8733-42C66E2C266D}" type="datetimeFigureOut">
               <a:rPr lang="en-GB" smtClean="0"/>
-              <a:t>14/05/2018</a:t>
+              <a:t>15/05/2018</a:t>
             </a:fld>
             <a:endParaRPr lang="en-GB"/>
           </a:p>
@@ -2500,7 +2596,7 @@
           <a:p>
             <a:fld id="{9C2B3C99-1E91-4271-8733-42C66E2C266D}" type="datetimeFigureOut">
               <a:rPr lang="en-GB" smtClean="0"/>
-              <a:t>14/05/2018</a:t>
+              <a:t>15/05/2018</a:t>
             </a:fld>
             <a:endParaRPr lang="en-GB"/>
           </a:p>
@@ -2748,7 +2844,7 @@
           <a:p>
             <a:fld id="{9C2B3C99-1E91-4271-8733-42C66E2C266D}" type="datetimeFigureOut">
               <a:rPr lang="en-GB" smtClean="0"/>
-              <a:t>14/05/2018</a:t>
+              <a:t>15/05/2018</a:t>
             </a:fld>
             <a:endParaRPr lang="en-GB"/>
           </a:p>
@@ -3280,7 +3376,7 @@
           <a:p>
             <a:fld id="{9C2B3C99-1E91-4271-8733-42C66E2C266D}" type="datetimeFigureOut">
               <a:rPr lang="en-GB" smtClean="0"/>
-              <a:t>14/05/2018</a:t>
+              <a:t>15/05/2018</a:t>
             </a:fld>
             <a:endParaRPr lang="en-GB"/>
           </a:p>
@@ -3577,7 +3673,7 @@
           <a:p>
             <a:fld id="{9C2B3C99-1E91-4271-8733-42C66E2C266D}" type="datetimeFigureOut">
               <a:rPr lang="en-GB" smtClean="0"/>
-              <a:t>14/05/2018</a:t>
+              <a:t>15/05/2018</a:t>
             </a:fld>
             <a:endParaRPr lang="en-GB"/>
           </a:p>
@@ -3751,7 +3847,7 @@
           <a:p>
             <a:fld id="{9C2B3C99-1E91-4271-8733-42C66E2C266D}" type="datetimeFigureOut">
               <a:rPr lang="en-GB" smtClean="0"/>
-              <a:t>14/05/2018</a:t>
+              <a:t>15/05/2018</a:t>
             </a:fld>
             <a:endParaRPr lang="en-GB"/>
           </a:p>
@@ -3931,7 +4027,7 @@
           <a:p>
             <a:fld id="{9C2B3C99-1E91-4271-8733-42C66E2C266D}" type="datetimeFigureOut">
               <a:rPr lang="en-GB" smtClean="0"/>
-              <a:t>14/05/2018</a:t>
+              <a:t>15/05/2018</a:t>
             </a:fld>
             <a:endParaRPr lang="en-GB"/>
           </a:p>
@@ -4101,7 +4197,7 @@
           <a:p>
             <a:fld id="{9C2B3C99-1E91-4271-8733-42C66E2C266D}" type="datetimeFigureOut">
               <a:rPr lang="en-GB" smtClean="0"/>
-              <a:t>14/05/2018</a:t>
+              <a:t>15/05/2018</a:t>
             </a:fld>
             <a:endParaRPr lang="en-GB"/>
           </a:p>
@@ -4352,7 +4448,7 @@
           <a:p>
             <a:fld id="{9C2B3C99-1E91-4271-8733-42C66E2C266D}" type="datetimeFigureOut">
               <a:rPr lang="en-GB" smtClean="0"/>
-              <a:t>14/05/2018</a:t>
+              <a:t>15/05/2018</a:t>
             </a:fld>
             <a:endParaRPr lang="en-GB"/>
           </a:p>
@@ -4649,7 +4745,7 @@
           <a:p>
             <a:fld id="{9C2B3C99-1E91-4271-8733-42C66E2C266D}" type="datetimeFigureOut">
               <a:rPr lang="en-GB" smtClean="0"/>
-              <a:t>14/05/2018</a:t>
+              <a:t>15/05/2018</a:t>
             </a:fld>
             <a:endParaRPr lang="en-GB"/>
           </a:p>
@@ -5091,7 +5187,7 @@
           <a:p>
             <a:fld id="{9C2B3C99-1E91-4271-8733-42C66E2C266D}" type="datetimeFigureOut">
               <a:rPr lang="en-GB" smtClean="0"/>
-              <a:t>14/05/2018</a:t>
+              <a:t>15/05/2018</a:t>
             </a:fld>
             <a:endParaRPr lang="en-GB"/>
           </a:p>
@@ -5209,7 +5305,7 @@
           <a:p>
             <a:fld id="{9C2B3C99-1E91-4271-8733-42C66E2C266D}" type="datetimeFigureOut">
               <a:rPr lang="en-GB" smtClean="0"/>
-              <a:t>14/05/2018</a:t>
+              <a:t>15/05/2018</a:t>
             </a:fld>
             <a:endParaRPr lang="en-GB"/>
           </a:p>
@@ -5304,7 +5400,7 @@
           <a:p>
             <a:fld id="{9C2B3C99-1E91-4271-8733-42C66E2C266D}" type="datetimeFigureOut">
               <a:rPr lang="en-GB" smtClean="0"/>
-              <a:t>14/05/2018</a:t>
+              <a:t>15/05/2018</a:t>
             </a:fld>
             <a:endParaRPr lang="en-GB"/>
           </a:p>
@@ -5587,7 +5683,7 @@
           <a:p>
             <a:fld id="{9C2B3C99-1E91-4271-8733-42C66E2C266D}" type="datetimeFigureOut">
               <a:rPr lang="en-GB" smtClean="0"/>
-              <a:t>14/05/2018</a:t>
+              <a:t>15/05/2018</a:t>
             </a:fld>
             <a:endParaRPr lang="en-GB"/>
           </a:p>
@@ -5878,7 +5974,7 @@
           <a:p>
             <a:fld id="{9C2B3C99-1E91-4271-8733-42C66E2C266D}" type="datetimeFigureOut">
               <a:rPr lang="en-GB" smtClean="0"/>
-              <a:t>14/05/2018</a:t>
+              <a:t>15/05/2018</a:t>
             </a:fld>
             <a:endParaRPr lang="en-GB"/>
           </a:p>
@@ -6408,7 +6504,7 @@
           <a:p>
             <a:fld id="{9C2B3C99-1E91-4271-8733-42C66E2C266D}" type="datetimeFigureOut">
               <a:rPr lang="en-GB" smtClean="0"/>
-              <a:t>14/05/2018</a:t>
+              <a:t>15/05/2018</a:t>
             </a:fld>
             <a:endParaRPr lang="en-GB"/>
           </a:p>
@@ -11891,8 +11987,8 @@
         </p:blipFill>
         <p:spPr>
           <a:xfrm>
-            <a:off x="2926080" y="1919540"/>
-            <a:ext cx="7116417" cy="3882112"/>
+            <a:off x="2992821" y="1919540"/>
+            <a:ext cx="6017273" cy="3882112"/>
           </a:xfrm>
           <a:prstGeom prst="rect">
             <a:avLst/>
@@ -14044,6 +14140,47 @@
           <a:chExt cx="0" cy="0"/>
         </a:xfrm>
       </p:grpSpPr>
+      <p:cxnSp>
+        <p:nvCxnSpPr>
+          <p:cNvPr id="15" name="Straight Connector 14">
+            <a:extLst>
+              <a:ext uri="{FF2B5EF4-FFF2-40B4-BE49-F238E27FC236}">
+                <a16:creationId xmlns:a16="http://schemas.microsoft.com/office/drawing/2014/main" id="{269952BD-F01E-4817-BE35-7336A2CB5942}"/>
+              </a:ext>
+            </a:extLst>
+          </p:cNvPr>
+          <p:cNvCxnSpPr>
+            <a:cxnSpLocks/>
+            <a:stCxn id="10" idx="6"/>
+            <a:endCxn id="16" idx="2"/>
+          </p:cNvCxnSpPr>
+          <p:nvPr/>
+        </p:nvCxnSpPr>
+        <p:spPr>
+          <a:xfrm flipV="1">
+            <a:off x="9512941" y="6532221"/>
+            <a:ext cx="1762457" cy="1677"/>
+          </a:xfrm>
+          <a:prstGeom prst="line">
+            <a:avLst/>
+          </a:prstGeom>
+          <a:ln w="28575"/>
+        </p:spPr>
+        <p:style>
+          <a:lnRef idx="2">
+            <a:schemeClr val="dk1"/>
+          </a:lnRef>
+          <a:fillRef idx="0">
+            <a:schemeClr val="dk1"/>
+          </a:fillRef>
+          <a:effectRef idx="1">
+            <a:schemeClr val="dk1"/>
+          </a:effectRef>
+          <a:fontRef idx="minor">
+            <a:schemeClr val="tx1"/>
+          </a:fontRef>
+        </p:style>
+      </p:cxnSp>
       <p:sp>
         <p:nvSpPr>
           <p:cNvPr id="2" name="Title 1">
@@ -14680,47 +14817,6 @@
           </a:p>
         </p:txBody>
       </p:sp>
-      <p:cxnSp>
-        <p:nvCxnSpPr>
-          <p:cNvPr id="15" name="Straight Connector 14">
-            <a:extLst>
-              <a:ext uri="{FF2B5EF4-FFF2-40B4-BE49-F238E27FC236}">
-                <a16:creationId xmlns:a16="http://schemas.microsoft.com/office/drawing/2014/main" id="{269952BD-F01E-4817-BE35-7336A2CB5942}"/>
-              </a:ext>
-            </a:extLst>
-          </p:cNvPr>
-          <p:cNvCxnSpPr>
-            <a:cxnSpLocks/>
-            <a:stCxn id="10" idx="6"/>
-            <a:endCxn id="16" idx="2"/>
-          </p:cNvCxnSpPr>
-          <p:nvPr/>
-        </p:nvCxnSpPr>
-        <p:spPr>
-          <a:xfrm flipV="1">
-            <a:off x="9512941" y="6532221"/>
-            <a:ext cx="1762457" cy="1677"/>
-          </a:xfrm>
-          <a:prstGeom prst="line">
-            <a:avLst/>
-          </a:prstGeom>
-          <a:ln w="28575"/>
-        </p:spPr>
-        <p:style>
-          <a:lnRef idx="2">
-            <a:schemeClr val="dk1"/>
-          </a:lnRef>
-          <a:fillRef idx="0">
-            <a:schemeClr val="dk1"/>
-          </a:fillRef>
-          <a:effectRef idx="1">
-            <a:schemeClr val="dk1"/>
-          </a:effectRef>
-          <a:fontRef idx="minor">
-            <a:schemeClr val="tx1"/>
-          </a:fontRef>
-        </p:style>
-      </p:cxnSp>
       <p:sp>
         <p:nvSpPr>
           <p:cNvPr id="16" name="Oval 15">
@@ -15020,6 +15116,283 @@
   <p:clrMapOvr>
     <a:masterClrMapping/>
   </p:clrMapOvr>
+  <p:timing>
+    <p:tnLst>
+      <p:par>
+        <p:cTn id="1" dur="indefinite" restart="never" nodeType="tmRoot">
+          <p:childTnLst>
+            <p:seq concurrent="1" nextAc="seek">
+              <p:cTn id="2" dur="indefinite" nodeType="mainSeq">
+                <p:childTnLst>
+                  <p:par>
+                    <p:cTn id="3" fill="hold">
+                      <p:stCondLst>
+                        <p:cond delay="indefinite"/>
+                      </p:stCondLst>
+                      <p:childTnLst>
+                        <p:par>
+                          <p:cTn id="4" fill="hold">
+                            <p:stCondLst>
+                              <p:cond delay="0"/>
+                            </p:stCondLst>
+                            <p:childTnLst>
+                              <p:par>
+                                <p:cTn id="5" presetID="10" presetClass="entr" presetSubtype="0" fill="hold" grpId="0" nodeType="clickEffect">
+                                  <p:stCondLst>
+                                    <p:cond delay="0"/>
+                                  </p:stCondLst>
+                                  <p:childTnLst>
+                                    <p:set>
+                                      <p:cBhvr>
+                                        <p:cTn id="6" dur="1" fill="hold">
+                                          <p:stCondLst>
+                                            <p:cond delay="0"/>
+                                          </p:stCondLst>
+                                        </p:cTn>
+                                        <p:tgtEl>
+                                          <p:spTgt spid="3">
+                                            <p:txEl>
+                                              <p:pRg st="0" end="0"/>
+                                            </p:txEl>
+                                          </p:spTgt>
+                                        </p:tgtEl>
+                                        <p:attrNameLst>
+                                          <p:attrName>style.visibility</p:attrName>
+                                        </p:attrNameLst>
+                                      </p:cBhvr>
+                                      <p:to>
+                                        <p:strVal val="visible"/>
+                                      </p:to>
+                                    </p:set>
+                                    <p:animEffect transition="in" filter="fade">
+                                      <p:cBhvr>
+                                        <p:cTn id="7" dur="500"/>
+                                        <p:tgtEl>
+                                          <p:spTgt spid="3">
+                                            <p:txEl>
+                                              <p:pRg st="0" end="0"/>
+                                            </p:txEl>
+                                          </p:spTgt>
+                                        </p:tgtEl>
+                                      </p:cBhvr>
+                                    </p:animEffect>
+                                  </p:childTnLst>
+                                </p:cTn>
+                              </p:par>
+                            </p:childTnLst>
+                          </p:cTn>
+                        </p:par>
+                      </p:childTnLst>
+                    </p:cTn>
+                  </p:par>
+                  <p:par>
+                    <p:cTn id="8" fill="hold">
+                      <p:stCondLst>
+                        <p:cond delay="indefinite"/>
+                      </p:stCondLst>
+                      <p:childTnLst>
+                        <p:par>
+                          <p:cTn id="9" fill="hold">
+                            <p:stCondLst>
+                              <p:cond delay="0"/>
+                            </p:stCondLst>
+                            <p:childTnLst>
+                              <p:par>
+                                <p:cTn id="10" presetID="10" presetClass="entr" presetSubtype="0" fill="hold" grpId="0" nodeType="clickEffect">
+                                  <p:stCondLst>
+                                    <p:cond delay="0"/>
+                                  </p:stCondLst>
+                                  <p:childTnLst>
+                                    <p:set>
+                                      <p:cBhvr>
+                                        <p:cTn id="11" dur="1" fill="hold">
+                                          <p:stCondLst>
+                                            <p:cond delay="0"/>
+                                          </p:stCondLst>
+                                        </p:cTn>
+                                        <p:tgtEl>
+                                          <p:spTgt spid="3">
+                                            <p:txEl>
+                                              <p:pRg st="1" end="1"/>
+                                            </p:txEl>
+                                          </p:spTgt>
+                                        </p:tgtEl>
+                                        <p:attrNameLst>
+                                          <p:attrName>style.visibility</p:attrName>
+                                        </p:attrNameLst>
+                                      </p:cBhvr>
+                                      <p:to>
+                                        <p:strVal val="visible"/>
+                                      </p:to>
+                                    </p:set>
+                                    <p:animEffect transition="in" filter="fade">
+                                      <p:cBhvr>
+                                        <p:cTn id="12" dur="500"/>
+                                        <p:tgtEl>
+                                          <p:spTgt spid="3">
+                                            <p:txEl>
+                                              <p:pRg st="1" end="1"/>
+                                            </p:txEl>
+                                          </p:spTgt>
+                                        </p:tgtEl>
+                                      </p:cBhvr>
+                                    </p:animEffect>
+                                  </p:childTnLst>
+                                </p:cTn>
+                              </p:par>
+                            </p:childTnLst>
+                          </p:cTn>
+                        </p:par>
+                      </p:childTnLst>
+                    </p:cTn>
+                  </p:par>
+                  <p:par>
+                    <p:cTn id="13" fill="hold">
+                      <p:stCondLst>
+                        <p:cond delay="indefinite"/>
+                      </p:stCondLst>
+                      <p:childTnLst>
+                        <p:par>
+                          <p:cTn id="14" fill="hold">
+                            <p:stCondLst>
+                              <p:cond delay="0"/>
+                            </p:stCondLst>
+                            <p:childTnLst>
+                              <p:par>
+                                <p:cTn id="15" presetID="10" presetClass="entr" presetSubtype="0" fill="hold" grpId="0" nodeType="clickEffect">
+                                  <p:stCondLst>
+                                    <p:cond delay="0"/>
+                                  </p:stCondLst>
+                                  <p:childTnLst>
+                                    <p:set>
+                                      <p:cBhvr>
+                                        <p:cTn id="16" dur="1" fill="hold">
+                                          <p:stCondLst>
+                                            <p:cond delay="0"/>
+                                          </p:stCondLst>
+                                        </p:cTn>
+                                        <p:tgtEl>
+                                          <p:spTgt spid="3">
+                                            <p:txEl>
+                                              <p:pRg st="3" end="3"/>
+                                            </p:txEl>
+                                          </p:spTgt>
+                                        </p:tgtEl>
+                                        <p:attrNameLst>
+                                          <p:attrName>style.visibility</p:attrName>
+                                        </p:attrNameLst>
+                                      </p:cBhvr>
+                                      <p:to>
+                                        <p:strVal val="visible"/>
+                                      </p:to>
+                                    </p:set>
+                                    <p:animEffect transition="in" filter="fade">
+                                      <p:cBhvr>
+                                        <p:cTn id="17" dur="500"/>
+                                        <p:tgtEl>
+                                          <p:spTgt spid="3">
+                                            <p:txEl>
+                                              <p:pRg st="3" end="3"/>
+                                            </p:txEl>
+                                          </p:spTgt>
+                                        </p:tgtEl>
+                                      </p:cBhvr>
+                                    </p:animEffect>
+                                  </p:childTnLst>
+                                </p:cTn>
+                              </p:par>
+                            </p:childTnLst>
+                          </p:cTn>
+                        </p:par>
+                      </p:childTnLst>
+                    </p:cTn>
+                  </p:par>
+                  <p:par>
+                    <p:cTn id="18" fill="hold">
+                      <p:stCondLst>
+                        <p:cond delay="indefinite"/>
+                      </p:stCondLst>
+                      <p:childTnLst>
+                        <p:par>
+                          <p:cTn id="19" fill="hold">
+                            <p:stCondLst>
+                              <p:cond delay="0"/>
+                            </p:stCondLst>
+                            <p:childTnLst>
+                              <p:par>
+                                <p:cTn id="20" presetID="10" presetClass="entr" presetSubtype="0" fill="hold" grpId="0" nodeType="clickEffect">
+                                  <p:stCondLst>
+                                    <p:cond delay="0"/>
+                                  </p:stCondLst>
+                                  <p:childTnLst>
+                                    <p:set>
+                                      <p:cBhvr>
+                                        <p:cTn id="21" dur="1" fill="hold">
+                                          <p:stCondLst>
+                                            <p:cond delay="0"/>
+                                          </p:stCondLst>
+                                        </p:cTn>
+                                        <p:tgtEl>
+                                          <p:spTgt spid="3">
+                                            <p:txEl>
+                                              <p:pRg st="4" end="4"/>
+                                            </p:txEl>
+                                          </p:spTgt>
+                                        </p:tgtEl>
+                                        <p:attrNameLst>
+                                          <p:attrName>style.visibility</p:attrName>
+                                        </p:attrNameLst>
+                                      </p:cBhvr>
+                                      <p:to>
+                                        <p:strVal val="visible"/>
+                                      </p:to>
+                                    </p:set>
+                                    <p:animEffect transition="in" filter="fade">
+                                      <p:cBhvr>
+                                        <p:cTn id="22" dur="500"/>
+                                        <p:tgtEl>
+                                          <p:spTgt spid="3">
+                                            <p:txEl>
+                                              <p:pRg st="4" end="4"/>
+                                            </p:txEl>
+                                          </p:spTgt>
+                                        </p:tgtEl>
+                                      </p:cBhvr>
+                                    </p:animEffect>
+                                  </p:childTnLst>
+                                </p:cTn>
+                              </p:par>
+                            </p:childTnLst>
+                          </p:cTn>
+                        </p:par>
+                      </p:childTnLst>
+                    </p:cTn>
+                  </p:par>
+                </p:childTnLst>
+              </p:cTn>
+              <p:prevCondLst>
+                <p:cond evt="onPrev" delay="0">
+                  <p:tgtEl>
+                    <p:sldTgt/>
+                  </p:tgtEl>
+                </p:cond>
+              </p:prevCondLst>
+              <p:nextCondLst>
+                <p:cond evt="onNext" delay="0">
+                  <p:tgtEl>
+                    <p:sldTgt/>
+                  </p:tgtEl>
+                </p:cond>
+              </p:nextCondLst>
+            </p:seq>
+          </p:childTnLst>
+        </p:cTn>
+      </p:par>
+    </p:tnLst>
+    <p:bldLst>
+      <p:bldP spid="3" grpId="0" build="p"/>
+    </p:bldLst>
+  </p:timing>
 </p:sld>
 </file>
 
